--- a/Karabanov-Bulanov.pptx
+++ b/Karabanov-Bulanov.pptx
@@ -11,15 +11,15 @@
     <p:sldId id="257" r:id="rId2"/>
     <p:sldId id="260" r:id="rId3"/>
     <p:sldId id="272" r:id="rId4"/>
-    <p:sldId id="280" r:id="rId5"/>
-    <p:sldId id="282" r:id="rId6"/>
+    <p:sldId id="292" r:id="rId5"/>
+    <p:sldId id="280" r:id="rId6"/>
     <p:sldId id="262" r:id="rId7"/>
-    <p:sldId id="292" r:id="rId8"/>
-    <p:sldId id="286" r:id="rId9"/>
-    <p:sldId id="289" r:id="rId10"/>
-    <p:sldId id="287" r:id="rId11"/>
-    <p:sldId id="290" r:id="rId12"/>
-    <p:sldId id="291" r:id="rId13"/>
+    <p:sldId id="293" r:id="rId8"/>
+    <p:sldId id="282" r:id="rId9"/>
+    <p:sldId id="264" r:id="rId10"/>
+    <p:sldId id="294" r:id="rId11"/>
+    <p:sldId id="296" r:id="rId12"/>
+    <p:sldId id="295" r:id="rId13"/>
   </p:sldIdLst>
   <p:sldSz cx="12192000" cy="6858000"/>
   <p:notesSz cx="6858000" cy="9144000"/>
@@ -120,7 +120,7 @@
   </p:defaultTextStyle>
   <p:extLst>
     <p:ext uri="{EFAFB233-063F-42B5-8137-9DF3F51BA10A}">
-      <p15:sldGuideLst xmlns:p15="http://schemas.microsoft.com/office/powerpoint/2012/main">
+      <p15:sldGuideLst xmlns:p15="http://schemas.microsoft.com/office/powerpoint/2012/main" xmlns="">
         <p15:guide id="1" orient="horz" pos="2160">
           <p15:clr>
             <a:srgbClr val="A4A3A4"/>
@@ -1851,10 +1851,10 @@
             </a:lnSpc>
           </a:pPr>
           <a:r>
-            <a:rPr lang="ru-RU" b="0" i="0" baseline="0"/>
+            <a:rPr lang="ru-RU" b="0" i="0" baseline="0" dirty="0"/>
             <a:t>Реализация работы с базой данных.</a:t>
           </a:r>
-          <a:endParaRPr lang="en-US"/>
+          <a:endParaRPr lang="en-US" dirty="0"/>
         </a:p>
       </dgm:t>
     </dgm:pt>
@@ -2061,10 +2061,10 @@
             </a:lnSpc>
           </a:pPr>
           <a:r>
-            <a:rPr lang="ru-RU"/>
+            <a:rPr lang="ru-RU" dirty="0"/>
             <a:t>Реализация взаимодействия с сервером.</a:t>
           </a:r>
-          <a:endParaRPr lang="en-US"/>
+          <a:endParaRPr lang="en-US" dirty="0"/>
         </a:p>
       </dgm:t>
     </dgm:pt>
@@ -2141,6 +2141,13 @@
         </dgm:presLayoutVars>
       </dgm:prSet>
       <dgm:spPr/>
+      <dgm:t>
+        <a:bodyPr/>
+        <a:lstStyle/>
+        <a:p>
+          <a:endParaRPr lang="ru-RU"/>
+        </a:p>
+      </dgm:t>
     </dgm:pt>
     <dgm:pt modelId="{8C2DF122-B761-4C25-8F24-146BAC91160B}" type="pres">
       <dgm:prSet presAssocID="{FA11B458-01B1-4F42-905D-732D3241101E}" presName="parentLin" presStyleCnt="0"/>
@@ -2149,6 +2156,13 @@
     <dgm:pt modelId="{6FD79286-6C07-4F0D-8A85-B0E065D7CDC0}" type="pres">
       <dgm:prSet presAssocID="{FA11B458-01B1-4F42-905D-732D3241101E}" presName="parentLeftMargin" presStyleLbl="node1" presStyleIdx="0" presStyleCnt="3"/>
       <dgm:spPr/>
+      <dgm:t>
+        <a:bodyPr/>
+        <a:lstStyle/>
+        <a:p>
+          <a:endParaRPr lang="ru-RU"/>
+        </a:p>
+      </dgm:t>
     </dgm:pt>
     <dgm:pt modelId="{63D96B71-6E0B-4534-BC18-1D015695FE23}" type="pres">
       <dgm:prSet presAssocID="{FA11B458-01B1-4F42-905D-732D3241101E}" presName="parentText" presStyleLbl="node1" presStyleIdx="0" presStyleCnt="3">
@@ -2158,6 +2172,13 @@
         </dgm:presLayoutVars>
       </dgm:prSet>
       <dgm:spPr/>
+      <dgm:t>
+        <a:bodyPr/>
+        <a:lstStyle/>
+        <a:p>
+          <a:endParaRPr lang="ru-RU"/>
+        </a:p>
+      </dgm:t>
     </dgm:pt>
     <dgm:pt modelId="{A287B935-0470-4287-95DB-1FEC35FE1204}" type="pres">
       <dgm:prSet presAssocID="{FA11B458-01B1-4F42-905D-732D3241101E}" presName="negativeSpace" presStyleCnt="0"/>
@@ -2170,6 +2191,13 @@
         </dgm:presLayoutVars>
       </dgm:prSet>
       <dgm:spPr/>
+      <dgm:t>
+        <a:bodyPr/>
+        <a:lstStyle/>
+        <a:p>
+          <a:endParaRPr lang="ru-RU"/>
+        </a:p>
+      </dgm:t>
     </dgm:pt>
     <dgm:pt modelId="{349A2150-36E5-4D28-8170-5804D8074622}" type="pres">
       <dgm:prSet presAssocID="{07EFB8BE-E368-46BE-AB6F-A5BB7094C18A}" presName="spaceBetweenRectangles" presStyleCnt="0"/>
@@ -2182,6 +2210,13 @@
     <dgm:pt modelId="{F86004B3-06F8-497D-9892-E6292CD8FC3B}" type="pres">
       <dgm:prSet presAssocID="{76F22B13-57A1-4289-A8A1-76D0C2A47FE1}" presName="parentLeftMargin" presStyleLbl="node1" presStyleIdx="0" presStyleCnt="3"/>
       <dgm:spPr/>
+      <dgm:t>
+        <a:bodyPr/>
+        <a:lstStyle/>
+        <a:p>
+          <a:endParaRPr lang="ru-RU"/>
+        </a:p>
+      </dgm:t>
     </dgm:pt>
     <dgm:pt modelId="{F50F5484-6FCB-4D62-9425-3E8FF4A12321}" type="pres">
       <dgm:prSet presAssocID="{76F22B13-57A1-4289-A8A1-76D0C2A47FE1}" presName="parentText" presStyleLbl="node1" presStyleIdx="1" presStyleCnt="3">
@@ -2191,6 +2226,13 @@
         </dgm:presLayoutVars>
       </dgm:prSet>
       <dgm:spPr/>
+      <dgm:t>
+        <a:bodyPr/>
+        <a:lstStyle/>
+        <a:p>
+          <a:endParaRPr lang="ru-RU"/>
+        </a:p>
+      </dgm:t>
     </dgm:pt>
     <dgm:pt modelId="{2B237B2A-3BBC-4727-B982-0458BED0F29D}" type="pres">
       <dgm:prSet presAssocID="{76F22B13-57A1-4289-A8A1-76D0C2A47FE1}" presName="negativeSpace" presStyleCnt="0"/>
@@ -2203,6 +2245,13 @@
         </dgm:presLayoutVars>
       </dgm:prSet>
       <dgm:spPr/>
+      <dgm:t>
+        <a:bodyPr/>
+        <a:lstStyle/>
+        <a:p>
+          <a:endParaRPr lang="ru-RU"/>
+        </a:p>
+      </dgm:t>
     </dgm:pt>
     <dgm:pt modelId="{A3C463F4-AA35-468D-8824-C8BC832638B6}" type="pres">
       <dgm:prSet presAssocID="{9445F809-BFBB-48AD-AF5C-D32941A89AC2}" presName="spaceBetweenRectangles" presStyleCnt="0"/>
@@ -2215,6 +2264,13 @@
     <dgm:pt modelId="{856FC767-6BF7-4770-ABCE-FA87CE080154}" type="pres">
       <dgm:prSet presAssocID="{BD0BC47D-ACFE-4D66-AFDA-85FA93FF4065}" presName="parentLeftMargin" presStyleLbl="node1" presStyleIdx="1" presStyleCnt="3"/>
       <dgm:spPr/>
+      <dgm:t>
+        <a:bodyPr/>
+        <a:lstStyle/>
+        <a:p>
+          <a:endParaRPr lang="ru-RU"/>
+        </a:p>
+      </dgm:t>
     </dgm:pt>
     <dgm:pt modelId="{756B80DF-E50F-4529-B974-3472EC4982B0}" type="pres">
       <dgm:prSet presAssocID="{BD0BC47D-ACFE-4D66-AFDA-85FA93FF4065}" presName="parentText" presStyleLbl="node1" presStyleIdx="2" presStyleCnt="3">
@@ -2224,6 +2280,13 @@
         </dgm:presLayoutVars>
       </dgm:prSet>
       <dgm:spPr/>
+      <dgm:t>
+        <a:bodyPr/>
+        <a:lstStyle/>
+        <a:p>
+          <a:endParaRPr lang="ru-RU"/>
+        </a:p>
+      </dgm:t>
     </dgm:pt>
     <dgm:pt modelId="{51FBFCE6-26CE-4A03-9D7E-36376BEF4E35}" type="pres">
       <dgm:prSet presAssocID="{BD0BC47D-ACFE-4D66-AFDA-85FA93FF4065}" presName="negativeSpace" presStyleCnt="0"/>
@@ -2236,37 +2299,44 @@
         </dgm:presLayoutVars>
       </dgm:prSet>
       <dgm:spPr/>
+      <dgm:t>
+        <a:bodyPr/>
+        <a:lstStyle/>
+        <a:p>
+          <a:endParaRPr lang="ru-RU"/>
+        </a:p>
+      </dgm:t>
     </dgm:pt>
   </dgm:ptLst>
   <dgm:cxnLst>
-    <dgm:cxn modelId="{F41F810F-8421-499B-9BFD-1C6CF3F435D0}" srcId="{1BD94D45-FEBC-499E-86BE-3DA34737BB37}" destId="{76F22B13-57A1-4289-A8A1-76D0C2A47FE1}" srcOrd="1" destOrd="0" parTransId="{7444DE81-09A6-4ABA-BB47-2280B3F04B6D}" sibTransId="{9445F809-BFBB-48AD-AF5C-D32941A89AC2}"/>
-    <dgm:cxn modelId="{EA97FB12-406C-4BF9-B00E-882C017F5230}" type="presOf" srcId="{2B5A276A-09C7-4AE6-8E80-F49AD5B8EE42}" destId="{E41C7816-88D4-44C0-9BE6-201433AA46CD}" srcOrd="0" destOrd="2" presId="urn:microsoft.com/office/officeart/2005/8/layout/list1"/>
-    <dgm:cxn modelId="{7078A432-5446-4A9F-9F18-53FBEC043649}" srcId="{76F22B13-57A1-4289-A8A1-76D0C2A47FE1}" destId="{086C131A-A866-4B9E-B1B4-D4E1BD750C66}" srcOrd="1" destOrd="0" parTransId="{5D51CC70-580D-4508-8CC1-8CC4B865A7C2}" sibTransId="{EE6C696B-E862-49CE-8F85-3B80880D08EB}"/>
-    <dgm:cxn modelId="{69D44B35-601C-4D7A-BEED-406C53A9CA38}" srcId="{76F22B13-57A1-4289-A8A1-76D0C2A47FE1}" destId="{EC487939-0FA8-48B3-87B9-CF2B53195B03}" srcOrd="2" destOrd="0" parTransId="{583AFF44-4669-4444-A28F-0231F3856E35}" sibTransId="{58CD5452-6540-4EF1-8640-FB1F55403C42}"/>
-    <dgm:cxn modelId="{915D6C38-9F4B-462A-AFC9-2EDB8FEDF633}" srcId="{BD0BC47D-ACFE-4D66-AFDA-85FA93FF4065}" destId="{D249B293-B395-439B-8834-936350D15B2A}" srcOrd="0" destOrd="0" parTransId="{8B059A68-246B-4ABE-86CE-D3073625E1F5}" sibTransId="{B1AA53EA-5032-46CF-BFD6-3959D62F35F1}"/>
-    <dgm:cxn modelId="{F8ED0542-ED08-4649-B658-E6F9E7013342}" srcId="{76F22B13-57A1-4289-A8A1-76D0C2A47FE1}" destId="{F7D42A4C-DC14-4BE8-86E2-B70C0118A8F2}" srcOrd="3" destOrd="0" parTransId="{FBB76ED0-FBD0-4005-A4BE-73B57B6A038E}" sibTransId="{FC5AA52F-7C35-4397-B607-7603290938B1}"/>
-    <dgm:cxn modelId="{5C3B5342-245C-4A47-8610-F4353745556A}" srcId="{FA11B458-01B1-4F42-905D-732D3241101E}" destId="{CA735DC0-22D8-4F59-9C5A-151A9CC80017}" srcOrd="0" destOrd="0" parTransId="{0AEDEF79-B114-427F-AA39-FE6236EC0433}" sibTransId="{ABF27C2A-6488-4799-97BF-9EB04DBCBA0C}"/>
+    <dgm:cxn modelId="{4070A786-5E46-4A15-BA7F-B379D44300D4}" srcId="{BD0BC47D-ACFE-4D66-AFDA-85FA93FF4065}" destId="{AB0B2434-51E2-4FFC-B61B-AFEFD0EA7361}" srcOrd="1" destOrd="0" parTransId="{99A65AE9-FAE5-4C39-9B3A-8801B47A1C05}" sibTransId="{FB187E94-3769-424F-A1F8-C350762DD77F}"/>
+    <dgm:cxn modelId="{3F9164CE-5A14-4902-AD7D-C58F28DFD1D6}" srcId="{76F22B13-57A1-4289-A8A1-76D0C2A47FE1}" destId="{311A3E6E-B438-44C2-85AF-CC6872167473}" srcOrd="0" destOrd="0" parTransId="{BC1A7A7A-E900-4363-82B6-4700EBFE360B}" sibTransId="{90AF6827-3013-4FC5-9662-2A1A9E433E0C}"/>
+    <dgm:cxn modelId="{46D9DFBD-F861-4379-86F6-6441B8DA2658}" type="presOf" srcId="{CA735DC0-22D8-4F59-9C5A-151A9CC80017}" destId="{E41C7816-88D4-44C0-9BE6-201433AA46CD}" srcOrd="0" destOrd="0" presId="urn:microsoft.com/office/officeart/2005/8/layout/list1"/>
+    <dgm:cxn modelId="{86E793CA-4FD7-429E-8762-A346253F5DA0}" type="presOf" srcId="{D249B293-B395-439B-8834-936350D15B2A}" destId="{2ED4877B-1CCB-4D03-891A-87C5089B85E9}" srcOrd="0" destOrd="0" presId="urn:microsoft.com/office/officeart/2005/8/layout/list1"/>
+    <dgm:cxn modelId="{643B2BD1-8083-4491-AAEC-F9428705B274}" type="presOf" srcId="{FA11B458-01B1-4F42-905D-732D3241101E}" destId="{6FD79286-6C07-4F0D-8A85-B0E065D7CDC0}" srcOrd="0" destOrd="0" presId="urn:microsoft.com/office/officeart/2005/8/layout/list1"/>
     <dgm:cxn modelId="{E0309F47-851A-41F3-A5B7-306FB8F57BD2}" type="presOf" srcId="{AB0B2434-51E2-4FFC-B61B-AFEFD0EA7361}" destId="{2ED4877B-1CCB-4D03-891A-87C5089B85E9}" srcOrd="0" destOrd="1" presId="urn:microsoft.com/office/officeart/2005/8/layout/list1"/>
-    <dgm:cxn modelId="{159B2273-2CE0-4F0D-B981-67B259BB4636}" srcId="{FA11B458-01B1-4F42-905D-732D3241101E}" destId="{EFC7001A-6E2D-4323-AC78-BB61C93D0F34}" srcOrd="1" destOrd="0" parTransId="{B60C89C6-2BE7-4F95-BF0D-D6CC5AB49C83}" sibTransId="{5FDD6C7F-1246-4277-94D5-5A06EEE08B13}"/>
-    <dgm:cxn modelId="{D533B77B-D7AD-40EB-B3AE-0E66267BA791}" type="presOf" srcId="{EFC7001A-6E2D-4323-AC78-BB61C93D0F34}" destId="{E41C7816-88D4-44C0-9BE6-201433AA46CD}" srcOrd="0" destOrd="1" presId="urn:microsoft.com/office/officeart/2005/8/layout/list1"/>
-    <dgm:cxn modelId="{4070A786-5E46-4A15-BA7F-B379D44300D4}" srcId="{BD0BC47D-ACFE-4D66-AFDA-85FA93FF4065}" destId="{AB0B2434-51E2-4FFC-B61B-AFEFD0EA7361}" srcOrd="1" destOrd="0" parTransId="{99A65AE9-FAE5-4C39-9B3A-8801B47A1C05}" sibTransId="{FB187E94-3769-424F-A1F8-C350762DD77F}"/>
-    <dgm:cxn modelId="{8C8F9597-26FC-47BB-B4FF-8F4E99D56328}" type="presOf" srcId="{311A3E6E-B438-44C2-85AF-CC6872167473}" destId="{51898E12-13ED-4BA0-8B4E-AF8772EDE7D4}" srcOrd="0" destOrd="0" presId="urn:microsoft.com/office/officeart/2005/8/layout/list1"/>
-    <dgm:cxn modelId="{FA31F3AF-64DC-4EEC-94C3-CCE1AE8318AA}" srcId="{1BD94D45-FEBC-499E-86BE-3DA34737BB37}" destId="{BD0BC47D-ACFE-4D66-AFDA-85FA93FF4065}" srcOrd="2" destOrd="0" parTransId="{8B728433-D7CE-4674-995C-401110557F89}" sibTransId="{7D3CFA34-1331-4BC4-85D0-0BB3D662277C}"/>
-    <dgm:cxn modelId="{46D9DFBD-F861-4379-86F6-6441B8DA2658}" type="presOf" srcId="{CA735DC0-22D8-4F59-9C5A-151A9CC80017}" destId="{E41C7816-88D4-44C0-9BE6-201433AA46CD}" srcOrd="0" destOrd="0" presId="urn:microsoft.com/office/officeart/2005/8/layout/list1"/>
+    <dgm:cxn modelId="{449A51E5-6136-45B2-9510-E931337127F5}" type="presOf" srcId="{76F22B13-57A1-4289-A8A1-76D0C2A47FE1}" destId="{F50F5484-6FCB-4D62-9425-3E8FF4A12321}" srcOrd="1" destOrd="0" presId="urn:microsoft.com/office/officeart/2005/8/layout/list1"/>
+    <dgm:cxn modelId="{D75058D7-91E3-4BEA-A6EC-19EE57CF2AE0}" type="presOf" srcId="{F7D42A4C-DC14-4BE8-86E2-B70C0118A8F2}" destId="{51898E12-13ED-4BA0-8B4E-AF8772EDE7D4}" srcOrd="0" destOrd="3" presId="urn:microsoft.com/office/officeart/2005/8/layout/list1"/>
     <dgm:cxn modelId="{291AA7C0-A6C6-4C51-9762-AE630E4D6B36}" srcId="{FA11B458-01B1-4F42-905D-732D3241101E}" destId="{2B5A276A-09C7-4AE6-8E80-F49AD5B8EE42}" srcOrd="2" destOrd="0" parTransId="{19C3079A-6FAE-414D-8C13-427AB3206BE4}" sibTransId="{9C3E46DD-C36C-4374-8AF5-D6C84313E716}"/>
     <dgm:cxn modelId="{A2DBC3C3-0DAB-48E2-A929-A8683391C4F2}" type="presOf" srcId="{FA11B458-01B1-4F42-905D-732D3241101E}" destId="{63D96B71-6E0B-4534-BC18-1D015695FE23}" srcOrd="1" destOrd="0" presId="urn:microsoft.com/office/officeart/2005/8/layout/list1"/>
-    <dgm:cxn modelId="{86E793CA-4FD7-429E-8762-A346253F5DA0}" type="presOf" srcId="{D249B293-B395-439B-8834-936350D15B2A}" destId="{2ED4877B-1CCB-4D03-891A-87C5089B85E9}" srcOrd="0" destOrd="0" presId="urn:microsoft.com/office/officeart/2005/8/layout/list1"/>
-    <dgm:cxn modelId="{3F9164CE-5A14-4902-AD7D-C58F28DFD1D6}" srcId="{76F22B13-57A1-4289-A8A1-76D0C2A47FE1}" destId="{311A3E6E-B438-44C2-85AF-CC6872167473}" srcOrd="0" destOrd="0" parTransId="{BC1A7A7A-E900-4363-82B6-4700EBFE360B}" sibTransId="{90AF6827-3013-4FC5-9662-2A1A9E433E0C}"/>
-    <dgm:cxn modelId="{643B2BD1-8083-4491-AAEC-F9428705B274}" type="presOf" srcId="{FA11B458-01B1-4F42-905D-732D3241101E}" destId="{6FD79286-6C07-4F0D-8A85-B0E065D7CDC0}" srcOrd="0" destOrd="0" presId="urn:microsoft.com/office/officeart/2005/8/layout/list1"/>
-    <dgm:cxn modelId="{D75058D7-91E3-4BEA-A6EC-19EE57CF2AE0}" type="presOf" srcId="{F7D42A4C-DC14-4BE8-86E2-B70C0118A8F2}" destId="{51898E12-13ED-4BA0-8B4E-AF8772EDE7D4}" srcOrd="0" destOrd="3" presId="urn:microsoft.com/office/officeart/2005/8/layout/list1"/>
+    <dgm:cxn modelId="{7DA3CDEB-98D0-48E7-B9B9-48F9ED9CF372}" srcId="{1BD94D45-FEBC-499E-86BE-3DA34737BB37}" destId="{FA11B458-01B1-4F42-905D-732D3241101E}" srcOrd="0" destOrd="0" parTransId="{55300084-2C74-4196-9B5E-6F5458B3EB4E}" sibTransId="{07EFB8BE-E368-46BE-AB6F-A5BB7094C18A}"/>
+    <dgm:cxn modelId="{F8ED0542-ED08-4649-B658-E6F9E7013342}" srcId="{76F22B13-57A1-4289-A8A1-76D0C2A47FE1}" destId="{F7D42A4C-DC14-4BE8-86E2-B70C0118A8F2}" srcOrd="3" destOrd="0" parTransId="{FBB76ED0-FBD0-4005-A4BE-73B57B6A038E}" sibTransId="{FC5AA52F-7C35-4397-B607-7603290938B1}"/>
+    <dgm:cxn modelId="{915D6C38-9F4B-462A-AFC9-2EDB8FEDF633}" srcId="{BD0BC47D-ACFE-4D66-AFDA-85FA93FF4065}" destId="{D249B293-B395-439B-8834-936350D15B2A}" srcOrd="0" destOrd="0" parTransId="{8B059A68-246B-4ABE-86CE-D3073625E1F5}" sibTransId="{B1AA53EA-5032-46CF-BFD6-3959D62F35F1}"/>
     <dgm:cxn modelId="{9E07F8D7-40F0-4DBB-BBE5-E68E1FDEC2DC}" type="presOf" srcId="{BD0BC47D-ACFE-4D66-AFDA-85FA93FF4065}" destId="{756B80DF-E50F-4529-B974-3472EC4982B0}" srcOrd="1" destOrd="0" presId="urn:microsoft.com/office/officeart/2005/8/layout/list1"/>
+    <dgm:cxn modelId="{7078A432-5446-4A9F-9F18-53FBEC043649}" srcId="{76F22B13-57A1-4289-A8A1-76D0C2A47FE1}" destId="{086C131A-A866-4B9E-B1B4-D4E1BD750C66}" srcOrd="1" destOrd="0" parTransId="{5D51CC70-580D-4508-8CC1-8CC4B865A7C2}" sibTransId="{EE6C696B-E862-49CE-8F85-3B80880D08EB}"/>
+    <dgm:cxn modelId="{D533B77B-D7AD-40EB-B3AE-0E66267BA791}" type="presOf" srcId="{EFC7001A-6E2D-4323-AC78-BB61C93D0F34}" destId="{E41C7816-88D4-44C0-9BE6-201433AA46CD}" srcOrd="0" destOrd="1" presId="urn:microsoft.com/office/officeart/2005/8/layout/list1"/>
     <dgm:cxn modelId="{4450E0DE-7D09-44B8-A991-9D08CC4955D9}" type="presOf" srcId="{1BD94D45-FEBC-499E-86BE-3DA34737BB37}" destId="{FF7FDCDB-788D-4ACA-AA1A-2059925F22EF}" srcOrd="0" destOrd="0" presId="urn:microsoft.com/office/officeart/2005/8/layout/list1"/>
-    <dgm:cxn modelId="{449A51E5-6136-45B2-9510-E931337127F5}" type="presOf" srcId="{76F22B13-57A1-4289-A8A1-76D0C2A47FE1}" destId="{F50F5484-6FCB-4D62-9425-3E8FF4A12321}" srcOrd="1" destOrd="0" presId="urn:microsoft.com/office/officeart/2005/8/layout/list1"/>
+    <dgm:cxn modelId="{8C8F9597-26FC-47BB-B4FF-8F4E99D56328}" type="presOf" srcId="{311A3E6E-B438-44C2-85AF-CC6872167473}" destId="{51898E12-13ED-4BA0-8B4E-AF8772EDE7D4}" srcOrd="0" destOrd="0" presId="urn:microsoft.com/office/officeart/2005/8/layout/list1"/>
     <dgm:cxn modelId="{F3DCA3E8-6E0B-43A8-A5E4-2463F93BF0A0}" type="presOf" srcId="{76F22B13-57A1-4289-A8A1-76D0C2A47FE1}" destId="{F86004B3-06F8-497D-9892-E6292CD8FC3B}" srcOrd="0" destOrd="0" presId="urn:microsoft.com/office/officeart/2005/8/layout/list1"/>
+    <dgm:cxn modelId="{EA97FB12-406C-4BF9-B00E-882C017F5230}" type="presOf" srcId="{2B5A276A-09C7-4AE6-8E80-F49AD5B8EE42}" destId="{E41C7816-88D4-44C0-9BE6-201433AA46CD}" srcOrd="0" destOrd="2" presId="urn:microsoft.com/office/officeart/2005/8/layout/list1"/>
+    <dgm:cxn modelId="{5C3B5342-245C-4A47-8610-F4353745556A}" srcId="{FA11B458-01B1-4F42-905D-732D3241101E}" destId="{CA735DC0-22D8-4F59-9C5A-151A9CC80017}" srcOrd="0" destOrd="0" parTransId="{0AEDEF79-B114-427F-AA39-FE6236EC0433}" sibTransId="{ABF27C2A-6488-4799-97BF-9EB04DBCBA0C}"/>
+    <dgm:cxn modelId="{7489C6F0-4BFF-45A2-A8CC-43DACBCDE501}" type="presOf" srcId="{BD0BC47D-ACFE-4D66-AFDA-85FA93FF4065}" destId="{856FC767-6BF7-4770-ABCE-FA87CE080154}" srcOrd="0" destOrd="0" presId="urn:microsoft.com/office/officeart/2005/8/layout/list1"/>
     <dgm:cxn modelId="{09DA51E9-4B4F-4718-B541-42AD5B1BA53F}" type="presOf" srcId="{EC487939-0FA8-48B3-87B9-CF2B53195B03}" destId="{51898E12-13ED-4BA0-8B4E-AF8772EDE7D4}" srcOrd="0" destOrd="2" presId="urn:microsoft.com/office/officeart/2005/8/layout/list1"/>
-    <dgm:cxn modelId="{7DA3CDEB-98D0-48E7-B9B9-48F9ED9CF372}" srcId="{1BD94D45-FEBC-499E-86BE-3DA34737BB37}" destId="{FA11B458-01B1-4F42-905D-732D3241101E}" srcOrd="0" destOrd="0" parTransId="{55300084-2C74-4196-9B5E-6F5458B3EB4E}" sibTransId="{07EFB8BE-E368-46BE-AB6F-A5BB7094C18A}"/>
-    <dgm:cxn modelId="{7489C6F0-4BFF-45A2-A8CC-43DACBCDE501}" type="presOf" srcId="{BD0BC47D-ACFE-4D66-AFDA-85FA93FF4065}" destId="{856FC767-6BF7-4770-ABCE-FA87CE080154}" srcOrd="0" destOrd="0" presId="urn:microsoft.com/office/officeart/2005/8/layout/list1"/>
+    <dgm:cxn modelId="{69D44B35-601C-4D7A-BEED-406C53A9CA38}" srcId="{76F22B13-57A1-4289-A8A1-76D0C2A47FE1}" destId="{EC487939-0FA8-48B3-87B9-CF2B53195B03}" srcOrd="2" destOrd="0" parTransId="{583AFF44-4669-4444-A28F-0231F3856E35}" sibTransId="{58CD5452-6540-4EF1-8640-FB1F55403C42}"/>
+    <dgm:cxn modelId="{159B2273-2CE0-4F0D-B981-67B259BB4636}" srcId="{FA11B458-01B1-4F42-905D-732D3241101E}" destId="{EFC7001A-6E2D-4323-AC78-BB61C93D0F34}" srcOrd="1" destOrd="0" parTransId="{B60C89C6-2BE7-4F95-BF0D-D6CC5AB49C83}" sibTransId="{5FDD6C7F-1246-4277-94D5-5A06EEE08B13}"/>
+    <dgm:cxn modelId="{FA31F3AF-64DC-4EEC-94C3-CCE1AE8318AA}" srcId="{1BD94D45-FEBC-499E-86BE-3DA34737BB37}" destId="{BD0BC47D-ACFE-4D66-AFDA-85FA93FF4065}" srcOrd="2" destOrd="0" parTransId="{8B728433-D7CE-4674-995C-401110557F89}" sibTransId="{7D3CFA34-1331-4BC4-85D0-0BB3D662277C}"/>
     <dgm:cxn modelId="{C9652BF4-66E2-40D3-ADE3-7A80201FF571}" type="presOf" srcId="{086C131A-A866-4B9E-B1B4-D4E1BD750C66}" destId="{51898E12-13ED-4BA0-8B4E-AF8772EDE7D4}" srcOrd="0" destOrd="1" presId="urn:microsoft.com/office/officeart/2005/8/layout/list1"/>
+    <dgm:cxn modelId="{F41F810F-8421-499B-9BFD-1C6CF3F435D0}" srcId="{1BD94D45-FEBC-499E-86BE-3DA34737BB37}" destId="{76F22B13-57A1-4289-A8A1-76D0C2A47FE1}" srcOrd="1" destOrd="0" parTransId="{7444DE81-09A6-4ABA-BB47-2280B3F04B6D}" sibTransId="{9445F809-BFBB-48AD-AF5C-D32941A89AC2}"/>
     <dgm:cxn modelId="{4B778F53-69A8-4013-A894-C2B8DB0D170E}" type="presParOf" srcId="{FF7FDCDB-788D-4ACA-AA1A-2059925F22EF}" destId="{8C2DF122-B761-4C25-8F24-146BAC91160B}" srcOrd="0" destOrd="0" presId="urn:microsoft.com/office/officeart/2005/8/layout/list1"/>
     <dgm:cxn modelId="{833F7872-EBD6-4FEE-99BD-38CFE00B2452}" type="presParOf" srcId="{8C2DF122-B761-4C25-8F24-146BAC91160B}" destId="{6FD79286-6C07-4F0D-8A85-B0E065D7CDC0}" srcOrd="0" destOrd="0" presId="urn:microsoft.com/office/officeart/2005/8/layout/list1"/>
     <dgm:cxn modelId="{CA6CB698-7FA1-4F37-9A67-354CA1ED7406}" type="presParOf" srcId="{8C2DF122-B761-4C25-8F24-146BAC91160B}" destId="{63D96B71-6E0B-4534-BC18-1D015695FE23}" srcOrd="1" destOrd="0" presId="urn:microsoft.com/office/officeart/2005/8/layout/list1"/>
@@ -2366,7 +2436,7 @@
             <a:spcAft>
               <a:spcPct val="15000"/>
             </a:spcAft>
-            <a:buChar char="•"/>
+            <a:buChar char="••"/>
           </a:pPr>
           <a:r>
             <a:rPr lang="ru-RU" sz="1700" kern="1200" dirty="0"/>
@@ -2405,7 +2475,7 @@
             <a:spcAft>
               <a:spcPct val="15000"/>
             </a:spcAft>
-            <a:buChar char="•"/>
+            <a:buChar char="••"/>
           </a:pPr>
           <a:r>
             <a:rPr lang="ru-RU" sz="1700" kern="1200" dirty="0"/>
@@ -2431,7 +2501,7 @@
             <a:spcAft>
               <a:spcPct val="15000"/>
             </a:spcAft>
-            <a:buChar char="•"/>
+            <a:buChar char="••"/>
           </a:pPr>
           <a:r>
             <a:rPr lang="ru-RU" sz="1700" kern="1200" dirty="0"/>
@@ -2507,7 +2577,7 @@
         </a:bodyPr>
         <a:lstStyle/>
         <a:p>
-          <a:pPr marL="0" lvl="0" indent="0" algn="l" defTabSz="755650">
+          <a:pPr lvl="0" algn="l" defTabSz="755650">
             <a:lnSpc>
               <a:spcPct val="100000"/>
             </a:lnSpc>
@@ -2517,7 +2587,6 @@
             <a:spcAft>
               <a:spcPct val="35000"/>
             </a:spcAft>
-            <a:buNone/>
           </a:pPr>
           <a:r>
             <a:rPr lang="ru-RU" sz="1700" kern="1200" dirty="0"/>
@@ -2594,13 +2663,13 @@
             <a:spcAft>
               <a:spcPct val="15000"/>
             </a:spcAft>
-            <a:buChar char="•"/>
+            <a:buChar char="••"/>
           </a:pPr>
           <a:r>
-            <a:rPr lang="ru-RU" sz="1700" b="0" i="0" kern="1200" baseline="0"/>
+            <a:rPr lang="ru-RU" sz="1700" b="0" i="0" kern="1200" baseline="0" dirty="0"/>
             <a:t>Реализация работы с базой данных.</a:t>
           </a:r>
-          <a:endParaRPr lang="en-US" sz="1700" kern="1200"/>
+          <a:endParaRPr lang="en-US" sz="1700" kern="1200" dirty="0"/>
         </a:p>
         <a:p>
           <a:pPr marL="171450" lvl="1" indent="-171450" algn="l" defTabSz="755650">
@@ -2613,7 +2682,7 @@
             <a:spcAft>
               <a:spcPct val="15000"/>
             </a:spcAft>
-            <a:buChar char="•"/>
+            <a:buChar char="••"/>
           </a:pPr>
           <a:r>
             <a:rPr lang="ru-RU" sz="1700" b="0" i="0" kern="1200" baseline="0" dirty="0"/>
@@ -2632,7 +2701,7 @@
             <a:spcAft>
               <a:spcPct val="15000"/>
             </a:spcAft>
-            <a:buChar char="•"/>
+            <a:buChar char="••"/>
           </a:pPr>
           <a:r>
             <a:rPr lang="ru-RU" sz="1700" b="0" i="0" kern="1200" baseline="0" dirty="0"/>
@@ -2651,7 +2720,7 @@
             <a:spcAft>
               <a:spcPct val="15000"/>
             </a:spcAft>
-            <a:buChar char="•"/>
+            <a:buChar char="••"/>
           </a:pPr>
           <a:r>
             <a:rPr lang="ru-RU" sz="1700" b="0" i="0" kern="1200" baseline="0" dirty="0"/>
@@ -2719,7 +2788,7 @@
         </a:bodyPr>
         <a:lstStyle/>
         <a:p>
-          <a:pPr marL="0" lvl="0" indent="0" algn="l" defTabSz="755650">
+          <a:pPr lvl="0" algn="l" defTabSz="755650">
             <a:lnSpc>
               <a:spcPct val="100000"/>
             </a:lnSpc>
@@ -2729,7 +2798,6 @@
             <a:spcAft>
               <a:spcPct val="35000"/>
             </a:spcAft>
-            <a:buNone/>
           </a:pPr>
           <a:r>
             <a:rPr lang="ru-RU" sz="1700" kern="1200"/>
@@ -2806,13 +2874,13 @@
             <a:spcAft>
               <a:spcPct val="15000"/>
             </a:spcAft>
-            <a:buChar char="•"/>
+            <a:buChar char="••"/>
           </a:pPr>
           <a:r>
-            <a:rPr lang="ru-RU" sz="1700" kern="1200"/>
+            <a:rPr lang="ru-RU" sz="1700" kern="1200" dirty="0"/>
             <a:t>Реализация взаимодействия с сервером.</a:t>
           </a:r>
-          <a:endParaRPr lang="en-US" sz="1700" kern="1200"/>
+          <a:endParaRPr lang="en-US" sz="1700" kern="1200" dirty="0"/>
         </a:p>
         <a:p>
           <a:pPr marL="171450" lvl="1" indent="-171450" algn="l" defTabSz="755650">
@@ -2825,7 +2893,7 @@
             <a:spcAft>
               <a:spcPct val="15000"/>
             </a:spcAft>
-            <a:buChar char="•"/>
+            <a:buChar char="••"/>
           </a:pPr>
           <a:r>
             <a:rPr lang="ru-RU" sz="1700" kern="1200" dirty="0"/>
@@ -2893,7 +2961,7 @@
         </a:bodyPr>
         <a:lstStyle/>
         <a:p>
-          <a:pPr marL="0" lvl="0" indent="0" algn="l" defTabSz="755650">
+          <a:pPr lvl="0" algn="l" defTabSz="755650">
             <a:lnSpc>
               <a:spcPct val="100000"/>
             </a:lnSpc>
@@ -2903,7 +2971,6 @@
             <a:spcAft>
               <a:spcPct val="35000"/>
             </a:spcAft>
-            <a:buNone/>
           </a:pPr>
           <a:r>
             <a:rPr lang="ru-RU" sz="1700" kern="1200"/>
@@ -4262,7 +4329,7 @@
           <a:p>
             <a:fld id="{F264D7CE-F6B4-4123-AB21-690A9D14F642}" type="datetimeFigureOut">
               <a:rPr lang="ru-RU" smtClean="0"/>
-              <a:t>18.10.2022</a:t>
+              <a:t>25.10.2022</a:t>
             </a:fld>
             <a:endParaRPr lang="ru-RU"/>
           </a:p>
@@ -4529,90 +4596,6 @@
 </p:notesMaster>
 </file>
 
-<file path=ppt/notesSlides/notesSlide1.xml><?xml version="1.0" encoding="utf-8"?>
-<p:notes xmlns:a="http://schemas.openxmlformats.org/drawingml/2006/main" xmlns:r="http://schemas.openxmlformats.org/officeDocument/2006/relationships" xmlns:p="http://schemas.openxmlformats.org/presentationml/2006/main">
-  <p:cSld>
-    <p:spTree>
-      <p:nvGrpSpPr>
-        <p:cNvPr id="1" name=""/>
-        <p:cNvGrpSpPr/>
-        <p:nvPr/>
-      </p:nvGrpSpPr>
-      <p:grpSpPr>
-        <a:xfrm>
-          <a:off x="0" y="0"/>
-          <a:ext cx="0" cy="0"/>
-          <a:chOff x="0" y="0"/>
-          <a:chExt cx="0" cy="0"/>
-        </a:xfrm>
-      </p:grpSpPr>
-      <p:sp>
-        <p:nvSpPr>
-          <p:cNvPr id="2" name="Образ слайда 1"/>
-          <p:cNvSpPr>
-            <a:spLocks noGrp="1" noRot="1" noChangeAspect="1"/>
-          </p:cNvSpPr>
-          <p:nvPr>
-            <p:ph type="sldImg"/>
-          </p:nvPr>
-        </p:nvSpPr>
-        <p:spPr/>
-      </p:sp>
-      <p:sp>
-        <p:nvSpPr>
-          <p:cNvPr id="3" name="Заметки 2"/>
-          <p:cNvSpPr>
-            <a:spLocks noGrp="1"/>
-          </p:cNvSpPr>
-          <p:nvPr>
-            <p:ph type="body" idx="1"/>
-          </p:nvPr>
-        </p:nvSpPr>
-        <p:spPr/>
-        <p:txBody>
-          <a:bodyPr/>
-          <a:lstStyle/>
-          <a:p>
-            <a:endParaRPr lang="ru-RU" dirty="0"/>
-          </a:p>
-        </p:txBody>
-      </p:sp>
-      <p:sp>
-        <p:nvSpPr>
-          <p:cNvPr id="4" name="Номер слайда 3"/>
-          <p:cNvSpPr>
-            <a:spLocks noGrp="1"/>
-          </p:cNvSpPr>
-          <p:nvPr>
-            <p:ph type="sldNum" sz="quarter" idx="5"/>
-          </p:nvPr>
-        </p:nvSpPr>
-        <p:spPr/>
-        <p:txBody>
-          <a:bodyPr/>
-          <a:lstStyle/>
-          <a:p>
-            <a:fld id="{B5B9BD1B-8290-4F56-A867-6308230683B1}" type="slidenum">
-              <a:rPr lang="ru-RU" smtClean="0"/>
-              <a:t>8</a:t>
-            </a:fld>
-            <a:endParaRPr lang="ru-RU"/>
-          </a:p>
-        </p:txBody>
-      </p:sp>
-    </p:spTree>
-    <p:extLst>
-      <p:ext uri="{BB962C8B-B14F-4D97-AF65-F5344CB8AC3E}">
-        <p14:creationId xmlns:p14="http://schemas.microsoft.com/office/powerpoint/2010/main" val="1585288169"/>
-      </p:ext>
-    </p:extLst>
-  </p:cSld>
-  <p:clrMapOvr>
-    <a:masterClrMapping/>
-  </p:clrMapOvr>
-</p:notes>
-</file>
-
 <file path=ppt/slideLayouts/slideLayout1.xml><?xml version="1.0" encoding="utf-8"?>
 <p:sldLayout xmlns:a="http://schemas.openxmlformats.org/drawingml/2006/main" xmlns:r="http://schemas.openxmlformats.org/officeDocument/2006/relationships" xmlns:p="http://schemas.openxmlformats.org/presentationml/2006/main" showMasterSp="0" type="title" preserve="1">
   <p:cSld name="Title Slide">
@@ -4635,7 +4618,7 @@
           <p:cNvPr id="10" name="Rectangle 9">
             <a:extLst>
               <a:ext uri="{FF2B5EF4-FFF2-40B4-BE49-F238E27FC236}">
-                <a16:creationId xmlns:a16="http://schemas.microsoft.com/office/drawing/2014/main" id="{39E3965E-AC41-4711-9D10-E25ABB132D86}"/>
+                <a16:creationId xmlns:a16="http://schemas.microsoft.com/office/drawing/2014/main" xmlns="" id="{39E3965E-AC41-4711-9D10-E25ABB132D86}"/>
               </a:ext>
             </a:extLst>
           </p:cNvPr>
@@ -4795,7 +4778,7 @@
           <p:cNvPr id="9" name="Straight Connector 8">
             <a:extLst>
               <a:ext uri="{FF2B5EF4-FFF2-40B4-BE49-F238E27FC236}">
-                <a16:creationId xmlns:a16="http://schemas.microsoft.com/office/drawing/2014/main" id="{1F5DC8C3-BA5F-4EED-BB9A-A14272BD82A1}"/>
+                <a16:creationId xmlns:a16="http://schemas.microsoft.com/office/drawing/2014/main" xmlns="" id="{1F5DC8C3-BA5F-4EED-BB9A-A14272BD82A1}"/>
               </a:ext>
             </a:extLst>
           </p:cNvPr>
@@ -4839,7 +4822,7 @@
           <p:cNvPr id="4" name="Date Placeholder 3">
             <a:extLst>
               <a:ext uri="{FF2B5EF4-FFF2-40B4-BE49-F238E27FC236}">
-                <a16:creationId xmlns:a16="http://schemas.microsoft.com/office/drawing/2014/main" id="{9925CCF1-92C0-4AF3-BFAF-4921631915AB}"/>
+                <a16:creationId xmlns:a16="http://schemas.microsoft.com/office/drawing/2014/main" xmlns="" id="{9925CCF1-92C0-4AF3-BFAF-4921631915AB}"/>
               </a:ext>
             </a:extLst>
           </p:cNvPr>
@@ -4857,7 +4840,7 @@
           <a:p>
             <a:fld id="{9184DA70-C731-4C70-880D-CCD4705E623C}" type="datetime1">
               <a:rPr lang="en-US" smtClean="0"/>
-              <a:t>10/18/2022</a:t>
+              <a:t>10/25/2022</a:t>
             </a:fld>
             <a:endParaRPr lang="en-US" dirty="0"/>
           </a:p>
@@ -4868,7 +4851,7 @@
           <p:cNvPr id="5" name="Footer Placeholder 4">
             <a:extLst>
               <a:ext uri="{FF2B5EF4-FFF2-40B4-BE49-F238E27FC236}">
-                <a16:creationId xmlns:a16="http://schemas.microsoft.com/office/drawing/2014/main" id="{051A78A9-3DFF-4937-A9F2-5D8CF495F367}"/>
+                <a16:creationId xmlns:a16="http://schemas.microsoft.com/office/drawing/2014/main" xmlns="" id="{051A78A9-3DFF-4937-A9F2-5D8CF495F367}"/>
               </a:ext>
             </a:extLst>
           </p:cNvPr>
@@ -4893,7 +4876,7 @@
           <p:cNvPr id="6" name="Slide Number Placeholder 5">
             <a:extLst>
               <a:ext uri="{FF2B5EF4-FFF2-40B4-BE49-F238E27FC236}">
-                <a16:creationId xmlns:a16="http://schemas.microsoft.com/office/drawing/2014/main" id="{5FAEB271-5CC0-4759-BC6E-8BE53AB227C0}"/>
+                <a16:creationId xmlns:a16="http://schemas.microsoft.com/office/drawing/2014/main" xmlns="" id="{5FAEB271-5CC0-4759-BC6E-8BE53AB227C0}"/>
               </a:ext>
             </a:extLst>
           </p:cNvPr>
@@ -5027,7 +5010,7 @@
           <p:cNvPr id="7" name="Date Placeholder 6">
             <a:extLst>
               <a:ext uri="{FF2B5EF4-FFF2-40B4-BE49-F238E27FC236}">
-                <a16:creationId xmlns:a16="http://schemas.microsoft.com/office/drawing/2014/main" id="{7D5506EE-1026-4F35-9ACC-BD05BE0F9B36}"/>
+                <a16:creationId xmlns:a16="http://schemas.microsoft.com/office/drawing/2014/main" xmlns="" id="{7D5506EE-1026-4F35-9ACC-BD05BE0F9B36}"/>
               </a:ext>
             </a:extLst>
           </p:cNvPr>
@@ -5045,7 +5028,7 @@
           <a:p>
             <a:fld id="{B612A279-0833-481D-8C56-F67FD0AC6C50}" type="datetime1">
               <a:rPr lang="en-US" smtClean="0"/>
-              <a:t>10/18/2022</a:t>
+              <a:t>10/25/2022</a:t>
             </a:fld>
             <a:endParaRPr lang="en-US" dirty="0"/>
           </a:p>
@@ -5056,7 +5039,7 @@
           <p:cNvPr id="8" name="Footer Placeholder 7">
             <a:extLst>
               <a:ext uri="{FF2B5EF4-FFF2-40B4-BE49-F238E27FC236}">
-                <a16:creationId xmlns:a16="http://schemas.microsoft.com/office/drawing/2014/main" id="{B7696E5F-8D95-4450-AE52-5438E6EDE2BF}"/>
+                <a16:creationId xmlns:a16="http://schemas.microsoft.com/office/drawing/2014/main" xmlns="" id="{B7696E5F-8D95-4450-AE52-5438E6EDE2BF}"/>
               </a:ext>
             </a:extLst>
           </p:cNvPr>
@@ -5081,7 +5064,7 @@
           <p:cNvPr id="9" name="Slide Number Placeholder 8">
             <a:extLst>
               <a:ext uri="{FF2B5EF4-FFF2-40B4-BE49-F238E27FC236}">
-                <a16:creationId xmlns:a16="http://schemas.microsoft.com/office/drawing/2014/main" id="{999B2253-74CC-409E-BEB0-F8EFCFCB5629}"/>
+                <a16:creationId xmlns:a16="http://schemas.microsoft.com/office/drawing/2014/main" xmlns="" id="{999B2253-74CC-409E-BEB0-F8EFCFCB5629}"/>
               </a:ext>
             </a:extLst>
           </p:cNvPr>
@@ -5140,7 +5123,7 @@
           <p:cNvPr id="9" name="Rectangle 8">
             <a:extLst>
               <a:ext uri="{FF2B5EF4-FFF2-40B4-BE49-F238E27FC236}">
-                <a16:creationId xmlns:a16="http://schemas.microsoft.com/office/drawing/2014/main" id="{E1B68A5B-D9FA-424B-A4EB-30E7223836B3}"/>
+                <a16:creationId xmlns:a16="http://schemas.microsoft.com/office/drawing/2014/main" xmlns="" id="{E1B68A5B-D9FA-424B-A4EB-30E7223836B3}"/>
               </a:ext>
             </a:extLst>
           </p:cNvPr>
@@ -5269,7 +5252,7 @@
           <p:cNvPr id="7" name="Date Placeholder 6">
             <a:extLst>
               <a:ext uri="{FF2B5EF4-FFF2-40B4-BE49-F238E27FC236}">
-                <a16:creationId xmlns:a16="http://schemas.microsoft.com/office/drawing/2014/main" id="{AF33D6B0-F070-45C4-A472-19F432BE3932}"/>
+                <a16:creationId xmlns:a16="http://schemas.microsoft.com/office/drawing/2014/main" xmlns="" id="{AF33D6B0-F070-45C4-A472-19F432BE3932}"/>
               </a:ext>
             </a:extLst>
           </p:cNvPr>
@@ -5287,7 +5270,7 @@
           <a:p>
             <a:fld id="{6587DA83-5663-4C9C-B9AA-0B40A3DAFF81}" type="datetime1">
               <a:rPr lang="en-US" smtClean="0"/>
-              <a:t>10/18/2022</a:t>
+              <a:t>10/25/2022</a:t>
             </a:fld>
             <a:endParaRPr lang="en-US" dirty="0"/>
           </a:p>
@@ -5298,7 +5281,7 @@
           <p:cNvPr id="8" name="Footer Placeholder 7">
             <a:extLst>
               <a:ext uri="{FF2B5EF4-FFF2-40B4-BE49-F238E27FC236}">
-                <a16:creationId xmlns:a16="http://schemas.microsoft.com/office/drawing/2014/main" id="{9975399F-DAB2-410D-967F-ED17E6F796E7}"/>
+                <a16:creationId xmlns:a16="http://schemas.microsoft.com/office/drawing/2014/main" xmlns="" id="{9975399F-DAB2-410D-967F-ED17E6F796E7}"/>
               </a:ext>
             </a:extLst>
           </p:cNvPr>
@@ -5323,7 +5306,7 @@
           <p:cNvPr id="10" name="Slide Number Placeholder 9">
             <a:extLst>
               <a:ext uri="{FF2B5EF4-FFF2-40B4-BE49-F238E27FC236}">
-                <a16:creationId xmlns:a16="http://schemas.microsoft.com/office/drawing/2014/main" id="{F762A46F-6BE5-4D12-9412-5CA7672EA8EC}"/>
+                <a16:creationId xmlns:a16="http://schemas.microsoft.com/office/drawing/2014/main" xmlns="" id="{F762A46F-6BE5-4D12-9412-5CA7672EA8EC}"/>
               </a:ext>
             </a:extLst>
           </p:cNvPr>
@@ -5457,7 +5440,7 @@
           <p:cNvPr id="7" name="Date Placeholder 6">
             <a:extLst>
               <a:ext uri="{FF2B5EF4-FFF2-40B4-BE49-F238E27FC236}">
-                <a16:creationId xmlns:a16="http://schemas.microsoft.com/office/drawing/2014/main" id="{354D8B55-9EA8-4B81-8E84-9B93B0A27559}"/>
+                <a16:creationId xmlns:a16="http://schemas.microsoft.com/office/drawing/2014/main" xmlns="" id="{354D8B55-9EA8-4B81-8E84-9B93B0A27559}"/>
               </a:ext>
             </a:extLst>
           </p:cNvPr>
@@ -5475,7 +5458,7 @@
           <a:p>
             <a:fld id="{4BE1D723-8F53-4F53-90B0-1982A396982E}" type="datetime1">
               <a:rPr lang="en-US" smtClean="0"/>
-              <a:t>10/18/2022</a:t>
+              <a:t>10/25/2022</a:t>
             </a:fld>
             <a:endParaRPr lang="en-US" dirty="0"/>
           </a:p>
@@ -5486,7 +5469,7 @@
           <p:cNvPr id="8" name="Footer Placeholder 7">
             <a:extLst>
               <a:ext uri="{FF2B5EF4-FFF2-40B4-BE49-F238E27FC236}">
-                <a16:creationId xmlns:a16="http://schemas.microsoft.com/office/drawing/2014/main" id="{062CA021-2578-47CB-822C-BDDFF7223B28}"/>
+                <a16:creationId xmlns:a16="http://schemas.microsoft.com/office/drawing/2014/main" xmlns="" id="{062CA021-2578-47CB-822C-BDDFF7223B28}"/>
               </a:ext>
             </a:extLst>
           </p:cNvPr>
@@ -5511,7 +5494,7 @@
           <p:cNvPr id="9" name="Slide Number Placeholder 8">
             <a:extLst>
               <a:ext uri="{FF2B5EF4-FFF2-40B4-BE49-F238E27FC236}">
-                <a16:creationId xmlns:a16="http://schemas.microsoft.com/office/drawing/2014/main" id="{C4AAB51D-4141-4682-9375-DAFD5FB9DD10}"/>
+                <a16:creationId xmlns:a16="http://schemas.microsoft.com/office/drawing/2014/main" xmlns="" id="{C4AAB51D-4141-4682-9375-DAFD5FB9DD10}"/>
               </a:ext>
             </a:extLst>
           </p:cNvPr>
@@ -5578,7 +5561,7 @@
           <p:cNvPr id="10" name="Rectangle 9">
             <a:extLst>
               <a:ext uri="{FF2B5EF4-FFF2-40B4-BE49-F238E27FC236}">
-                <a16:creationId xmlns:a16="http://schemas.microsoft.com/office/drawing/2014/main" id="{A585C21A-8B93-4657-B5DF-7EAEAD3BE127}"/>
+                <a16:creationId xmlns:a16="http://schemas.microsoft.com/office/drawing/2014/main" xmlns="" id="{A585C21A-8B93-4657-B5DF-7EAEAD3BE127}"/>
               </a:ext>
             </a:extLst>
           </p:cNvPr>
@@ -5786,7 +5769,7 @@
           <p:cNvPr id="9" name="Straight Connector 8">
             <a:extLst>
               <a:ext uri="{FF2B5EF4-FFF2-40B4-BE49-F238E27FC236}">
-                <a16:creationId xmlns:a16="http://schemas.microsoft.com/office/drawing/2014/main" id="{459DE2C1-4C52-40A3-8959-27B2C1BEBFF6}"/>
+                <a16:creationId xmlns:a16="http://schemas.microsoft.com/office/drawing/2014/main" xmlns="" id="{459DE2C1-4C52-40A3-8959-27B2C1BEBFF6}"/>
               </a:ext>
             </a:extLst>
           </p:cNvPr>
@@ -5830,7 +5813,7 @@
           <p:cNvPr id="7" name="Date Placeholder 6">
             <a:extLst>
               <a:ext uri="{FF2B5EF4-FFF2-40B4-BE49-F238E27FC236}">
-                <a16:creationId xmlns:a16="http://schemas.microsoft.com/office/drawing/2014/main" id="{AAF2E137-EC28-48F8-9198-1F02539029B6}"/>
+                <a16:creationId xmlns:a16="http://schemas.microsoft.com/office/drawing/2014/main" xmlns="" id="{AAF2E137-EC28-48F8-9198-1F02539029B6}"/>
               </a:ext>
             </a:extLst>
           </p:cNvPr>
@@ -5848,7 +5831,7 @@
           <a:p>
             <a:fld id="{97669AF7-7BEB-44E4-9852-375E34362B5B}" type="datetime1">
               <a:rPr lang="en-US" smtClean="0"/>
-              <a:t>10/18/2022</a:t>
+              <a:t>10/25/2022</a:t>
             </a:fld>
             <a:endParaRPr lang="en-US" dirty="0"/>
           </a:p>
@@ -5859,7 +5842,7 @@
           <p:cNvPr id="8" name="Footer Placeholder 7">
             <a:extLst>
               <a:ext uri="{FF2B5EF4-FFF2-40B4-BE49-F238E27FC236}">
-                <a16:creationId xmlns:a16="http://schemas.microsoft.com/office/drawing/2014/main" id="{189422CD-6F62-4DD6-89EF-07A60B42D219}"/>
+                <a16:creationId xmlns:a16="http://schemas.microsoft.com/office/drawing/2014/main" xmlns="" id="{189422CD-6F62-4DD6-89EF-07A60B42D219}"/>
               </a:ext>
             </a:extLst>
           </p:cNvPr>
@@ -5884,7 +5867,7 @@
           <p:cNvPr id="11" name="Slide Number Placeholder 10">
             <a:extLst>
               <a:ext uri="{FF2B5EF4-FFF2-40B4-BE49-F238E27FC236}">
-                <a16:creationId xmlns:a16="http://schemas.microsoft.com/office/drawing/2014/main" id="{69C6AFF8-42B4-4D05-969B-9F5FB3355555}"/>
+                <a16:creationId xmlns:a16="http://schemas.microsoft.com/office/drawing/2014/main" xmlns="" id="{69C6AFF8-42B4-4D05-969B-9F5FB3355555}"/>
               </a:ext>
             </a:extLst>
           </p:cNvPr>
@@ -6085,7 +6068,7 @@
           <p:cNvPr id="2" name="Date Placeholder 1">
             <a:extLst>
               <a:ext uri="{FF2B5EF4-FFF2-40B4-BE49-F238E27FC236}">
-                <a16:creationId xmlns:a16="http://schemas.microsoft.com/office/drawing/2014/main" id="{5782D47D-B0DC-4C40-BCC6-BBBA32584A38}"/>
+                <a16:creationId xmlns:a16="http://schemas.microsoft.com/office/drawing/2014/main" xmlns="" id="{5782D47D-B0DC-4C40-BCC6-BBBA32584A38}"/>
               </a:ext>
             </a:extLst>
           </p:cNvPr>
@@ -6103,7 +6086,7 @@
           <a:p>
             <a:fld id="{BAAAC38D-0552-4C82-B593-E6124DFADBE2}" type="datetime1">
               <a:rPr lang="en-US" smtClean="0"/>
-              <a:t>10/18/2022</a:t>
+              <a:t>10/25/2022</a:t>
             </a:fld>
             <a:endParaRPr lang="en-US" dirty="0"/>
           </a:p>
@@ -6114,7 +6097,7 @@
           <p:cNvPr id="9" name="Footer Placeholder 8">
             <a:extLst>
               <a:ext uri="{FF2B5EF4-FFF2-40B4-BE49-F238E27FC236}">
-                <a16:creationId xmlns:a16="http://schemas.microsoft.com/office/drawing/2014/main" id="{4690D34E-7EBD-44B2-83CA-4C126A18D7EF}"/>
+                <a16:creationId xmlns:a16="http://schemas.microsoft.com/office/drawing/2014/main" xmlns="" id="{4690D34E-7EBD-44B2-83CA-4C126A18D7EF}"/>
               </a:ext>
             </a:extLst>
           </p:cNvPr>
@@ -6139,7 +6122,7 @@
           <p:cNvPr id="10" name="Slide Number Placeholder 9">
             <a:extLst>
               <a:ext uri="{FF2B5EF4-FFF2-40B4-BE49-F238E27FC236}">
-                <a16:creationId xmlns:a16="http://schemas.microsoft.com/office/drawing/2014/main" id="{2AC511A1-9BBD-42DE-92FB-2AF44F8E97A9}"/>
+                <a16:creationId xmlns:a16="http://schemas.microsoft.com/office/drawing/2014/main" xmlns="" id="{2AC511A1-9BBD-42DE-92FB-2AF44F8E97A9}"/>
               </a:ext>
             </a:extLst>
           </p:cNvPr>
@@ -6482,7 +6465,7 @@
           <p:cNvPr id="2" name="Date Placeholder 1">
             <a:extLst>
               <a:ext uri="{FF2B5EF4-FFF2-40B4-BE49-F238E27FC236}">
-                <a16:creationId xmlns:a16="http://schemas.microsoft.com/office/drawing/2014/main" id="{8AF8A515-AA94-45D1-9223-5C2272618D85}"/>
+                <a16:creationId xmlns:a16="http://schemas.microsoft.com/office/drawing/2014/main" xmlns="" id="{8AF8A515-AA94-45D1-9223-5C2272618D85}"/>
               </a:ext>
             </a:extLst>
           </p:cNvPr>
@@ -6500,7 +6483,7 @@
           <a:p>
             <a:fld id="{D9DF0F1C-5577-4ACB-BB62-DF8F3C494C7E}" type="datetime1">
               <a:rPr lang="en-US" smtClean="0"/>
-              <a:t>10/18/2022</a:t>
+              <a:t>10/25/2022</a:t>
             </a:fld>
             <a:endParaRPr lang="en-US" dirty="0"/>
           </a:p>
@@ -6511,7 +6494,7 @@
           <p:cNvPr id="11" name="Footer Placeholder 10">
             <a:extLst>
               <a:ext uri="{FF2B5EF4-FFF2-40B4-BE49-F238E27FC236}">
-                <a16:creationId xmlns:a16="http://schemas.microsoft.com/office/drawing/2014/main" id="{D052F5BC-98E0-4D60-AD67-9547738B7DD4}"/>
+                <a16:creationId xmlns:a16="http://schemas.microsoft.com/office/drawing/2014/main" xmlns="" id="{D052F5BC-98E0-4D60-AD67-9547738B7DD4}"/>
               </a:ext>
             </a:extLst>
           </p:cNvPr>
@@ -6536,7 +6519,7 @@
           <p:cNvPr id="12" name="Slide Number Placeholder 11">
             <a:extLst>
               <a:ext uri="{FF2B5EF4-FFF2-40B4-BE49-F238E27FC236}">
-                <a16:creationId xmlns:a16="http://schemas.microsoft.com/office/drawing/2014/main" id="{A38552DC-952E-41EA-AAAF-C2187523C0B0}"/>
+                <a16:creationId xmlns:a16="http://schemas.microsoft.com/office/drawing/2014/main" xmlns="" id="{A38552DC-952E-41EA-AAAF-C2187523C0B0}"/>
               </a:ext>
             </a:extLst>
           </p:cNvPr>
@@ -6618,7 +6601,7 @@
           <p:cNvPr id="6" name="Date Placeholder 5">
             <a:extLst>
               <a:ext uri="{FF2B5EF4-FFF2-40B4-BE49-F238E27FC236}">
-                <a16:creationId xmlns:a16="http://schemas.microsoft.com/office/drawing/2014/main" id="{7392073F-158F-44A3-8913-917AFFC1BC20}"/>
+                <a16:creationId xmlns:a16="http://schemas.microsoft.com/office/drawing/2014/main" xmlns="" id="{7392073F-158F-44A3-8913-917AFFC1BC20}"/>
               </a:ext>
             </a:extLst>
           </p:cNvPr>
@@ -6636,7 +6619,7 @@
           <a:p>
             <a:fld id="{1775B394-D9F9-4F0C-B15D-605F45CB9E9F}" type="datetime1">
               <a:rPr lang="en-US" smtClean="0"/>
-              <a:t>10/18/2022</a:t>
+              <a:t>10/25/2022</a:t>
             </a:fld>
             <a:endParaRPr lang="en-US" dirty="0"/>
           </a:p>
@@ -6647,7 +6630,7 @@
           <p:cNvPr id="7" name="Footer Placeholder 6">
             <a:extLst>
               <a:ext uri="{FF2B5EF4-FFF2-40B4-BE49-F238E27FC236}">
-                <a16:creationId xmlns:a16="http://schemas.microsoft.com/office/drawing/2014/main" id="{EED72207-24CA-42B7-A975-2F8E41CBA904}"/>
+                <a16:creationId xmlns:a16="http://schemas.microsoft.com/office/drawing/2014/main" xmlns="" id="{EED72207-24CA-42B7-A975-2F8E41CBA904}"/>
               </a:ext>
             </a:extLst>
           </p:cNvPr>
@@ -6672,7 +6655,7 @@
           <p:cNvPr id="8" name="Slide Number Placeholder 7">
             <a:extLst>
               <a:ext uri="{FF2B5EF4-FFF2-40B4-BE49-F238E27FC236}">
-                <a16:creationId xmlns:a16="http://schemas.microsoft.com/office/drawing/2014/main" id="{D01080F2-251A-4B88-9A62-16F46D724F83}"/>
+                <a16:creationId xmlns:a16="http://schemas.microsoft.com/office/drawing/2014/main" xmlns="" id="{D01080F2-251A-4B88-9A62-16F46D724F83}"/>
               </a:ext>
             </a:extLst>
           </p:cNvPr>
@@ -6731,7 +6714,7 @@
           <p:cNvPr id="10" name="Rectangle 9">
             <a:extLst>
               <a:ext uri="{FF2B5EF4-FFF2-40B4-BE49-F238E27FC236}">
-                <a16:creationId xmlns:a16="http://schemas.microsoft.com/office/drawing/2014/main" id="{A8E9C91B-7EAD-4562-AB0E-DFB9663AECE3}"/>
+                <a16:creationId xmlns:a16="http://schemas.microsoft.com/office/drawing/2014/main" xmlns="" id="{A8E9C91B-7EAD-4562-AB0E-DFB9663AECE3}"/>
               </a:ext>
             </a:extLst>
           </p:cNvPr>
@@ -6775,7 +6758,7 @@
           <p:cNvPr id="2" name="Date Placeholder 1">
             <a:extLst>
               <a:ext uri="{FF2B5EF4-FFF2-40B4-BE49-F238E27FC236}">
-                <a16:creationId xmlns:a16="http://schemas.microsoft.com/office/drawing/2014/main" id="{94E9223F-721F-47BF-9FD5-0F8D12FF0DE1}"/>
+                <a16:creationId xmlns:a16="http://schemas.microsoft.com/office/drawing/2014/main" xmlns="" id="{94E9223F-721F-47BF-9FD5-0F8D12FF0DE1}"/>
               </a:ext>
             </a:extLst>
           </p:cNvPr>
@@ -6793,7 +6776,7 @@
           <a:p>
             <a:fld id="{39667345-2558-425A-8533-9BFDBCE15005}" type="datetime1">
               <a:rPr lang="en-US" smtClean="0"/>
-              <a:t>10/18/2022</a:t>
+              <a:t>10/25/2022</a:t>
             </a:fld>
             <a:endParaRPr lang="en-US" dirty="0"/>
           </a:p>
@@ -6804,7 +6787,7 @@
           <p:cNvPr id="3" name="Footer Placeholder 2">
             <a:extLst>
               <a:ext uri="{FF2B5EF4-FFF2-40B4-BE49-F238E27FC236}">
-                <a16:creationId xmlns:a16="http://schemas.microsoft.com/office/drawing/2014/main" id="{05915714-6BBA-4593-8591-4E26F7D58D9F}"/>
+                <a16:creationId xmlns:a16="http://schemas.microsoft.com/office/drawing/2014/main" xmlns="" id="{05915714-6BBA-4593-8591-4E26F7D58D9F}"/>
               </a:ext>
             </a:extLst>
           </p:cNvPr>
@@ -6829,7 +6812,7 @@
           <p:cNvPr id="4" name="Slide Number Placeholder 3">
             <a:extLst>
               <a:ext uri="{FF2B5EF4-FFF2-40B4-BE49-F238E27FC236}">
-                <a16:creationId xmlns:a16="http://schemas.microsoft.com/office/drawing/2014/main" id="{BE06F857-D2E1-44DD-ABDD-EBB739645B67}"/>
+                <a16:creationId xmlns:a16="http://schemas.microsoft.com/office/drawing/2014/main" xmlns="" id="{BE06F857-D2E1-44DD-ABDD-EBB739645B67}"/>
               </a:ext>
             </a:extLst>
           </p:cNvPr>
@@ -6888,7 +6871,7 @@
           <p:cNvPr id="8" name="Rectangle 7">
             <a:extLst>
               <a:ext uri="{FF2B5EF4-FFF2-40B4-BE49-F238E27FC236}">
-                <a16:creationId xmlns:a16="http://schemas.microsoft.com/office/drawing/2014/main" id="{16D90D66-BCB9-4229-A829-628874352AC0}"/>
+                <a16:creationId xmlns:a16="http://schemas.microsoft.com/office/drawing/2014/main" xmlns="" id="{16D90D66-BCB9-4229-A829-628874352AC0}"/>
               </a:ext>
             </a:extLst>
           </p:cNvPr>
@@ -7122,7 +7105,7 @@
           <a:p>
             <a:fld id="{92BEA474-078D-4E9B-9B14-09A87B19DC46}" type="datetime1">
               <a:rPr lang="en-US" smtClean="0"/>
-              <a:t>10/18/2022</a:t>
+              <a:t>10/25/2022</a:t>
             </a:fld>
             <a:endParaRPr lang="en-US" dirty="0"/>
           </a:p>
@@ -7227,7 +7210,7 @@
           <p:cNvPr id="8" name="Rectangle 7">
             <a:extLst>
               <a:ext uri="{FF2B5EF4-FFF2-40B4-BE49-F238E27FC236}">
-                <a16:creationId xmlns:a16="http://schemas.microsoft.com/office/drawing/2014/main" id="{DA134939-39C0-4522-A125-A13DFDA66490}"/>
+                <a16:creationId xmlns:a16="http://schemas.microsoft.com/office/drawing/2014/main" xmlns="" id="{DA134939-39C0-4522-A125-A13DFDA66490}"/>
               </a:ext>
             </a:extLst>
           </p:cNvPr>
@@ -7472,7 +7455,7 @@
           <a:p>
             <a:fld id="{4907D986-8816-4272-A432-0437A28A9828}" type="datetime1">
               <a:rPr lang="en-US" smtClean="0"/>
-              <a:t>10/18/2022</a:t>
+              <a:t>10/25/2022</a:t>
             </a:fld>
             <a:endParaRPr lang="en-US" dirty="0"/>
           </a:p>
@@ -7566,7 +7549,7 @@
           <p:cNvPr id="7" name="Rectangle 6">
             <a:extLst>
               <a:ext uri="{FF2B5EF4-FFF2-40B4-BE49-F238E27FC236}">
-                <a16:creationId xmlns:a16="http://schemas.microsoft.com/office/drawing/2014/main" id="{416A0E3C-60E6-4F39-BC55-5F7C224E1F7C}"/>
+                <a16:creationId xmlns:a16="http://schemas.microsoft.com/office/drawing/2014/main" xmlns="" id="{416A0E3C-60E6-4F39-BC55-5F7C224E1F7C}"/>
               </a:ext>
             </a:extLst>
           </p:cNvPr>
@@ -7733,7 +7716,7 @@
           <a:p>
             <a:fld id="{62D6E202-B606-4609-B914-27C9371A1F6D}" type="datetime1">
               <a:rPr lang="en-US" smtClean="0"/>
-              <a:t>10/18/2022</a:t>
+              <a:t>10/25/2022</a:t>
             </a:fld>
             <a:endParaRPr lang="en-US" dirty="0"/>
           </a:p>
@@ -7818,7 +7801,7 @@
           <p:cNvPr id="10" name="Straight Connector 9">
             <a:extLst>
               <a:ext uri="{FF2B5EF4-FFF2-40B4-BE49-F238E27FC236}">
-                <a16:creationId xmlns:a16="http://schemas.microsoft.com/office/drawing/2014/main" id="{C5025DAC-8B93-4160-B017-3A274A5828C0}"/>
+                <a16:creationId xmlns:a16="http://schemas.microsoft.com/office/drawing/2014/main" xmlns="" id="{C5025DAC-8B93-4160-B017-3A274A5828C0}"/>
               </a:ext>
             </a:extLst>
           </p:cNvPr>
@@ -8269,10 +8252,10 @@
           <p:cNvPr id="1059" name="Rectangle 1058">
             <a:extLst>
               <a:ext uri="{FF2B5EF4-FFF2-40B4-BE49-F238E27FC236}">
-                <a16:creationId xmlns:a16="http://schemas.microsoft.com/office/drawing/2014/main" id="{F1314C34-F582-4EEF-86CE-F88761E52434}"/>
+                <a16:creationId xmlns:a16="http://schemas.microsoft.com/office/drawing/2014/main" xmlns="" id="{F1314C34-F582-4EEF-86CE-F88761E52434}"/>
               </a:ext>
               <a:ext uri="{C183D7F6-B498-43B3-948B-1728B52AA6E4}">
-                <adec:decorative xmlns:adec="http://schemas.microsoft.com/office/drawing/2017/decorative" val="1"/>
+                <adec:decorative xmlns:adec="http://schemas.microsoft.com/office/drawing/2017/decorative" xmlns="" val="1"/>
               </a:ext>
             </a:extLst>
           </p:cNvPr>
@@ -8282,7 +8265,7 @@
           <p:nvPr>
             <p:extLst>
               <p:ext uri="{386F3935-93C4-4BCD-93E2-E3B085C9AB24}">
-                <p16:designElem xmlns:p16="http://schemas.microsoft.com/office/powerpoint/2015/main" val="1"/>
+                <p16:designElem xmlns:p16="http://schemas.microsoft.com/office/powerpoint/2015/main" xmlns="" val="1"/>
               </p:ext>
             </p:extLst>
           </p:nvPr>
@@ -8401,10 +8384,10 @@
           <p:cNvPr id="1061" name="Rectangle 1060">
             <a:extLst>
               <a:ext uri="{FF2B5EF4-FFF2-40B4-BE49-F238E27FC236}">
-                <a16:creationId xmlns:a16="http://schemas.microsoft.com/office/drawing/2014/main" id="{7319A1DD-F557-4EC6-8A8C-F7617B4CD678}"/>
+                <a16:creationId xmlns:a16="http://schemas.microsoft.com/office/drawing/2014/main" xmlns="" id="{7319A1DD-F557-4EC6-8A8C-F7617B4CD678}"/>
               </a:ext>
               <a:ext uri="{C183D7F6-B498-43B3-948B-1728B52AA6E4}">
-                <adec:decorative xmlns:adec="http://schemas.microsoft.com/office/drawing/2017/decorative" val="1"/>
+                <adec:decorative xmlns:adec="http://schemas.microsoft.com/office/drawing/2017/decorative" xmlns="" val="1"/>
               </a:ext>
             </a:extLst>
           </p:cNvPr>
@@ -8414,7 +8397,7 @@
           <p:nvPr>
             <p:extLst>
               <p:ext uri="{386F3935-93C4-4BCD-93E2-E3B085C9AB24}">
-                <p16:designElem xmlns:p16="http://schemas.microsoft.com/office/powerpoint/2015/main" val="1"/>
+                <p16:designElem xmlns:p16="http://schemas.microsoft.com/office/powerpoint/2015/main" xmlns="" val="1"/>
               </p:ext>
             </p:extLst>
           </p:nvPr>
@@ -8466,7 +8449,7 @@
           <p:cNvPr id="2" name="Заголовок 1">
             <a:extLst>
               <a:ext uri="{FF2B5EF4-FFF2-40B4-BE49-F238E27FC236}">
-                <a16:creationId xmlns:a16="http://schemas.microsoft.com/office/drawing/2014/main" id="{35F73215-E422-8FEA-7253-27865EEA4641}"/>
+                <a16:creationId xmlns:a16="http://schemas.microsoft.com/office/drawing/2014/main" xmlns="" id="{35F73215-E422-8FEA-7253-27865EEA4641}"/>
               </a:ext>
             </a:extLst>
           </p:cNvPr>
@@ -8546,7 +8529,7 @@
           <p:cNvPr id="3" name="Подзаголовок 2">
             <a:extLst>
               <a:ext uri="{FF2B5EF4-FFF2-40B4-BE49-F238E27FC236}">
-                <a16:creationId xmlns:a16="http://schemas.microsoft.com/office/drawing/2014/main" id="{10875D72-2C97-5469-5D46-19C33743134D}"/>
+                <a16:creationId xmlns:a16="http://schemas.microsoft.com/office/drawing/2014/main" xmlns="" id="{10875D72-2C97-5469-5D46-19C33743134D}"/>
               </a:ext>
             </a:extLst>
           </p:cNvPr>
@@ -8598,10 +8581,10 @@
           <p:cNvPr id="1063" name="Straight Connector 1062">
             <a:extLst>
               <a:ext uri="{FF2B5EF4-FFF2-40B4-BE49-F238E27FC236}">
-                <a16:creationId xmlns:a16="http://schemas.microsoft.com/office/drawing/2014/main" id="{D28A9C89-B313-458F-9C85-515930A51A93}"/>
+                <a16:creationId xmlns:a16="http://schemas.microsoft.com/office/drawing/2014/main" xmlns="" id="{D28A9C89-B313-458F-9C85-515930A51A93}"/>
               </a:ext>
               <a:ext uri="{C183D7F6-B498-43B3-948B-1728B52AA6E4}">
-                <adec:decorative xmlns:adec="http://schemas.microsoft.com/office/drawing/2017/decorative" val="1"/>
+                <adec:decorative xmlns:adec="http://schemas.microsoft.com/office/drawing/2017/decorative" xmlns="" val="1"/>
               </a:ext>
             </a:extLst>
           </p:cNvPr>
@@ -8611,7 +8594,7 @@
           <p:nvPr>
             <p:extLst>
               <p:ext uri="{386F3935-93C4-4BCD-93E2-E3B085C9AB24}">
-                <p16:designElem xmlns:p16="http://schemas.microsoft.com/office/powerpoint/2015/main" val="1"/>
+                <p16:designElem xmlns:p16="http://schemas.microsoft.com/office/powerpoint/2015/main" xmlns="" val="1"/>
               </p:ext>
             </p:extLst>
           </p:nvPr>
@@ -8652,10 +8635,10 @@
           <p:cNvPr id="1065" name="!!footer rectangle">
             <a:extLst>
               <a:ext uri="{FF2B5EF4-FFF2-40B4-BE49-F238E27FC236}">
-                <a16:creationId xmlns:a16="http://schemas.microsoft.com/office/drawing/2014/main" id="{C390A367-0330-4E03-9D5F-40308A7975C8}"/>
+                <a16:creationId xmlns:a16="http://schemas.microsoft.com/office/drawing/2014/main" xmlns="" id="{C390A367-0330-4E03-9D5F-40308A7975C8}"/>
               </a:ext>
               <a:ext uri="{C183D7F6-B498-43B3-948B-1728B52AA6E4}">
-                <adec:decorative xmlns:adec="http://schemas.microsoft.com/office/drawing/2017/decorative" val="1"/>
+                <adec:decorative xmlns:adec="http://schemas.microsoft.com/office/drawing/2017/decorative" xmlns="" val="1"/>
               </a:ext>
             </a:extLst>
           </p:cNvPr>
@@ -8665,7 +8648,7 @@
           <p:nvPr>
             <p:extLst>
               <p:ext uri="{386F3935-93C4-4BCD-93E2-E3B085C9AB24}">
-                <p16:designElem xmlns:p16="http://schemas.microsoft.com/office/powerpoint/2015/main" val="1"/>
+                <p16:designElem xmlns:p16="http://schemas.microsoft.com/office/powerpoint/2015/main" xmlns="" val="1"/>
               </p:ext>
             </p:extLst>
           </p:nvPr>
@@ -8935,7 +8918,7 @@
           <p:cNvPr id="2" name="Заголовок 1">
             <a:extLst>
               <a:ext uri="{FF2B5EF4-FFF2-40B4-BE49-F238E27FC236}">
-                <a16:creationId xmlns:a16="http://schemas.microsoft.com/office/drawing/2014/main" id="{4BF51190-86FA-DDAC-1EBA-370A53B126CA}"/>
+                <a16:creationId xmlns:a16="http://schemas.microsoft.com/office/drawing/2014/main" xmlns="" id="{01807D0A-0159-7E31-3933-F6136667BA69}"/>
               </a:ext>
             </a:extLst>
           </p:cNvPr>
@@ -8953,7 +8936,7 @@
           <a:p>
             <a:r>
               <a:rPr lang="ru-RU" dirty="0"/>
-              <a:t>Медрегистратор</a:t>
+              <a:t>Список аналогов</a:t>
             </a:r>
           </a:p>
         </p:txBody>
@@ -8963,7 +8946,7 @@
           <p:cNvPr id="3" name="Объект 2">
             <a:extLst>
               <a:ext uri="{FF2B5EF4-FFF2-40B4-BE49-F238E27FC236}">
-                <a16:creationId xmlns:a16="http://schemas.microsoft.com/office/drawing/2014/main" id="{D3E21B5A-594B-C4B1-6393-D53AA4A24C45}"/>
+                <a16:creationId xmlns:a16="http://schemas.microsoft.com/office/drawing/2014/main" xmlns="" id="{EE1193BD-E073-319E-93FB-ED8312B454F2}"/>
               </a:ext>
             </a:extLst>
           </p:cNvPr>
@@ -8974,354 +8957,318 @@
             <p:ph idx="1"/>
           </p:nvPr>
         </p:nvSpPr>
-        <p:spPr>
-          <a:xfrm>
-            <a:off x="1097280" y="2108201"/>
-            <a:ext cx="10058400" cy="4184444"/>
-          </a:xfrm>
-        </p:spPr>
+        <p:spPr/>
         <p:txBody>
-          <a:bodyPr>
-            <a:normAutofit/>
-          </a:bodyPr>
+          <a:bodyPr/>
           <a:lstStyle/>
           <a:p>
-            <a:pPr>
+            <a:pPr marL="180340" marR="0" lvl="0" indent="269240" algn="l" defTabSz="914400" rtl="0" eaLnBrk="1" fontAlgn="auto" latinLnBrk="0" hangingPunct="1">
               <a:lnSpc>
-                <a:spcPct val="120000"/>
+                <a:spcPct val="107000"/>
               </a:lnSpc>
+              <a:spcBef>
+                <a:spcPts val="1200"/>
+              </a:spcBef>
+              <a:spcAft>
+                <a:spcPts val="200"/>
+              </a:spcAft>
+              <a:buClr>
+                <a:srgbClr val="E48312"/>
+              </a:buClr>
+              <a:buSzPct val="100000"/>
+              <a:buFont typeface="Calibri" panose="020F0502020204030204" pitchFamily="34" charset="0"/>
+              <a:buChar char=" "/>
+              <a:tabLst/>
+              <a:defRPr/>
             </a:pPr>
             <a:r>
-              <a:rPr lang="en-US" b="0" i="0" dirty="0">
+              <a:rPr lang="ru-RU" sz="2400" dirty="0">
                 <a:solidFill>
-                  <a:srgbClr val="000000"/>
+                  <a:srgbClr val="000000">
+                    <a:lumMod val="75000"/>
+                    <a:lumOff val="25000"/>
+                  </a:srgbClr>
                 </a:solidFill>
-                <a:effectLst/>
-                <a:latin typeface="Helvetica Neue"/>
+                <a:latin typeface="Times New Roman" panose="02020603050405020304" pitchFamily="18" charset="0"/>
+                <a:ea typeface="Calibri" panose="020F0502020204030204" pitchFamily="34" charset="0"/>
+                <a:cs typeface="Times New Roman" panose="02020603050405020304" pitchFamily="18" charset="0"/>
               </a:rPr>
-              <a:t>        </a:t>
-            </a:r>
-            <a:r>
-              <a:rPr lang="ru-RU" b="0" i="0" dirty="0">
+              <a:t>При анализе похожих систем были выделены следующие аналоги:</a:t>
+            </a:r>
+          </a:p>
+          <a:p>
+            <a:pPr marL="523240" indent="-342900">
+              <a:lnSpc>
+                <a:spcPct val="107000"/>
+              </a:lnSpc>
+              <a:buClrTx/>
+              <a:buFont typeface="+mj-lt"/>
+              <a:buAutoNum type="arabicPeriod"/>
+              <a:defRPr/>
+            </a:pPr>
+            <a:r>
+              <a:rPr lang="en-US" sz="2400" dirty="0" err="1">
                 <a:solidFill>
-                  <a:srgbClr val="000000"/>
+                  <a:srgbClr val="000000">
+                    <a:lumMod val="75000"/>
+                    <a:lumOff val="25000"/>
+                  </a:srgbClr>
                 </a:solidFill>
-                <a:effectLst/>
-                <a:latin typeface="Helvetica Neue"/>
+                <a:latin typeface="Times New Roman" panose="02020603050405020304" pitchFamily="18" charset="0"/>
+                <a:ea typeface="Calibri" panose="020F0502020204030204" pitchFamily="34" charset="0"/>
+                <a:cs typeface="Times New Roman" panose="02020603050405020304" pitchFamily="18" charset="0"/>
               </a:rPr>
-              <a:t>Программа поможет быстро найти карту пациента и любую информацию в ней:</a:t>
-            </a:r>
-          </a:p>
-          <a:p>
-            <a:pPr algn="l" fontAlgn="base">
-              <a:lnSpc>
-                <a:spcPct val="120000"/>
-              </a:lnSpc>
-              <a:buFont typeface="Arial" panose="020B0604020202020204" pitchFamily="34" charset="0"/>
-              <a:buChar char="•"/>
-            </a:pPr>
-            <a:r>
-              <a:rPr lang="en-US" b="0" i="0" dirty="0">
+              <a:t>ArchiMed</a:t>
+            </a:r>
+            <a:r>
+              <a:rPr lang="en-US" sz="2400" dirty="0">
                 <a:solidFill>
-                  <a:srgbClr val="000000"/>
+                  <a:srgbClr val="000000">
+                    <a:lumMod val="75000"/>
+                    <a:lumOff val="25000"/>
+                  </a:srgbClr>
                 </a:solidFill>
-                <a:effectLst/>
-                <a:latin typeface="Helvetica Neue"/>
+                <a:latin typeface="Times New Roman" panose="02020603050405020304" pitchFamily="18" charset="0"/>
+                <a:ea typeface="Calibri" panose="020F0502020204030204" pitchFamily="34" charset="0"/>
+                <a:cs typeface="Times New Roman" panose="02020603050405020304" pitchFamily="18" charset="0"/>
+              </a:rPr>
+              <a:t>+</a:t>
+            </a:r>
+            <a:r>
+              <a:rPr lang="ru-RU" sz="2400" dirty="0">
+                <a:solidFill>
+                  <a:srgbClr val="000000">
+                    <a:lumMod val="75000"/>
+                    <a:lumOff val="25000"/>
+                  </a:srgbClr>
+                </a:solidFill>
+                <a:latin typeface="Times New Roman" panose="02020603050405020304" pitchFamily="18" charset="0"/>
+                <a:ea typeface="Calibri" panose="020F0502020204030204" pitchFamily="34" charset="0"/>
+                <a:cs typeface="Times New Roman" panose="02020603050405020304" pitchFamily="18" charset="0"/>
               </a:rPr>
               <a:t> </a:t>
             </a:r>
             <a:r>
-              <a:rPr lang="ru-RU" b="0" i="0" dirty="0">
+              <a:rPr lang="en-US" sz="2400" u="sng" dirty="0">
                 <a:solidFill>
-                  <a:srgbClr val="000000"/>
+                  <a:schemeClr val="accent1"/>
                 </a:solidFill>
-                <a:effectLst/>
-                <a:latin typeface="Helvetica Neue"/>
+                <a:latin typeface="Times New Roman" panose="02020603050405020304" pitchFamily="18" charset="0"/>
+                <a:ea typeface="Calibri" panose="020F0502020204030204" pitchFamily="34" charset="0"/>
+                <a:cs typeface="Times New Roman" panose="02020603050405020304" pitchFamily="18" charset="0"/>
               </a:rPr>
-              <a:t>Возможность вести базу пациентов</a:t>
-            </a:r>
-            <a:r>
-              <a:rPr lang="en-US" b="0" i="0" dirty="0">
+              <a:t>https://archimed.pro</a:t>
+            </a:r>
+            <a:endParaRPr lang="ru-RU" sz="2400" u="sng" dirty="0">
+              <a:solidFill>
+                <a:schemeClr val="accent1"/>
+              </a:solidFill>
+              <a:latin typeface="Times New Roman" panose="02020603050405020304" pitchFamily="18" charset="0"/>
+              <a:ea typeface="Calibri" panose="020F0502020204030204" pitchFamily="34" charset="0"/>
+              <a:cs typeface="Times New Roman" panose="02020603050405020304" pitchFamily="18" charset="0"/>
+            </a:endParaRPr>
+          </a:p>
+          <a:p>
+            <a:pPr marL="523240" indent="-342900">
+              <a:lnSpc>
+                <a:spcPct val="107000"/>
+              </a:lnSpc>
+              <a:buClrTx/>
+              <a:buFont typeface="+mj-lt"/>
+              <a:buAutoNum type="arabicPeriod"/>
+              <a:defRPr/>
+            </a:pPr>
+            <a:r>
+              <a:rPr lang="en-US" sz="2400" dirty="0" err="1" smtClean="0">
                 <a:solidFill>
-                  <a:srgbClr val="000000"/>
+                  <a:srgbClr val="000000">
+                    <a:lumMod val="75000"/>
+                    <a:lumOff val="25000"/>
+                  </a:srgbClr>
                 </a:solidFill>
-                <a:effectLst/>
-                <a:latin typeface="Helvetica Neue"/>
+                <a:latin typeface="Times New Roman" panose="02020603050405020304" pitchFamily="18" charset="0"/>
+                <a:ea typeface="Calibri" panose="020F0502020204030204" pitchFamily="34" charset="0"/>
+                <a:cs typeface="Times New Roman" panose="02020603050405020304" pitchFamily="18" charset="0"/>
               </a:rPr>
-              <a:t>;</a:t>
-            </a:r>
-            <a:endParaRPr lang="ru-RU" b="0" i="0" dirty="0">
-              <a:solidFill>
-                <a:srgbClr val="000000"/>
-              </a:solidFill>
-              <a:effectLst/>
-              <a:latin typeface="Helvetica Neue"/>
-            </a:endParaRPr>
-          </a:p>
-          <a:p>
-            <a:pPr algn="l" fontAlgn="base">
-              <a:lnSpc>
-                <a:spcPct val="120000"/>
-              </a:lnSpc>
-              <a:buFont typeface="Arial" panose="020B0604020202020204" pitchFamily="34" charset="0"/>
-              <a:buChar char="•"/>
-            </a:pPr>
-            <a:r>
-              <a:rPr lang="en-US" b="0" i="0" dirty="0">
+              <a:t>Medesk</a:t>
+            </a:r>
+            <a:r>
+              <a:rPr lang="ru-RU" sz="2400" dirty="0" smtClean="0">
                 <a:solidFill>
-                  <a:srgbClr val="000000"/>
+                  <a:srgbClr val="000000">
+                    <a:lumMod val="75000"/>
+                    <a:lumOff val="25000"/>
+                  </a:srgbClr>
                 </a:solidFill>
-                <a:effectLst/>
-                <a:latin typeface="Helvetica Neue"/>
+                <a:latin typeface="Times New Roman" panose="02020603050405020304" pitchFamily="18" charset="0"/>
+                <a:ea typeface="Calibri" panose="020F0502020204030204" pitchFamily="34" charset="0"/>
+                <a:cs typeface="Times New Roman" panose="02020603050405020304" pitchFamily="18" charset="0"/>
               </a:rPr>
               <a:t> </a:t>
             </a:r>
             <a:r>
-              <a:rPr lang="ru-RU" b="0" i="0" dirty="0">
+              <a:rPr lang="en-US" sz="2400" u="sng" dirty="0">
                 <a:solidFill>
-                  <a:srgbClr val="000000"/>
+                  <a:schemeClr val="accent1"/>
                 </a:solidFill>
-                <a:effectLst/>
-                <a:latin typeface="Helvetica Neue"/>
+                <a:latin typeface="Times New Roman" panose="02020603050405020304" pitchFamily="18" charset="0"/>
+                <a:ea typeface="Calibri" panose="020F0502020204030204" pitchFamily="34" charset="0"/>
+                <a:cs typeface="Times New Roman" panose="02020603050405020304" pitchFamily="18" charset="0"/>
               </a:rPr>
-              <a:t>Ввод и хранение персональных данных</a:t>
-            </a:r>
-            <a:r>
-              <a:rPr lang="en-US" b="0" i="0" dirty="0">
+              <a:t>https://</a:t>
+            </a:r>
+            <a:r>
+              <a:rPr lang="en-US" sz="2400" u="sng" dirty="0" smtClean="0">
                 <a:solidFill>
-                  <a:srgbClr val="000000"/>
+                  <a:schemeClr val="accent1"/>
                 </a:solidFill>
-                <a:effectLst/>
-                <a:latin typeface="Helvetica Neue"/>
+                <a:latin typeface="Times New Roman" panose="02020603050405020304" pitchFamily="18" charset="0"/>
+                <a:ea typeface="Calibri" panose="020F0502020204030204" pitchFamily="34" charset="0"/>
+                <a:cs typeface="Times New Roman" panose="02020603050405020304" pitchFamily="18" charset="0"/>
               </a:rPr>
-              <a:t>;</a:t>
-            </a:r>
-            <a:endParaRPr lang="ru-RU" b="0" i="0" dirty="0">
-              <a:solidFill>
-                <a:srgbClr val="000000"/>
-              </a:solidFill>
-              <a:effectLst/>
-              <a:latin typeface="Helvetica Neue"/>
-            </a:endParaRPr>
-          </a:p>
-          <a:p>
-            <a:pPr algn="l" fontAlgn="base">
-              <a:lnSpc>
-                <a:spcPct val="120000"/>
-              </a:lnSpc>
-              <a:buFont typeface="Arial" panose="020B0604020202020204" pitchFamily="34" charset="0"/>
-              <a:buChar char="•"/>
-            </a:pPr>
-            <a:r>
-              <a:rPr lang="en-US" b="0" i="0" dirty="0">
+              <a:t>www.medesk.net/ru</a:t>
+            </a:r>
+            <a:r>
+              <a:rPr lang="ru-RU" sz="2400" u="sng" dirty="0" smtClean="0">
                 <a:solidFill>
-                  <a:srgbClr val="000000"/>
+                  <a:schemeClr val="accent1"/>
                 </a:solidFill>
-                <a:effectLst/>
-                <a:latin typeface="Helvetica Neue"/>
+                <a:latin typeface="Times New Roman" panose="02020603050405020304" pitchFamily="18" charset="0"/>
+                <a:ea typeface="Calibri" panose="020F0502020204030204" pitchFamily="34" charset="0"/>
+                <a:cs typeface="Times New Roman" panose="02020603050405020304" pitchFamily="18" charset="0"/>
               </a:rPr>
               <a:t> </a:t>
             </a:r>
-            <a:r>
-              <a:rPr lang="ru-RU" b="0" i="0" dirty="0">
+            <a:endParaRPr lang="ru-RU" sz="2400" u="sng" dirty="0">
+              <a:solidFill>
+                <a:schemeClr val="accent1"/>
+              </a:solidFill>
+              <a:latin typeface="Times New Roman" panose="02020603050405020304" pitchFamily="18" charset="0"/>
+              <a:ea typeface="Calibri" panose="020F0502020204030204" pitchFamily="34" charset="0"/>
+              <a:cs typeface="Times New Roman" panose="02020603050405020304" pitchFamily="18" charset="0"/>
+            </a:endParaRPr>
+          </a:p>
+          <a:p>
+            <a:pPr marL="523240" indent="-342900">
+              <a:lnSpc>
+                <a:spcPct val="107000"/>
+              </a:lnSpc>
+              <a:buClrTx/>
+              <a:buFont typeface="+mj-lt"/>
+              <a:buAutoNum type="arabicPeriod"/>
+              <a:defRPr/>
+            </a:pPr>
+            <a:r>
+              <a:rPr lang="ru-RU" sz="2400" dirty="0">
                 <a:solidFill>
-                  <a:srgbClr val="000000"/>
+                  <a:srgbClr val="000000">
+                    <a:lumMod val="75000"/>
+                    <a:lumOff val="25000"/>
+                  </a:srgbClr>
                 </a:solidFill>
-                <a:effectLst/>
-                <a:latin typeface="Helvetica Neue"/>
+                <a:latin typeface="Times New Roman" panose="02020603050405020304" pitchFamily="18" charset="0"/>
+                <a:ea typeface="Calibri" panose="020F0502020204030204" pitchFamily="34" charset="0"/>
+                <a:cs typeface="Times New Roman" panose="02020603050405020304" pitchFamily="18" charset="0"/>
               </a:rPr>
-              <a:t>Возможность добавления фотографии</a:t>
-            </a:r>
-            <a:r>
-              <a:rPr lang="en-US" b="0" i="0" dirty="0">
+              <a:t>Комплексная медицинская информационная система (КМИС) </a:t>
+            </a:r>
+            <a:r>
+              <a:rPr lang="en-US" sz="2400" u="sng" dirty="0">
                 <a:solidFill>
-                  <a:srgbClr val="000000"/>
+                  <a:schemeClr val="accent1"/>
                 </a:solidFill>
-                <a:effectLst/>
-                <a:latin typeface="Helvetica Neue"/>
+                <a:latin typeface="Times New Roman" panose="02020603050405020304" pitchFamily="18" charset="0"/>
+                <a:ea typeface="Calibri" panose="020F0502020204030204" pitchFamily="34" charset="0"/>
+                <a:cs typeface="Times New Roman" panose="02020603050405020304" pitchFamily="18" charset="0"/>
               </a:rPr>
-              <a:t>;</a:t>
-            </a:r>
-          </a:p>
-          <a:p>
-            <a:pPr algn="l" fontAlgn="base">
+              <a:t>https://www.kmis.ru</a:t>
+            </a:r>
+            <a:endParaRPr lang="ru-RU" sz="2400" u="sng" dirty="0">
+              <a:solidFill>
+                <a:schemeClr val="accent1"/>
+              </a:solidFill>
+              <a:latin typeface="Times New Roman" panose="02020603050405020304" pitchFamily="18" charset="0"/>
+              <a:ea typeface="Calibri" panose="020F0502020204030204" pitchFamily="34" charset="0"/>
+              <a:cs typeface="Times New Roman" panose="02020603050405020304" pitchFamily="18" charset="0"/>
+            </a:endParaRPr>
+          </a:p>
+          <a:p>
+            <a:pPr marL="523240" indent="-342900">
               <a:lnSpc>
-                <a:spcPct val="120000"/>
+                <a:spcPct val="107000"/>
               </a:lnSpc>
-              <a:buFont typeface="Arial" panose="020B0604020202020204" pitchFamily="34" charset="0"/>
-              <a:buChar char="•"/>
+              <a:buClrTx/>
+              <a:buFont typeface="+mj-lt"/>
+              <a:buAutoNum type="arabicPeriod"/>
+              <a:defRPr/>
             </a:pPr>
             <a:r>
-              <a:rPr lang="en-US" b="0" i="0" dirty="0">
+              <a:rPr lang="en-US" sz="2400" dirty="0">
                 <a:solidFill>
-                  <a:srgbClr val="000000"/>
+                  <a:srgbClr val="000000">
+                    <a:lumMod val="75000"/>
+                    <a:lumOff val="25000"/>
+                  </a:srgbClr>
                 </a:solidFill>
-                <a:effectLst/>
-                <a:latin typeface="Helvetica Neue"/>
+                <a:latin typeface="Times New Roman" panose="02020603050405020304" pitchFamily="18" charset="0"/>
+                <a:ea typeface="Calibri" panose="020F0502020204030204" pitchFamily="34" charset="0"/>
+                <a:cs typeface="Times New Roman" panose="02020603050405020304" pitchFamily="18" charset="0"/>
+              </a:rPr>
+              <a:t>MEDMIS</a:t>
+            </a:r>
+            <a:r>
+              <a:rPr lang="ru-RU" sz="2400" dirty="0">
+                <a:solidFill>
+                  <a:srgbClr val="000000">
+                    <a:lumMod val="75000"/>
+                    <a:lumOff val="25000"/>
+                  </a:srgbClr>
+                </a:solidFill>
+                <a:latin typeface="Times New Roman" panose="02020603050405020304" pitchFamily="18" charset="0"/>
+                <a:ea typeface="Calibri" panose="020F0502020204030204" pitchFamily="34" charset="0"/>
+                <a:cs typeface="Times New Roman" panose="02020603050405020304" pitchFamily="18" charset="0"/>
               </a:rPr>
               <a:t> </a:t>
             </a:r>
             <a:r>
-              <a:rPr lang="ru-RU" b="0" i="0" dirty="0">
+              <a:rPr lang="en-US" sz="2400" u="sng" dirty="0">
                 <a:solidFill>
-                  <a:srgbClr val="000000"/>
+                  <a:schemeClr val="accent1"/>
                 </a:solidFill>
-                <a:effectLst/>
-                <a:latin typeface="Helvetica Neue"/>
+                <a:latin typeface="Times New Roman" panose="02020603050405020304" pitchFamily="18" charset="0"/>
+                <a:ea typeface="Calibri" panose="020F0502020204030204" pitchFamily="34" charset="0"/>
+                <a:cs typeface="Times New Roman" panose="02020603050405020304" pitchFamily="18" charset="0"/>
               </a:rPr>
-              <a:t>Возможность добавления индивидуальных вкладок</a:t>
-            </a:r>
-            <a:r>
-              <a:rPr lang="en-US" b="0" i="0" dirty="0">
-                <a:solidFill>
-                  <a:srgbClr val="000000"/>
-                </a:solidFill>
-                <a:effectLst/>
-                <a:latin typeface="Helvetica Neue"/>
-              </a:rPr>
-              <a:t>;</a:t>
-            </a:r>
-            <a:endParaRPr lang="ru-RU" b="0" i="0" dirty="0">
+              <a:t>https://www.medmis.ru</a:t>
+            </a:r>
+            <a:endParaRPr lang="ru-RU" sz="2400" u="sng" dirty="0">
               <a:solidFill>
-                <a:srgbClr val="000000"/>
+                <a:schemeClr val="accent1"/>
               </a:solidFill>
-              <a:effectLst/>
-              <a:latin typeface="Helvetica Neue"/>
+              <a:latin typeface="Times New Roman" panose="02020603050405020304" pitchFamily="18" charset="0"/>
+              <a:ea typeface="Calibri" panose="020F0502020204030204" pitchFamily="34" charset="0"/>
+              <a:cs typeface="Times New Roman" panose="02020603050405020304" pitchFamily="18" charset="0"/>
             </a:endParaRPr>
-          </a:p>
-          <a:p>
-            <a:pPr algn="l" fontAlgn="base">
-              <a:lnSpc>
-                <a:spcPct val="120000"/>
-              </a:lnSpc>
-              <a:buFont typeface="Arial" panose="020B0604020202020204" pitchFamily="34" charset="0"/>
-              <a:buChar char="•"/>
-            </a:pPr>
-            <a:r>
-              <a:rPr lang="en-US" b="0" i="0" dirty="0">
-                <a:solidFill>
-                  <a:srgbClr val="000000"/>
-                </a:solidFill>
-                <a:effectLst/>
-                <a:latin typeface="Helvetica Neue"/>
-              </a:rPr>
-              <a:t> </a:t>
-            </a:r>
-            <a:r>
-              <a:rPr lang="ru-RU" b="0" i="0" dirty="0">
-                <a:solidFill>
-                  <a:srgbClr val="000000"/>
-                </a:solidFill>
-                <a:effectLst/>
-                <a:latin typeface="Helvetica Neue"/>
-              </a:rPr>
-              <a:t>Печать амбулаторной карты 025/у</a:t>
-            </a:r>
-            <a:r>
-              <a:rPr lang="en-US" b="0" i="0" dirty="0">
-                <a:solidFill>
-                  <a:srgbClr val="000000"/>
-                </a:solidFill>
-                <a:effectLst/>
-                <a:latin typeface="Helvetica Neue"/>
-              </a:rPr>
-              <a:t>;</a:t>
-            </a:r>
-            <a:endParaRPr lang="ru-RU" b="0" i="0" dirty="0">
-              <a:solidFill>
-                <a:srgbClr val="000000"/>
-              </a:solidFill>
-              <a:effectLst/>
-              <a:latin typeface="Helvetica Neue"/>
-            </a:endParaRPr>
-          </a:p>
-          <a:p>
-            <a:pPr algn="l" fontAlgn="base">
-              <a:lnSpc>
-                <a:spcPct val="120000"/>
-              </a:lnSpc>
-              <a:buFont typeface="Arial" panose="020B0604020202020204" pitchFamily="34" charset="0"/>
-              <a:buChar char="•"/>
-            </a:pPr>
-            <a:r>
-              <a:rPr lang="en-US" b="0" i="0" dirty="0">
-                <a:solidFill>
-                  <a:srgbClr val="000000"/>
-                </a:solidFill>
-                <a:effectLst/>
-                <a:latin typeface="Helvetica Neue"/>
-              </a:rPr>
-              <a:t> </a:t>
-            </a:r>
-            <a:r>
-              <a:rPr lang="ru-RU" b="0" i="0" dirty="0">
-                <a:solidFill>
-                  <a:srgbClr val="000000"/>
-                </a:solidFill>
-                <a:effectLst/>
-                <a:latin typeface="Helvetica Neue"/>
-              </a:rPr>
-              <a:t>Печать любой документации</a:t>
-            </a:r>
-            <a:r>
-              <a:rPr lang="en-US" b="0" i="0" dirty="0">
-                <a:solidFill>
-                  <a:srgbClr val="000000"/>
-                </a:solidFill>
-                <a:effectLst/>
-                <a:latin typeface="Helvetica Neue"/>
-              </a:rPr>
-              <a:t>;</a:t>
-            </a:r>
-            <a:endParaRPr lang="ru-RU" b="0" i="0" dirty="0">
-              <a:solidFill>
-                <a:srgbClr val="000000"/>
-              </a:solidFill>
-              <a:effectLst/>
-              <a:latin typeface="Helvetica Neue"/>
-            </a:endParaRPr>
-          </a:p>
-          <a:p>
-            <a:pPr algn="l" fontAlgn="base">
-              <a:lnSpc>
-                <a:spcPct val="120000"/>
-              </a:lnSpc>
-              <a:buFont typeface="Arial" panose="020B0604020202020204" pitchFamily="34" charset="0"/>
-              <a:buChar char="•"/>
-            </a:pPr>
-            <a:r>
-              <a:rPr lang="en-US" b="0" i="0" dirty="0">
-                <a:solidFill>
-                  <a:srgbClr val="000000"/>
-                </a:solidFill>
-                <a:effectLst/>
-                <a:latin typeface="Helvetica Neue"/>
-              </a:rPr>
-              <a:t> </a:t>
-            </a:r>
-            <a:r>
-              <a:rPr lang="ru-RU" b="0" i="0" dirty="0">
-                <a:solidFill>
-                  <a:srgbClr val="000000"/>
-                </a:solidFill>
-                <a:effectLst/>
-                <a:latin typeface="Helvetica Neue"/>
-              </a:rPr>
-              <a:t>Выгрузка базы в Excel.</a:t>
-            </a:r>
           </a:p>
         </p:txBody>
       </p:sp>
     </p:spTree>
     <p:extLst>
       <p:ext uri="{BB962C8B-B14F-4D97-AF65-F5344CB8AC3E}">
-        <p14:creationId xmlns:p14="http://schemas.microsoft.com/office/powerpoint/2010/main" val="2657345012"/>
+        <p14:creationId xmlns:p14="http://schemas.microsoft.com/office/powerpoint/2010/main" val="3286448739"/>
       </p:ext>
     </p:extLst>
   </p:cSld>
   <p:clrMapOvr>
     <a:masterClrMapping/>
   </p:clrMapOvr>
+  <p:timing>
+    <p:tnLst>
+      <p:par>
+        <p:cTn id="1" dur="indefinite" restart="never" nodeType="tmRoot"/>
+      </p:par>
+    </p:tnLst>
+  </p:timing>
 </p:sld>
 </file>
 
@@ -9344,13 +9291,7 @@
       </p:grpSpPr>
       <p:sp>
         <p:nvSpPr>
-          <p:cNvPr id="2" name="Заголовок 1">
-            <a:extLst>
-              <a:ext uri="{FF2B5EF4-FFF2-40B4-BE49-F238E27FC236}">
-                <a16:creationId xmlns:a16="http://schemas.microsoft.com/office/drawing/2014/main" id="{DAF314CA-1286-386D-0CBF-B2F10B809938}"/>
-              </a:ext>
-            </a:extLst>
-          </p:cNvPr>
+          <p:cNvPr id="2" name="Заголовок 1"/>
           <p:cNvSpPr>
             <a:spLocks noGrp="1"/>
           </p:cNvSpPr>
@@ -9363,22 +9304,13 @@
           <a:bodyPr/>
           <a:lstStyle/>
           <a:p>
-            <a:r>
-              <a:rPr lang="ru-RU" dirty="0"/>
-              <a:t>Врач</a:t>
-            </a:r>
+            <a:endParaRPr lang="ru-RU"/>
           </a:p>
         </p:txBody>
       </p:sp>
       <p:sp>
         <p:nvSpPr>
-          <p:cNvPr id="3" name="Объект 2">
-            <a:extLst>
-              <a:ext uri="{FF2B5EF4-FFF2-40B4-BE49-F238E27FC236}">
-                <a16:creationId xmlns:a16="http://schemas.microsoft.com/office/drawing/2014/main" id="{DA93CA1A-C080-1423-C4DD-4B84916CF93E}"/>
-              </a:ext>
-            </a:extLst>
-          </p:cNvPr>
+          <p:cNvPr id="3" name="Объект 2"/>
           <p:cNvSpPr>
             <a:spLocks noGrp="1"/>
           </p:cNvSpPr>
@@ -9386,262 +9318,61 @@
             <p:ph idx="1"/>
           </p:nvPr>
         </p:nvSpPr>
+        <p:spPr/>
+        <p:txBody>
+          <a:bodyPr/>
+          <a:lstStyle/>
+          <a:p>
+            <a:endParaRPr lang="ru-RU"/>
+          </a:p>
+        </p:txBody>
+      </p:sp>
+      <p:pic>
+        <p:nvPicPr>
+          <p:cNvPr id="4" name="Рисунок 3" descr="Изображение выглядит как текст, внутренний, снимок экрана&#10;&#10;Автоматически созданное описание">
+            <a:extLst>
+              <a:ext uri="{FF2B5EF4-FFF2-40B4-BE49-F238E27FC236}">
+                <a16:creationId xmlns:a16="http://schemas.microsoft.com/office/drawing/2014/main" xmlns="" id="{4798FCA6-0B12-1683-A88F-0B8D01570E2E}"/>
+              </a:ext>
+            </a:extLst>
+          </p:cNvPr>
+          <p:cNvPicPr>
+            <a:picLocks noChangeAspect="1"/>
+          </p:cNvPicPr>
+          <p:nvPr/>
+        </p:nvPicPr>
+        <p:blipFill rotWithShape="1">
+          <a:blip r:embed="rId2"/>
+          <a:srcRect l="12929" r="1" b="1"/>
+          <a:stretch/>
+        </p:blipFill>
         <p:spPr>
           <a:xfrm>
-            <a:off x="1097280" y="2108201"/>
-            <a:ext cx="10058400" cy="4194276"/>
+            <a:off x="20" y="10"/>
+            <a:ext cx="12186295" cy="6857990"/>
           </a:xfrm>
+          <a:prstGeom prst="rect">
+            <a:avLst/>
+          </a:prstGeom>
         </p:spPr>
-        <p:txBody>
-          <a:bodyPr>
-            <a:normAutofit/>
-          </a:bodyPr>
-          <a:lstStyle/>
-          <a:p>
-            <a:pPr algn="l" fontAlgn="base"/>
-            <a:r>
-              <a:rPr lang="ru-RU" b="0" i="0" dirty="0">
-                <a:solidFill>
-                  <a:srgbClr val="000000"/>
-                </a:solidFill>
-                <a:effectLst/>
-                <a:latin typeface="Helvetica Neue"/>
-              </a:rPr>
-              <a:t>         Амбулаторная карточка теряется, направления и результаты анализов бесследно исчезают - врачу непонятно, как теперь лечить пациента. Благодаря электронной истории болезни врач сможет контролировать ход лечения больного и т.д.</a:t>
-            </a:r>
-            <a:r>
-              <a:rPr lang="en-US" dirty="0">
-                <a:solidFill>
-                  <a:srgbClr val="000000"/>
-                </a:solidFill>
-                <a:latin typeface="Helvetica Neue"/>
-              </a:rPr>
-              <a:t>:</a:t>
-            </a:r>
-            <a:endParaRPr lang="ru-RU" b="0" i="0" dirty="0">
-              <a:solidFill>
-                <a:srgbClr val="000000"/>
-              </a:solidFill>
-              <a:effectLst/>
-              <a:latin typeface="Helvetica Neue"/>
-            </a:endParaRPr>
-          </a:p>
-          <a:p>
-            <a:pPr algn="l" fontAlgn="base">
-              <a:buFont typeface="Arial" panose="020B0604020202020204" pitchFamily="34" charset="0"/>
-              <a:buChar char="•"/>
-            </a:pPr>
-            <a:r>
-              <a:rPr lang="ru-RU" b="0" i="0" dirty="0">
-                <a:solidFill>
-                  <a:srgbClr val="000000"/>
-                </a:solidFill>
-                <a:effectLst/>
-                <a:latin typeface="Helvetica Neue"/>
-              </a:rPr>
-              <a:t> Просмотр приемов других специалистов</a:t>
-            </a:r>
-            <a:r>
-              <a:rPr lang="en-US" b="0" i="0" dirty="0">
-                <a:solidFill>
-                  <a:srgbClr val="000000"/>
-                </a:solidFill>
-                <a:effectLst/>
-                <a:latin typeface="Helvetica Neue"/>
-              </a:rPr>
-              <a:t>;</a:t>
-            </a:r>
-            <a:endParaRPr lang="ru-RU" b="0" i="0" dirty="0">
-              <a:solidFill>
-                <a:srgbClr val="000000"/>
-              </a:solidFill>
-              <a:effectLst/>
-              <a:latin typeface="Helvetica Neue"/>
-            </a:endParaRPr>
-          </a:p>
-          <a:p>
-            <a:pPr algn="l" fontAlgn="base">
-              <a:buFont typeface="Arial" panose="020B0604020202020204" pitchFamily="34" charset="0"/>
-              <a:buChar char="•"/>
-            </a:pPr>
-            <a:r>
-              <a:rPr lang="ru-RU" b="0" i="0" dirty="0">
-                <a:solidFill>
-                  <a:srgbClr val="000000"/>
-                </a:solidFill>
-                <a:effectLst/>
-                <a:latin typeface="Helvetica Neue"/>
-              </a:rPr>
-              <a:t> Прикрепление рентгеновских снимков</a:t>
-            </a:r>
-            <a:r>
-              <a:rPr lang="en-US" b="0" i="0" dirty="0">
-                <a:solidFill>
-                  <a:srgbClr val="000000"/>
-                </a:solidFill>
-                <a:effectLst/>
-                <a:latin typeface="Helvetica Neue"/>
-              </a:rPr>
-              <a:t>;</a:t>
-            </a:r>
-            <a:endParaRPr lang="ru-RU" b="0" i="0" dirty="0">
-              <a:solidFill>
-                <a:srgbClr val="000000"/>
-              </a:solidFill>
-              <a:effectLst/>
-              <a:latin typeface="Helvetica Neue"/>
-            </a:endParaRPr>
-          </a:p>
-          <a:p>
-            <a:pPr algn="l" fontAlgn="base">
-              <a:buFont typeface="Arial" panose="020B0604020202020204" pitchFamily="34" charset="0"/>
-              <a:buChar char="•"/>
-            </a:pPr>
-            <a:r>
-              <a:rPr lang="ru-RU" b="0" i="0" dirty="0">
-                <a:solidFill>
-                  <a:srgbClr val="000000"/>
-                </a:solidFill>
-                <a:effectLst/>
-                <a:latin typeface="Helvetica Neue"/>
-              </a:rPr>
-              <a:t> Справочники быстрого ввода</a:t>
-            </a:r>
-            <a:r>
-              <a:rPr lang="en-US" b="0" i="0" dirty="0">
-                <a:solidFill>
-                  <a:srgbClr val="000000"/>
-                </a:solidFill>
-                <a:effectLst/>
-                <a:latin typeface="Helvetica Neue"/>
-              </a:rPr>
-              <a:t>;</a:t>
-            </a:r>
-            <a:endParaRPr lang="ru-RU" b="0" i="0" dirty="0">
-              <a:solidFill>
-                <a:srgbClr val="000000"/>
-              </a:solidFill>
-              <a:effectLst/>
-              <a:latin typeface="Helvetica Neue"/>
-            </a:endParaRPr>
-          </a:p>
-          <a:p>
-            <a:pPr algn="l" fontAlgn="base">
-              <a:buFont typeface="Arial" panose="020B0604020202020204" pitchFamily="34" charset="0"/>
-              <a:buChar char="•"/>
-            </a:pPr>
-            <a:r>
-              <a:rPr lang="ru-RU" b="0" i="0" dirty="0">
-                <a:solidFill>
-                  <a:srgbClr val="000000"/>
-                </a:solidFill>
-                <a:effectLst/>
-                <a:latin typeface="Helvetica Neue"/>
-              </a:rPr>
-              <a:t> Готовые шаблоны и протоколы осмотров</a:t>
-            </a:r>
-            <a:r>
-              <a:rPr lang="en-US" b="0" i="0" dirty="0">
-                <a:solidFill>
-                  <a:srgbClr val="000000"/>
-                </a:solidFill>
-                <a:effectLst/>
-                <a:latin typeface="Helvetica Neue"/>
-              </a:rPr>
-              <a:t>;</a:t>
-            </a:r>
-            <a:endParaRPr lang="ru-RU" b="0" i="0" dirty="0">
-              <a:solidFill>
-                <a:srgbClr val="000000"/>
-              </a:solidFill>
-              <a:effectLst/>
-              <a:latin typeface="Helvetica Neue"/>
-            </a:endParaRPr>
-          </a:p>
-          <a:p>
-            <a:pPr algn="l" fontAlgn="base">
-              <a:buFont typeface="Arial" panose="020B0604020202020204" pitchFamily="34" charset="0"/>
-              <a:buChar char="•"/>
-            </a:pPr>
-            <a:r>
-              <a:rPr lang="ru-RU" b="0" i="0" dirty="0">
-                <a:solidFill>
-                  <a:srgbClr val="000000"/>
-                </a:solidFill>
-                <a:effectLst/>
-                <a:latin typeface="Helvetica Neue"/>
-              </a:rPr>
-              <a:t> Просмотр результатов исследований</a:t>
-            </a:r>
-            <a:r>
-              <a:rPr lang="en-US" b="0" i="0" dirty="0">
-                <a:solidFill>
-                  <a:srgbClr val="000000"/>
-                </a:solidFill>
-                <a:effectLst/>
-                <a:latin typeface="Helvetica Neue"/>
-              </a:rPr>
-              <a:t>;</a:t>
-            </a:r>
-            <a:endParaRPr lang="ru-RU" b="0" i="0" dirty="0">
-              <a:solidFill>
-                <a:srgbClr val="000000"/>
-              </a:solidFill>
-              <a:effectLst/>
-              <a:latin typeface="Helvetica Neue"/>
-            </a:endParaRPr>
-          </a:p>
-          <a:p>
-            <a:pPr algn="l" fontAlgn="base">
-              <a:buFont typeface="Arial" panose="020B0604020202020204" pitchFamily="34" charset="0"/>
-              <a:buChar char="•"/>
-            </a:pPr>
-            <a:r>
-              <a:rPr lang="ru-RU" b="0" i="0" dirty="0">
-                <a:solidFill>
-                  <a:srgbClr val="000000"/>
-                </a:solidFill>
-                <a:effectLst/>
-                <a:latin typeface="Helvetica Neue"/>
-              </a:rPr>
-              <a:t> Печать протокола осмотра, лечения, рекомендаций, назначений</a:t>
-            </a:r>
-            <a:r>
-              <a:rPr lang="en-US" b="0" i="0" dirty="0">
-                <a:solidFill>
-                  <a:srgbClr val="000000"/>
-                </a:solidFill>
-                <a:effectLst/>
-                <a:latin typeface="Helvetica Neue"/>
-              </a:rPr>
-              <a:t>;</a:t>
-            </a:r>
-            <a:endParaRPr lang="ru-RU" b="0" i="0" dirty="0">
-              <a:solidFill>
-                <a:srgbClr val="000000"/>
-              </a:solidFill>
-              <a:effectLst/>
-              <a:latin typeface="Helvetica Neue"/>
-            </a:endParaRPr>
-          </a:p>
-          <a:p>
-            <a:pPr marL="0" indent="0" algn="l" fontAlgn="base">
-              <a:buNone/>
-            </a:pPr>
-            <a:endParaRPr lang="ru-RU" dirty="0"/>
-          </a:p>
-        </p:txBody>
-      </p:sp>
+      </p:pic>
     </p:spTree>
     <p:extLst>
       <p:ext uri="{BB962C8B-B14F-4D97-AF65-F5344CB8AC3E}">
-        <p14:creationId xmlns:p14="http://schemas.microsoft.com/office/powerpoint/2010/main" val="1659753668"/>
+        <p14:creationId xmlns:p14="http://schemas.microsoft.com/office/powerpoint/2010/main" val="1619010081"/>
       </p:ext>
     </p:extLst>
   </p:cSld>
   <p:clrMapOvr>
     <a:masterClrMapping/>
   </p:clrMapOvr>
+  <p:timing>
+    <p:tnLst>
+      <p:par>
+        <p:cTn id="1" dur="indefinite" restart="never" nodeType="tmRoot"/>
+      </p:par>
+    </p:tnLst>
+  </p:timing>
 </p:sld>
 </file>
 
@@ -9664,13 +9395,7 @@
       </p:grpSpPr>
       <p:sp>
         <p:nvSpPr>
-          <p:cNvPr id="2" name="Заголовок 1">
-            <a:extLst>
-              <a:ext uri="{FF2B5EF4-FFF2-40B4-BE49-F238E27FC236}">
-                <a16:creationId xmlns:a16="http://schemas.microsoft.com/office/drawing/2014/main" id="{CCD71C0E-1CC8-56AC-DE67-D08E11795983}"/>
-              </a:ext>
-            </a:extLst>
-          </p:cNvPr>
+          <p:cNvPr id="2" name="Заголовок 1"/>
           <p:cNvSpPr>
             <a:spLocks noGrp="1"/>
           </p:cNvSpPr>
@@ -9678,400 +9403,85 @@
             <p:ph type="title"/>
           </p:nvPr>
         </p:nvSpPr>
-        <p:spPr/>
+        <p:spPr>
+          <a:xfrm>
+            <a:off x="1095375" y="2095500"/>
+            <a:ext cx="10058400" cy="1450757"/>
+          </a:xfrm>
+        </p:spPr>
         <p:txBody>
           <a:bodyPr/>
           <a:lstStyle/>
           <a:p>
-            <a:r>
-              <a:rPr lang="ru-RU" dirty="0"/>
-              <a:t>Руководитель</a:t>
-            </a:r>
+            <a:pPr algn="ctr"/>
+            <a:r>
+              <a:rPr lang="ru-RU" dirty="0" smtClean="0"/>
+              <a:t>Спасибо за внимание!</a:t>
+            </a:r>
+            <a:endParaRPr lang="ru-RU" dirty="0"/>
           </a:p>
         </p:txBody>
       </p:sp>
       <p:sp>
         <p:nvSpPr>
-          <p:cNvPr id="3" name="Объект 2">
-            <a:extLst>
-              <a:ext uri="{FF2B5EF4-FFF2-40B4-BE49-F238E27FC236}">
-                <a16:creationId xmlns:a16="http://schemas.microsoft.com/office/drawing/2014/main" id="{D1406F97-74FE-A97F-0C2B-1C22004819CF}"/>
-              </a:ext>
-            </a:extLst>
-          </p:cNvPr>
-          <p:cNvSpPr>
-            <a:spLocks noGrp="1"/>
-          </p:cNvSpPr>
-          <p:nvPr>
-            <p:ph idx="1"/>
-          </p:nvPr>
+          <p:cNvPr id="4" name="Прямоугольник 3"/>
+          <p:cNvSpPr/>
+          <p:nvPr/>
         </p:nvSpPr>
         <p:spPr>
           <a:xfrm>
-            <a:off x="1097280" y="2108201"/>
-            <a:ext cx="10058400" cy="4079239"/>
+            <a:off x="838200" y="1485900"/>
+            <a:ext cx="10572750" cy="609600"/>
           </a:xfrm>
+          <a:prstGeom prst="rect">
+            <a:avLst/>
+          </a:prstGeom>
+          <a:ln>
+            <a:solidFill>
+              <a:schemeClr val="bg1"/>
+            </a:solidFill>
+          </a:ln>
         </p:spPr>
+        <p:style>
+          <a:lnRef idx="2">
+            <a:schemeClr val="dk1"/>
+          </a:lnRef>
+          <a:fillRef idx="1">
+            <a:schemeClr val="lt1"/>
+          </a:fillRef>
+          <a:effectRef idx="0">
+            <a:schemeClr val="dk1"/>
+          </a:effectRef>
+          <a:fontRef idx="minor">
+            <a:schemeClr val="dk1"/>
+          </a:fontRef>
+        </p:style>
         <p:txBody>
-          <a:bodyPr>
-            <a:normAutofit/>
-          </a:bodyPr>
+          <a:bodyPr rtlCol="0" anchor="ctr"/>
           <a:lstStyle/>
           <a:p>
-            <a:pPr algn="l" fontAlgn="base">
-              <a:lnSpc>
-                <a:spcPct val="100000"/>
-              </a:lnSpc>
-            </a:pPr>
-            <a:r>
-              <a:rPr lang="en-US" sz="2000" b="0" i="0" dirty="0">
-                <a:solidFill>
-                  <a:srgbClr val="000000"/>
-                </a:solidFill>
-                <a:effectLst/>
-                <a:latin typeface="Helvetica Neue"/>
-              </a:rPr>
-              <a:t>        </a:t>
-            </a:r>
-            <a:r>
-              <a:rPr lang="ru-RU" sz="2000" b="0" i="0" dirty="0">
-                <a:solidFill>
-                  <a:srgbClr val="000000"/>
-                </a:solidFill>
-                <a:effectLst/>
-                <a:latin typeface="Helvetica Neue"/>
-              </a:rPr>
-              <a:t>В ручном режиме на подсчет зарплат уходит несколько дней. Поэтому система </a:t>
-            </a:r>
-            <a:r>
-              <a:rPr lang="en-US" sz="2000" b="0" i="0" dirty="0" err="1">
-                <a:solidFill>
-                  <a:srgbClr val="000000"/>
-                </a:solidFill>
-                <a:effectLst/>
-                <a:latin typeface="Helvetica Neue"/>
-              </a:rPr>
-              <a:t>Archimed</a:t>
-            </a:r>
-            <a:r>
-              <a:rPr lang="en-US" sz="2000" b="0" i="0" dirty="0">
-                <a:solidFill>
-                  <a:srgbClr val="000000"/>
-                </a:solidFill>
-                <a:effectLst/>
-                <a:latin typeface="Helvetica Neue"/>
-              </a:rPr>
-              <a:t>+ </a:t>
-            </a:r>
-            <a:r>
-              <a:rPr lang="ru-RU" sz="2000" b="0" i="0" dirty="0">
-                <a:solidFill>
-                  <a:srgbClr val="000000"/>
-                </a:solidFill>
-                <a:effectLst/>
-                <a:latin typeface="Helvetica Neue"/>
-              </a:rPr>
-              <a:t>может самостоятельно произвести все необходимые </a:t>
-            </a:r>
-            <a:r>
-              <a:rPr lang="ru-RU" sz="2000" b="0" i="0" dirty="0" err="1">
-                <a:solidFill>
-                  <a:srgbClr val="000000"/>
-                </a:solidFill>
-                <a:effectLst/>
-                <a:latin typeface="Helvetica Neue"/>
-              </a:rPr>
-              <a:t>рассчеты</a:t>
-            </a:r>
-            <a:r>
-              <a:rPr lang="ru-RU" sz="2000" b="0" i="0" dirty="0">
-                <a:solidFill>
-                  <a:srgbClr val="000000"/>
-                </a:solidFill>
-                <a:effectLst/>
-                <a:latin typeface="Helvetica Neue"/>
-              </a:rPr>
-              <a:t>:</a:t>
-            </a:r>
-          </a:p>
-          <a:p>
-            <a:pPr algn="l" fontAlgn="base">
-              <a:lnSpc>
-                <a:spcPct val="100000"/>
-              </a:lnSpc>
-              <a:buFont typeface="Arial" panose="020B0604020202020204" pitchFamily="34" charset="0"/>
-              <a:buChar char="•"/>
-            </a:pPr>
-            <a:r>
-              <a:rPr lang="en-US" sz="2000" b="0" i="0" dirty="0">
-                <a:solidFill>
-                  <a:srgbClr val="000000"/>
-                </a:solidFill>
-                <a:effectLst/>
-                <a:latin typeface="Helvetica Neue"/>
-              </a:rPr>
-              <a:t> </a:t>
-            </a:r>
-            <a:r>
-              <a:rPr lang="ru-RU" sz="2000" b="0" i="0" dirty="0">
-                <a:solidFill>
-                  <a:srgbClr val="000000"/>
-                </a:solidFill>
-                <a:effectLst/>
-                <a:latin typeface="Helvetica Neue"/>
-              </a:rPr>
-              <a:t>Возможность создавать правила начисления зарплат</a:t>
-            </a:r>
-            <a:r>
-              <a:rPr lang="en-US" sz="2000" b="0" i="0" dirty="0">
-                <a:solidFill>
-                  <a:srgbClr val="000000"/>
-                </a:solidFill>
-                <a:effectLst/>
-                <a:latin typeface="Helvetica Neue"/>
-              </a:rPr>
-              <a:t>;</a:t>
-            </a:r>
-            <a:endParaRPr lang="ru-RU" sz="2000" b="0" i="0" dirty="0">
-              <a:solidFill>
-                <a:srgbClr val="000000"/>
-              </a:solidFill>
-              <a:effectLst/>
-              <a:latin typeface="Helvetica Neue"/>
-            </a:endParaRPr>
-          </a:p>
-          <a:p>
-            <a:pPr algn="l" fontAlgn="base">
-              <a:lnSpc>
-                <a:spcPct val="100000"/>
-              </a:lnSpc>
-              <a:buFont typeface="Arial" panose="020B0604020202020204" pitchFamily="34" charset="0"/>
-              <a:buChar char="•"/>
-            </a:pPr>
-            <a:r>
-              <a:rPr lang="en-US" sz="2000" b="0" i="0" dirty="0">
-                <a:solidFill>
-                  <a:srgbClr val="000000"/>
-                </a:solidFill>
-                <a:effectLst/>
-                <a:latin typeface="Helvetica Neue"/>
-              </a:rPr>
-              <a:t> </a:t>
-            </a:r>
-            <a:r>
-              <a:rPr lang="ru-RU" sz="2000" b="0" i="0" dirty="0">
-                <a:solidFill>
-                  <a:srgbClr val="000000"/>
-                </a:solidFill>
-                <a:effectLst/>
-                <a:latin typeface="Helvetica Neue"/>
-              </a:rPr>
-              <a:t>Установка процента или суммы в рублях врачу от оказанных услуг</a:t>
-            </a:r>
-            <a:r>
-              <a:rPr lang="en-US" sz="2000" b="0" i="0" dirty="0">
-                <a:solidFill>
-                  <a:srgbClr val="000000"/>
-                </a:solidFill>
-                <a:effectLst/>
-                <a:latin typeface="Helvetica Neue"/>
-              </a:rPr>
-              <a:t>;</a:t>
-            </a:r>
-            <a:endParaRPr lang="ru-RU" sz="2000" b="0" i="0" dirty="0">
-              <a:solidFill>
-                <a:srgbClr val="000000"/>
-              </a:solidFill>
-              <a:effectLst/>
-              <a:latin typeface="Helvetica Neue"/>
-            </a:endParaRPr>
-          </a:p>
-          <a:p>
-            <a:pPr algn="l" fontAlgn="base">
-              <a:lnSpc>
-                <a:spcPct val="100000"/>
-              </a:lnSpc>
-              <a:buFont typeface="Arial" panose="020B0604020202020204" pitchFamily="34" charset="0"/>
-              <a:buChar char="•"/>
-            </a:pPr>
-            <a:r>
-              <a:rPr lang="en-US" sz="2000" b="0" i="0" dirty="0">
-                <a:solidFill>
-                  <a:srgbClr val="000000"/>
-                </a:solidFill>
-                <a:effectLst/>
-                <a:latin typeface="Helvetica Neue"/>
-              </a:rPr>
-              <a:t> </a:t>
-            </a:r>
-            <a:r>
-              <a:rPr lang="ru-RU" sz="2000" b="0" i="0" dirty="0">
-                <a:solidFill>
-                  <a:srgbClr val="000000"/>
-                </a:solidFill>
-                <a:effectLst/>
-                <a:latin typeface="Helvetica Neue"/>
-              </a:rPr>
-              <a:t>Расчет окладов сотрудников</a:t>
-            </a:r>
-            <a:r>
-              <a:rPr lang="en-US" sz="2000" b="0" i="0" dirty="0">
-                <a:solidFill>
-                  <a:srgbClr val="000000"/>
-                </a:solidFill>
-                <a:effectLst/>
-                <a:latin typeface="Helvetica Neue"/>
-              </a:rPr>
-              <a:t>;</a:t>
-            </a:r>
-            <a:endParaRPr lang="ru-RU" sz="2000" b="0" i="0" dirty="0">
-              <a:solidFill>
-                <a:srgbClr val="000000"/>
-              </a:solidFill>
-              <a:effectLst/>
-              <a:latin typeface="Helvetica Neue"/>
-            </a:endParaRPr>
-          </a:p>
-          <a:p>
-            <a:pPr algn="l" fontAlgn="base">
-              <a:lnSpc>
-                <a:spcPct val="100000"/>
-              </a:lnSpc>
-              <a:buFont typeface="Arial" panose="020B0604020202020204" pitchFamily="34" charset="0"/>
-              <a:buChar char="•"/>
-            </a:pPr>
-            <a:r>
-              <a:rPr lang="en-US" sz="2000" b="0" i="0" dirty="0">
-                <a:solidFill>
-                  <a:srgbClr val="000000"/>
-                </a:solidFill>
-                <a:effectLst/>
-                <a:latin typeface="Helvetica Neue"/>
-              </a:rPr>
-              <a:t> </a:t>
-            </a:r>
-            <a:r>
-              <a:rPr lang="ru-RU" sz="2000" b="0" i="0" dirty="0">
-                <a:solidFill>
-                  <a:srgbClr val="000000"/>
-                </a:solidFill>
-                <a:effectLst/>
-                <a:latin typeface="Helvetica Neue"/>
-              </a:rPr>
-              <a:t>Расчет почасовой и понедельной оплаты</a:t>
-            </a:r>
-            <a:r>
-              <a:rPr lang="en-US" sz="2000" b="0" i="0" dirty="0">
-                <a:solidFill>
-                  <a:srgbClr val="000000"/>
-                </a:solidFill>
-                <a:effectLst/>
-                <a:latin typeface="Helvetica Neue"/>
-              </a:rPr>
-              <a:t>;</a:t>
-            </a:r>
-            <a:endParaRPr lang="ru-RU" sz="2000" b="0" i="0" dirty="0">
-              <a:solidFill>
-                <a:srgbClr val="000000"/>
-              </a:solidFill>
-              <a:effectLst/>
-              <a:latin typeface="Helvetica Neue"/>
-            </a:endParaRPr>
-          </a:p>
-          <a:p>
-            <a:pPr algn="l" fontAlgn="base">
-              <a:lnSpc>
-                <a:spcPct val="100000"/>
-              </a:lnSpc>
-              <a:buFont typeface="Arial" panose="020B0604020202020204" pitchFamily="34" charset="0"/>
-              <a:buChar char="•"/>
-            </a:pPr>
-            <a:r>
-              <a:rPr lang="en-US" sz="2000" b="0" i="0" dirty="0">
-                <a:solidFill>
-                  <a:srgbClr val="000000"/>
-                </a:solidFill>
-                <a:effectLst/>
-                <a:latin typeface="Helvetica Neue"/>
-              </a:rPr>
-              <a:t> </a:t>
-            </a:r>
-            <a:r>
-              <a:rPr lang="ru-RU" sz="2000" b="0" i="0" dirty="0">
-                <a:solidFill>
-                  <a:srgbClr val="000000"/>
-                </a:solidFill>
-                <a:effectLst/>
-                <a:latin typeface="Helvetica Neue"/>
-              </a:rPr>
-              <a:t>Автоматический подсчет выплат агентам</a:t>
-            </a:r>
-            <a:r>
-              <a:rPr lang="en-US" sz="2000" b="0" i="0" dirty="0">
-                <a:solidFill>
-                  <a:srgbClr val="000000"/>
-                </a:solidFill>
-                <a:effectLst/>
-                <a:latin typeface="Helvetica Neue"/>
-              </a:rPr>
-              <a:t>;</a:t>
-            </a:r>
-            <a:endParaRPr lang="ru-RU" sz="2000" b="0" i="0" dirty="0">
-              <a:solidFill>
-                <a:srgbClr val="000000"/>
-              </a:solidFill>
-              <a:effectLst/>
-              <a:latin typeface="Helvetica Neue"/>
-            </a:endParaRPr>
-          </a:p>
-          <a:p>
-            <a:pPr algn="l" fontAlgn="base">
-              <a:lnSpc>
-                <a:spcPct val="100000"/>
-              </a:lnSpc>
-              <a:buFont typeface="Arial" panose="020B0604020202020204" pitchFamily="34" charset="0"/>
-              <a:buChar char="•"/>
-            </a:pPr>
-            <a:r>
-              <a:rPr lang="ru-RU" sz="2000" b="0" i="0" dirty="0">
-                <a:solidFill>
-                  <a:srgbClr val="000000"/>
-                </a:solidFill>
-                <a:effectLst/>
-                <a:latin typeface="Helvetica Neue"/>
-              </a:rPr>
-              <a:t> Печать ведомостей</a:t>
-            </a:r>
-            <a:r>
-              <a:rPr lang="en-US" sz="2000" b="0" i="0" dirty="0">
-                <a:solidFill>
-                  <a:srgbClr val="000000"/>
-                </a:solidFill>
-                <a:effectLst/>
-                <a:latin typeface="Helvetica Neue"/>
-              </a:rPr>
-              <a:t>.</a:t>
-            </a:r>
-            <a:endParaRPr lang="ru-RU" sz="2000" b="0" i="0" dirty="0">
-              <a:solidFill>
-                <a:srgbClr val="000000"/>
-              </a:solidFill>
-              <a:effectLst/>
-              <a:latin typeface="Helvetica Neue"/>
-            </a:endParaRPr>
+            <a:pPr algn="ctr"/>
+            <a:endParaRPr lang="ru-RU"/>
           </a:p>
         </p:txBody>
       </p:sp>
     </p:spTree>
     <p:extLst>
       <p:ext uri="{BB962C8B-B14F-4D97-AF65-F5344CB8AC3E}">
-        <p14:creationId xmlns:p14="http://schemas.microsoft.com/office/powerpoint/2010/main" val="2483311358"/>
+        <p14:creationId xmlns:p14="http://schemas.microsoft.com/office/powerpoint/2010/main" val="388960447"/>
       </p:ext>
     </p:extLst>
   </p:cSld>
   <p:clrMapOvr>
     <a:masterClrMapping/>
   </p:clrMapOvr>
+  <p:timing>
+    <p:tnLst>
+      <p:par>
+        <p:cTn id="1" dur="indefinite" restart="never" nodeType="tmRoot"/>
+      </p:par>
+    </p:tnLst>
+  </p:timing>
 </p:sld>
 </file>
 
@@ -10105,10 +9515,10 @@
           <p:cNvPr id="33" name="Rectangle 24">
             <a:extLst>
               <a:ext uri="{FF2B5EF4-FFF2-40B4-BE49-F238E27FC236}">
-                <a16:creationId xmlns:a16="http://schemas.microsoft.com/office/drawing/2014/main" id="{E844E128-FF69-4E9F-8327-6B504B3C5AE1}"/>
+                <a16:creationId xmlns:a16="http://schemas.microsoft.com/office/drawing/2014/main" xmlns="" id="{E844E128-FF69-4E9F-8327-6B504B3C5AE1}"/>
               </a:ext>
               <a:ext uri="{C183D7F6-B498-43B3-948B-1728B52AA6E4}">
-                <adec:decorative xmlns:adec="http://schemas.microsoft.com/office/drawing/2017/decorative" val="1"/>
+                <adec:decorative xmlns:adec="http://schemas.microsoft.com/office/drawing/2017/decorative" xmlns="" val="1"/>
               </a:ext>
             </a:extLst>
           </p:cNvPr>
@@ -10118,7 +9528,7 @@
           <p:nvPr>
             <p:extLst>
               <p:ext uri="{386F3935-93C4-4BCD-93E2-E3B085C9AB24}">
-                <p16:designElem xmlns:p16="http://schemas.microsoft.com/office/powerpoint/2015/main" val="1"/>
+                <p16:designElem xmlns:p16="http://schemas.microsoft.com/office/powerpoint/2015/main" xmlns="" val="1"/>
               </p:ext>
             </p:extLst>
           </p:nvPr>
@@ -10160,7 +9570,7 @@
           <p:cNvPr id="2" name="Заголовок 1">
             <a:extLst>
               <a:ext uri="{FF2B5EF4-FFF2-40B4-BE49-F238E27FC236}">
-                <a16:creationId xmlns:a16="http://schemas.microsoft.com/office/drawing/2014/main" id="{E6D7E82C-B636-AE96-E998-C94ACAB309E8}"/>
+                <a16:creationId xmlns:a16="http://schemas.microsoft.com/office/drawing/2014/main" xmlns="" id="{E6D7E82C-B636-AE96-E998-C94ACAB309E8}"/>
               </a:ext>
             </a:extLst>
           </p:cNvPr>
@@ -10199,10 +9609,10 @@
           <p:cNvPr id="36" name="Straight Connector 26">
             <a:extLst>
               <a:ext uri="{FF2B5EF4-FFF2-40B4-BE49-F238E27FC236}">
-                <a16:creationId xmlns:a16="http://schemas.microsoft.com/office/drawing/2014/main" id="{055CEADF-09EA-423C-8C45-F94AF44D5AF0}"/>
+                <a16:creationId xmlns:a16="http://schemas.microsoft.com/office/drawing/2014/main" xmlns="" id="{055CEADF-09EA-423C-8C45-F94AF44D5AF0}"/>
               </a:ext>
               <a:ext uri="{C183D7F6-B498-43B3-948B-1728B52AA6E4}">
-                <adec:decorative xmlns:adec="http://schemas.microsoft.com/office/drawing/2017/decorative" val="1"/>
+                <adec:decorative xmlns:adec="http://schemas.microsoft.com/office/drawing/2017/decorative" xmlns="" val="1"/>
               </a:ext>
             </a:extLst>
           </p:cNvPr>
@@ -10212,7 +9622,7 @@
           <p:nvPr>
             <p:extLst>
               <p:ext uri="{386F3935-93C4-4BCD-93E2-E3B085C9AB24}">
-                <p16:designElem xmlns:p16="http://schemas.microsoft.com/office/powerpoint/2015/main" val="1"/>
+                <p16:designElem xmlns:p16="http://schemas.microsoft.com/office/powerpoint/2015/main" xmlns="" val="1"/>
               </p:ext>
             </p:extLst>
           </p:nvPr>
@@ -10251,7 +9661,7 @@
           <p:cNvPr id="3" name="Объект 2">
             <a:extLst>
               <a:ext uri="{FF2B5EF4-FFF2-40B4-BE49-F238E27FC236}">
-                <a16:creationId xmlns:a16="http://schemas.microsoft.com/office/drawing/2014/main" id="{77272241-A741-1D2A-5B71-AF0A93102558}"/>
+                <a16:creationId xmlns:a16="http://schemas.microsoft.com/office/drawing/2014/main" xmlns="" id="{77272241-A741-1D2A-5B71-AF0A93102558}"/>
               </a:ext>
             </a:extLst>
           </p:cNvPr>
@@ -10293,13 +9703,35 @@
               </a:rPr>
               <a:t>централизованную систему здравоохранения, позволяющую избавится от бумажных карт и ускорить работу поликлиник.</a:t>
             </a:r>
-            <a:endParaRPr lang="ru-RU" sz="2000" b="0" i="0" dirty="0">
-              <a:solidFill>
-                <a:srgbClr val="FFFFFF"/>
-              </a:solidFill>
-              <a:effectLst/>
-              <a:latin typeface="Arial" panose="020B0604020202020204" pitchFamily="34" charset="0"/>
-            </a:endParaRPr>
+          </a:p>
+          <a:p>
+            <a:r>
+              <a:rPr lang="ru-RU" sz="2000" dirty="0">
+                <a:solidFill>
+                  <a:srgbClr val="FFFFFF"/>
+                </a:solidFill>
+                <a:latin typeface="Arial" panose="020B0604020202020204" pitchFamily="34" charset="0"/>
+              </a:rPr>
+              <a:t>Благодаря системе пропускная способность </a:t>
+            </a:r>
+            <a:r>
+              <a:rPr lang="ru-RU" sz="2000" dirty="0" smtClean="0">
+                <a:solidFill>
+                  <a:srgbClr val="FFFFFF"/>
+                </a:solidFill>
+                <a:latin typeface="Arial" panose="020B0604020202020204" pitchFamily="34" charset="0"/>
+              </a:rPr>
+              <a:t>клиник </a:t>
+            </a:r>
+            <a:r>
+              <a:rPr lang="ru-RU" sz="2000" dirty="0">
+                <a:solidFill>
+                  <a:srgbClr val="FFFFFF"/>
+                </a:solidFill>
+                <a:latin typeface="Arial" panose="020B0604020202020204" pitchFamily="34" charset="0"/>
+              </a:rPr>
+              <a:t>возрастает на 30%.</a:t>
+            </a:r>
           </a:p>
         </p:txBody>
       </p:sp>
@@ -10308,7 +9740,7 @@
           <p:cNvPr id="14" name="Picture 13" descr="Изображение выглядит как текст, зеленый, лазер&#10;&#10;Автоматически созданное описание">
             <a:extLst>
               <a:ext uri="{FF2B5EF4-FFF2-40B4-BE49-F238E27FC236}">
-                <a16:creationId xmlns:a16="http://schemas.microsoft.com/office/drawing/2014/main" id="{1C2CF4D7-10DC-4F9A-5C59-9100A623BDB1}"/>
+                <a16:creationId xmlns:a16="http://schemas.microsoft.com/office/drawing/2014/main" xmlns="" id="{1C2CF4D7-10DC-4F9A-5C59-9100A623BDB1}"/>
               </a:ext>
             </a:extLst>
           </p:cNvPr>
@@ -10342,6 +9774,13 @@
   <p:clrMapOvr>
     <a:overrideClrMapping bg1="dk1" tx1="lt1" bg2="dk2" tx2="lt2" accent1="accent1" accent2="accent2" accent3="accent3" accent4="accent4" accent5="accent5" accent6="accent6" hlink="hlink" folHlink="folHlink"/>
   </p:clrMapOvr>
+  <p:timing>
+    <p:tnLst>
+      <p:par>
+        <p:cTn id="1" dur="indefinite" restart="never" nodeType="tmRoot"/>
+      </p:par>
+    </p:tnLst>
+  </p:timing>
 </p:sld>
 </file>
 
@@ -10375,10 +9814,10 @@
           <p:cNvPr id="19" name="Rectangle 18">
             <a:extLst>
               <a:ext uri="{FF2B5EF4-FFF2-40B4-BE49-F238E27FC236}">
-                <a16:creationId xmlns:a16="http://schemas.microsoft.com/office/drawing/2014/main" id="{13BCCAE5-A35B-4B66-A4A7-E23C34A403A4}"/>
+                <a16:creationId xmlns:a16="http://schemas.microsoft.com/office/drawing/2014/main" xmlns="" id="{13BCCAE5-A35B-4B66-A4A7-E23C34A403A4}"/>
               </a:ext>
               <a:ext uri="{C183D7F6-B498-43B3-948B-1728B52AA6E4}">
-                <adec:decorative xmlns:adec="http://schemas.microsoft.com/office/drawing/2017/decorative" val="1"/>
+                <adec:decorative xmlns:adec="http://schemas.microsoft.com/office/drawing/2017/decorative" xmlns="" val="1"/>
               </a:ext>
             </a:extLst>
           </p:cNvPr>
@@ -10388,7 +9827,7 @@
           <p:nvPr>
             <p:extLst>
               <p:ext uri="{386F3935-93C4-4BCD-93E2-E3B085C9AB24}">
-                <p16:designElem xmlns:p16="http://schemas.microsoft.com/office/powerpoint/2015/main" val="1"/>
+                <p16:designElem xmlns:p16="http://schemas.microsoft.com/office/powerpoint/2015/main" xmlns="" val="1"/>
               </p:ext>
             </p:extLst>
           </p:nvPr>
@@ -10435,7 +9874,7 @@
           <p:cNvPr id="2" name="Заголовок 1">
             <a:extLst>
               <a:ext uri="{FF2B5EF4-FFF2-40B4-BE49-F238E27FC236}">
-                <a16:creationId xmlns:a16="http://schemas.microsoft.com/office/drawing/2014/main" id="{E6D7E82C-B636-AE96-E998-C94ACAB309E8}"/>
+                <a16:creationId xmlns:a16="http://schemas.microsoft.com/office/drawing/2014/main" xmlns="" id="{E6D7E82C-B636-AE96-E998-C94ACAB309E8}"/>
               </a:ext>
             </a:extLst>
           </p:cNvPr>
@@ -10470,10 +9909,10 @@
           <p:cNvPr id="21" name="Straight Connector 20">
             <a:extLst>
               <a:ext uri="{FF2B5EF4-FFF2-40B4-BE49-F238E27FC236}">
-                <a16:creationId xmlns:a16="http://schemas.microsoft.com/office/drawing/2014/main" id="{6987BDFB-DE64-4B56-B44F-45FAE19FA94E}"/>
+                <a16:creationId xmlns:a16="http://schemas.microsoft.com/office/drawing/2014/main" xmlns="" id="{6987BDFB-DE64-4B56-B44F-45FAE19FA94E}"/>
               </a:ext>
               <a:ext uri="{C183D7F6-B498-43B3-948B-1728B52AA6E4}">
-                <adec:decorative xmlns:adec="http://schemas.microsoft.com/office/drawing/2017/decorative" val="1"/>
+                <adec:decorative xmlns:adec="http://schemas.microsoft.com/office/drawing/2017/decorative" xmlns="" val="1"/>
               </a:ext>
             </a:extLst>
           </p:cNvPr>
@@ -10483,7 +9922,7 @@
           <p:nvPr>
             <p:extLst>
               <p:ext uri="{386F3935-93C4-4BCD-93E2-E3B085C9AB24}">
-                <p16:designElem xmlns:p16="http://schemas.microsoft.com/office/powerpoint/2015/main" val="1"/>
+                <p16:designElem xmlns:p16="http://schemas.microsoft.com/office/powerpoint/2015/main" xmlns="" val="1"/>
               </p:ext>
             </p:extLst>
           </p:nvPr>
@@ -10525,7 +9964,7 @@
           <p:cNvPr id="16" name="Graphic 15" descr="Контрольный список">
             <a:extLst>
               <a:ext uri="{FF2B5EF4-FFF2-40B4-BE49-F238E27FC236}">
-                <a16:creationId xmlns:a16="http://schemas.microsoft.com/office/drawing/2014/main" id="{0DC8AFF0-B82B-EF90-BD2B-09116C528043}"/>
+                <a16:creationId xmlns:a16="http://schemas.microsoft.com/office/drawing/2014/main" xmlns="" id="{0DC8AFF0-B82B-EF90-BD2B-09116C528043}"/>
               </a:ext>
             </a:extLst>
           </p:cNvPr>
@@ -10541,7 +9980,7 @@
                 <a14:useLocalDpi xmlns:a14="http://schemas.microsoft.com/office/drawing/2010/main" val="0"/>
               </a:ext>
               <a:ext uri="{96DAC541-7B7A-43D3-8B79-37D633B846F1}">
-                <asvg:svgBlip xmlns:asvg="http://schemas.microsoft.com/office/drawing/2016/SVG/main" r:embed="rId3"/>
+                <asvg:svgBlip xmlns:asvg="http://schemas.microsoft.com/office/drawing/2016/SVG/main" xmlns="" r:embed="rId3"/>
               </a:ext>
             </a:extLst>
           </a:blip>
@@ -10564,7 +10003,7 @@
           <p:cNvPr id="3" name="Объект 2">
             <a:extLst>
               <a:ext uri="{FF2B5EF4-FFF2-40B4-BE49-F238E27FC236}">
-                <a16:creationId xmlns:a16="http://schemas.microsoft.com/office/drawing/2014/main" id="{77272241-A741-1D2A-5B71-AF0A93102558}"/>
+                <a16:creationId xmlns:a16="http://schemas.microsoft.com/office/drawing/2014/main" xmlns="" id="{77272241-A741-1D2A-5B71-AF0A93102558}"/>
               </a:ext>
             </a:extLst>
           </p:cNvPr>
@@ -10577,7 +10016,7 @@
         </p:nvSpPr>
         <p:spPr>
           <a:xfrm>
-            <a:off x="4706460" y="2472903"/>
+            <a:off x="4696935" y="2196678"/>
             <a:ext cx="6388260" cy="3958301"/>
           </a:xfrm>
         </p:spPr>
@@ -10646,8 +10085,35 @@
               <a:rPr lang="ru-RU" sz="2200" dirty="0">
                 <a:latin typeface="Arial" panose="020B0604020202020204" pitchFamily="34" charset="0"/>
               </a:rPr>
-              <a:t>Организация электронной очереди.</a:t>
-            </a:r>
+              <a:t>Организация электронной очереди</a:t>
+            </a:r>
+            <a:r>
+              <a:rPr lang="ru-RU" sz="2200" dirty="0" smtClean="0">
+                <a:latin typeface="Arial" panose="020B0604020202020204" pitchFamily="34" charset="0"/>
+              </a:rPr>
+              <a:t>.</a:t>
+            </a:r>
+          </a:p>
+          <a:p>
+            <a:pPr>
+              <a:buFont typeface="Arial" panose="020B0604020202020204" pitchFamily="34" charset="0"/>
+              <a:buChar char="•"/>
+            </a:pPr>
+            <a:r>
+              <a:rPr lang="ru-RU" sz="2200" dirty="0">
+                <a:latin typeface="Arial" panose="020B0604020202020204" pitchFamily="34" charset="0"/>
+              </a:rPr>
+              <a:t> </a:t>
+            </a:r>
+            <a:r>
+              <a:rPr lang="ru-RU" sz="2200" dirty="0" smtClean="0">
+                <a:latin typeface="Arial" panose="020B0604020202020204" pitchFamily="34" charset="0"/>
+              </a:rPr>
+              <a:t>Объединение больниц на одном сервере.</a:t>
+            </a:r>
+            <a:endParaRPr lang="ru-RU" sz="2200" dirty="0">
+              <a:latin typeface="Arial" panose="020B0604020202020204" pitchFamily="34" charset="0"/>
+            </a:endParaRPr>
           </a:p>
           <a:p>
             <a:pPr>
@@ -10666,10 +10132,10 @@
           <p:cNvPr id="23" name="Rectangle 22">
             <a:extLst>
               <a:ext uri="{FF2B5EF4-FFF2-40B4-BE49-F238E27FC236}">
-                <a16:creationId xmlns:a16="http://schemas.microsoft.com/office/drawing/2014/main" id="{0B2EDFE5-9478-4774-9D3D-FEC7DC7082EF}"/>
+                <a16:creationId xmlns:a16="http://schemas.microsoft.com/office/drawing/2014/main" xmlns="" id="{0B2EDFE5-9478-4774-9D3D-FEC7DC7082EF}"/>
               </a:ext>
               <a:ext uri="{C183D7F6-B498-43B3-948B-1728B52AA6E4}">
-                <adec:decorative xmlns:adec="http://schemas.microsoft.com/office/drawing/2017/decorative" val="1"/>
+                <adec:decorative xmlns:adec="http://schemas.microsoft.com/office/drawing/2017/decorative" xmlns="" val="1"/>
               </a:ext>
             </a:extLst>
           </p:cNvPr>
@@ -10679,7 +10145,7 @@
           <p:nvPr>
             <p:extLst>
               <p:ext uri="{386F3935-93C4-4BCD-93E2-E3B085C9AB24}">
-                <p16:designElem xmlns:p16="http://schemas.microsoft.com/office/powerpoint/2015/main" val="1"/>
+                <p16:designElem xmlns:p16="http://schemas.microsoft.com/office/powerpoint/2015/main" xmlns="" val="1"/>
               </p:ext>
             </p:extLst>
           </p:nvPr>
@@ -10726,10 +10192,131 @@
   <p:clrMapOvr>
     <a:masterClrMapping/>
   </p:clrMapOvr>
+  <p:timing>
+    <p:tnLst>
+      <p:par>
+        <p:cTn id="1" dur="indefinite" restart="never" nodeType="tmRoot"/>
+      </p:par>
+    </p:tnLst>
+  </p:timing>
 </p:sld>
 </file>
 
 <file path=ppt/slides/slide4.xml><?xml version="1.0" encoding="utf-8"?>
+<p:sld xmlns:a="http://schemas.openxmlformats.org/drawingml/2006/main" xmlns:r="http://schemas.openxmlformats.org/officeDocument/2006/relationships" xmlns:p="http://schemas.openxmlformats.org/presentationml/2006/main">
+  <p:cSld>
+    <p:spTree>
+      <p:nvGrpSpPr>
+        <p:cNvPr id="1" name=""/>
+        <p:cNvGrpSpPr/>
+        <p:nvPr/>
+      </p:nvGrpSpPr>
+      <p:grpSpPr>
+        <a:xfrm>
+          <a:off x="0" y="0"/>
+          <a:ext cx="0" cy="0"/>
+          <a:chOff x="0" y="0"/>
+          <a:chExt cx="0" cy="0"/>
+        </a:xfrm>
+      </p:grpSpPr>
+      <p:sp>
+        <p:nvSpPr>
+          <p:cNvPr id="2" name="Заголовок 1">
+            <a:extLst>
+              <a:ext uri="{FF2B5EF4-FFF2-40B4-BE49-F238E27FC236}">
+                <a16:creationId xmlns:a16="http://schemas.microsoft.com/office/drawing/2014/main" xmlns="" id="{847B2DB6-65EB-9833-2CD4-04E2C12C49F6}"/>
+              </a:ext>
+            </a:extLst>
+          </p:cNvPr>
+          <p:cNvSpPr>
+            <a:spLocks noGrp="1"/>
+          </p:cNvSpPr>
+          <p:nvPr>
+            <p:ph type="title"/>
+          </p:nvPr>
+        </p:nvSpPr>
+        <p:spPr/>
+        <p:txBody>
+          <a:bodyPr/>
+          <a:lstStyle/>
+          <a:p>
+            <a:r>
+              <a:rPr lang="ru-RU" dirty="0"/>
+              <a:t>Архитектура</a:t>
+            </a:r>
+          </a:p>
+        </p:txBody>
+      </p:sp>
+      <p:pic>
+        <p:nvPicPr>
+          <p:cNvPr id="1026" name="Picture 2">
+            <a:extLst>
+              <a:ext uri="{FF2B5EF4-FFF2-40B4-BE49-F238E27FC236}">
+                <a16:creationId xmlns:a16="http://schemas.microsoft.com/office/drawing/2014/main" xmlns="" id="{CDC5E907-8B60-B01B-12E7-E1E00B060C26}"/>
+              </a:ext>
+            </a:extLst>
+          </p:cNvPr>
+          <p:cNvPicPr>
+            <a:picLocks noGrp="1" noChangeAspect="1" noChangeArrowheads="1"/>
+          </p:cNvPicPr>
+          <p:nvPr>
+            <p:ph idx="1"/>
+          </p:nvPr>
+        </p:nvPicPr>
+        <p:blipFill>
+          <a:blip r:embed="rId2">
+            <a:extLst>
+              <a:ext uri="{28A0092B-C50C-407E-A947-70E740481C1C}">
+                <a14:useLocalDpi xmlns:a14="http://schemas.microsoft.com/office/drawing/2010/main" val="0"/>
+              </a:ext>
+            </a:extLst>
+          </a:blip>
+          <a:srcRect/>
+          <a:stretch>
+            <a:fillRect/>
+          </a:stretch>
+        </p:blipFill>
+        <p:spPr bwMode="auto">
+          <a:xfrm>
+            <a:off x="1599289" y="2108200"/>
+            <a:ext cx="9053748" cy="3760788"/>
+          </a:xfrm>
+          <a:prstGeom prst="rect">
+            <a:avLst/>
+          </a:prstGeom>
+          <a:noFill/>
+          <a:extLst>
+            <a:ext uri="{909E8E84-426E-40DD-AFC4-6F175D3DCCD1}">
+              <a14:hiddenFill xmlns:a14="http://schemas.microsoft.com/office/drawing/2010/main">
+                <a:solidFill>
+                  <a:srgbClr val="FFFFFF"/>
+                </a:solidFill>
+              </a14:hiddenFill>
+            </a:ext>
+          </a:extLst>
+        </p:spPr>
+      </p:pic>
+    </p:spTree>
+    <p:extLst>
+      <p:ext uri="{BB962C8B-B14F-4D97-AF65-F5344CB8AC3E}">
+        <p14:creationId xmlns:p14="http://schemas.microsoft.com/office/powerpoint/2010/main" val="1226097143"/>
+      </p:ext>
+    </p:extLst>
+  </p:cSld>
+  <p:clrMapOvr>
+    <a:masterClrMapping/>
+  </p:clrMapOvr>
+  <p:timing>
+    <p:tnLst>
+      <p:par>
+        <p:cTn id="1" dur="indefinite" restart="never" nodeType="tmRoot"/>
+      </p:par>
+    </p:tnLst>
+  </p:timing>
+</p:sld>
+</file>
+
+<file path=ppt/slides/slide5.xml><?xml version="1.0" encoding="utf-8"?>
 <p:sld xmlns:a="http://schemas.openxmlformats.org/drawingml/2006/main" xmlns:r="http://schemas.openxmlformats.org/officeDocument/2006/relationships" xmlns:p="http://schemas.openxmlformats.org/presentationml/2006/main">
   <p:cSld>
     <p:bg>
@@ -10759,10 +10346,10 @@
           <p:cNvPr id="10" name="Rectangle 9">
             <a:extLst>
               <a:ext uri="{FF2B5EF4-FFF2-40B4-BE49-F238E27FC236}">
-                <a16:creationId xmlns:a16="http://schemas.microsoft.com/office/drawing/2014/main" id="{08CB54FC-0B2A-4107-9A70-958B90B76585}"/>
+                <a16:creationId xmlns:a16="http://schemas.microsoft.com/office/drawing/2014/main" xmlns="" id="{08CB54FC-0B2A-4107-9A70-958B90B76585}"/>
               </a:ext>
               <a:ext uri="{C183D7F6-B498-43B3-948B-1728B52AA6E4}">
-                <adec:decorative xmlns:adec="http://schemas.microsoft.com/office/drawing/2017/decorative" val="1"/>
+                <adec:decorative xmlns:adec="http://schemas.microsoft.com/office/drawing/2017/decorative" xmlns="" val="1"/>
               </a:ext>
             </a:extLst>
           </p:cNvPr>
@@ -10772,7 +10359,7 @@
           <p:nvPr>
             <p:extLst>
               <p:ext uri="{386F3935-93C4-4BCD-93E2-E3B085C9AB24}">
-                <p16:designElem xmlns:p16="http://schemas.microsoft.com/office/powerpoint/2015/main" val="1"/>
+                <p16:designElem xmlns:p16="http://schemas.microsoft.com/office/powerpoint/2015/main" xmlns="" val="1"/>
               </p:ext>
             </p:extLst>
           </p:nvPr>
@@ -10819,7 +10406,7 @@
           <p:cNvPr id="2" name="Заголовок 1">
             <a:extLst>
               <a:ext uri="{FF2B5EF4-FFF2-40B4-BE49-F238E27FC236}">
-                <a16:creationId xmlns:a16="http://schemas.microsoft.com/office/drawing/2014/main" id="{CBA958E9-AA09-5AC8-33A1-2C304A97677E}"/>
+                <a16:creationId xmlns:a16="http://schemas.microsoft.com/office/drawing/2014/main" xmlns="" id="{CBA958E9-AA09-5AC8-33A1-2C304A97677E}"/>
               </a:ext>
             </a:extLst>
           </p:cNvPr>
@@ -10854,7 +10441,7 @@
           <p:cNvPr id="7" name="Graphic 6" descr="Стетоскоп">
             <a:extLst>
               <a:ext uri="{FF2B5EF4-FFF2-40B4-BE49-F238E27FC236}">
-                <a16:creationId xmlns:a16="http://schemas.microsoft.com/office/drawing/2014/main" id="{70061BAB-2849-EDBB-8155-C94530C7F29F}"/>
+                <a16:creationId xmlns:a16="http://schemas.microsoft.com/office/drawing/2014/main" xmlns="" id="{70061BAB-2849-EDBB-8155-C94530C7F29F}"/>
               </a:ext>
             </a:extLst>
           </p:cNvPr>
@@ -10870,7 +10457,7 @@
                 <a14:useLocalDpi xmlns:a14="http://schemas.microsoft.com/office/drawing/2010/main" val="0"/>
               </a:ext>
               <a:ext uri="{96DAC541-7B7A-43D3-8B79-37D633B846F1}">
-                <asvg:svgBlip xmlns:asvg="http://schemas.microsoft.com/office/drawing/2016/SVG/main" r:embed="rId3"/>
+                <asvg:svgBlip xmlns:asvg="http://schemas.microsoft.com/office/drawing/2016/SVG/main" xmlns="" r:embed="rId3"/>
               </a:ext>
             </a:extLst>
           </a:blip>
@@ -10893,10 +10480,10 @@
           <p:cNvPr id="12" name="Straight Connector 11">
             <a:extLst>
               <a:ext uri="{FF2B5EF4-FFF2-40B4-BE49-F238E27FC236}">
-                <a16:creationId xmlns:a16="http://schemas.microsoft.com/office/drawing/2014/main" id="{7855A9B5-1710-4B19-B0F1-CDFDD4ED5B7E}"/>
+                <a16:creationId xmlns:a16="http://schemas.microsoft.com/office/drawing/2014/main" xmlns="" id="{7855A9B5-1710-4B19-B0F1-CDFDD4ED5B7E}"/>
               </a:ext>
               <a:ext uri="{C183D7F6-B498-43B3-948B-1728B52AA6E4}">
-                <adec:decorative xmlns:adec="http://schemas.microsoft.com/office/drawing/2017/decorative" val="1"/>
+                <adec:decorative xmlns:adec="http://schemas.microsoft.com/office/drawing/2017/decorative" xmlns="" val="1"/>
               </a:ext>
             </a:extLst>
           </p:cNvPr>
@@ -10906,7 +10493,7 @@
           <p:nvPr>
             <p:extLst>
               <p:ext uri="{386F3935-93C4-4BCD-93E2-E3B085C9AB24}">
-                <p16:designElem xmlns:p16="http://schemas.microsoft.com/office/powerpoint/2015/main" val="1"/>
+                <p16:designElem xmlns:p16="http://schemas.microsoft.com/office/powerpoint/2015/main" xmlns="" val="1"/>
               </p:ext>
             </p:extLst>
           </p:nvPr>
@@ -10948,7 +10535,7 @@
           <p:cNvPr id="3" name="Объект 2">
             <a:extLst>
               <a:ext uri="{FF2B5EF4-FFF2-40B4-BE49-F238E27FC236}">
-                <a16:creationId xmlns:a16="http://schemas.microsoft.com/office/drawing/2014/main" id="{CDC2C8AA-5EB0-1F48-F601-48F34AB432B4}"/>
+                <a16:creationId xmlns:a16="http://schemas.microsoft.com/office/drawing/2014/main" xmlns="" id="{CDC2C8AA-5EB0-1F48-F601-48F34AB432B4}"/>
               </a:ext>
             </a:extLst>
           </p:cNvPr>
@@ -11008,8 +10595,45 @@
                 <a:ea typeface="+mn-ea"/>
                 <a:cs typeface="Arial" pitchFamily="34" charset="0"/>
               </a:rPr>
-              <a:t>Автоматизация процессов больницы по работе с данными пациентов – это веб-приложение, позволяющее составлять электронную историю болезней пациентов, а также предоставляющее возможность врачу создавать электронную версию результатов осмотра с дальнейшей возможностью печати.</a:t>
-            </a:r>
+              <a:t>Автоматизация процессов больницы по работе с данными пациентов – это веб-приложение, позволяющее составлять электронную историю болезней пациентов, а также предоставляющее возможность врачу создавать электронную версию результатов осмотра с дальнейшей возможностью </a:t>
+            </a:r>
+            <a:r>
+              <a:rPr kumimoji="0" lang="ru-RU" sz="2400" b="0" i="0" u="none" strike="noStrike" kern="1200" cap="none" spc="0" normalizeH="0" baseline="0" noProof="0" dirty="0" smtClean="0">
+                <a:ln>
+                  <a:noFill/>
+                </a:ln>
+                <a:solidFill>
+                  <a:prstClr val="black">
+                    <a:lumMod val="75000"/>
+                    <a:lumOff val="25000"/>
+                  </a:prstClr>
+                </a:solidFill>
+                <a:effectLst/>
+                <a:uLnTx/>
+                <a:uFillTx/>
+                <a:latin typeface="Arial" pitchFamily="34" charset="0"/>
+                <a:ea typeface="+mn-ea"/>
+                <a:cs typeface="Arial" pitchFamily="34" charset="0"/>
+              </a:rPr>
+              <a:t>печати.</a:t>
+            </a:r>
+            <a:endParaRPr kumimoji="0" lang="ru-RU" sz="2400" b="0" i="0" u="none" strike="noStrike" kern="1200" cap="none" spc="0" normalizeH="0" baseline="0" noProof="0" dirty="0">
+              <a:ln>
+                <a:noFill/>
+              </a:ln>
+              <a:solidFill>
+                <a:prstClr val="black">
+                  <a:lumMod val="75000"/>
+                  <a:lumOff val="25000"/>
+                </a:prstClr>
+              </a:solidFill>
+              <a:effectLst/>
+              <a:uLnTx/>
+              <a:uFillTx/>
+              <a:latin typeface="Arial" pitchFamily="34" charset="0"/>
+              <a:ea typeface="+mn-ea"/>
+              <a:cs typeface="Arial" pitchFamily="34" charset="0"/>
+            </a:endParaRPr>
           </a:p>
         </p:txBody>
       </p:sp>
@@ -11018,10 +10642,10 @@
           <p:cNvPr id="14" name="Rectangle 13">
             <a:extLst>
               <a:ext uri="{FF2B5EF4-FFF2-40B4-BE49-F238E27FC236}">
-                <a16:creationId xmlns:a16="http://schemas.microsoft.com/office/drawing/2014/main" id="{9AA76026-5689-4584-8D93-D71D739E61B5}"/>
+                <a16:creationId xmlns:a16="http://schemas.microsoft.com/office/drawing/2014/main" xmlns="" id="{9AA76026-5689-4584-8D93-D71D739E61B5}"/>
               </a:ext>
               <a:ext uri="{C183D7F6-B498-43B3-948B-1728B52AA6E4}">
-                <adec:decorative xmlns:adec="http://schemas.microsoft.com/office/drawing/2017/decorative" val="1"/>
+                <adec:decorative xmlns:adec="http://schemas.microsoft.com/office/drawing/2017/decorative" xmlns="" val="1"/>
               </a:ext>
             </a:extLst>
           </p:cNvPr>
@@ -11031,7 +10655,7 @@
           <p:nvPr>
             <p:extLst>
               <p:ext uri="{386F3935-93C4-4BCD-93E2-E3B085C9AB24}">
-                <p16:designElem xmlns:p16="http://schemas.microsoft.com/office/powerpoint/2015/main" val="1"/>
+                <p16:designElem xmlns:p16="http://schemas.microsoft.com/office/powerpoint/2015/main" xmlns="" val="1"/>
               </p:ext>
             </p:extLst>
           </p:nvPr>
@@ -11078,10 +10702,355 @@
   <p:clrMapOvr>
     <a:masterClrMapping/>
   </p:clrMapOvr>
+  <p:timing>
+    <p:tnLst>
+      <p:par>
+        <p:cTn id="1" dur="indefinite" restart="never" nodeType="tmRoot"/>
+      </p:par>
+    </p:tnLst>
+  </p:timing>
 </p:sld>
 </file>
 
-<file path=ppt/slides/slide5.xml><?xml version="1.0" encoding="utf-8"?>
+<file path=ppt/slides/slide6.xml><?xml version="1.0" encoding="utf-8"?>
+<p:sld xmlns:a="http://schemas.openxmlformats.org/drawingml/2006/main" xmlns:r="http://schemas.openxmlformats.org/officeDocument/2006/relationships" xmlns:p="http://schemas.openxmlformats.org/presentationml/2006/main">
+  <p:cSld>
+    <p:bg>
+      <p:bgPr>
+        <a:solidFill>
+          <a:schemeClr val="bg1"/>
+        </a:solidFill>
+        <a:effectLst/>
+      </p:bgPr>
+    </p:bg>
+    <p:spTree>
+      <p:nvGrpSpPr>
+        <p:cNvPr id="1" name=""/>
+        <p:cNvGrpSpPr/>
+        <p:nvPr/>
+      </p:nvGrpSpPr>
+      <p:grpSpPr>
+        <a:xfrm>
+          <a:off x="0" y="0"/>
+          <a:ext cx="0" cy="0"/>
+          <a:chOff x="0" y="0"/>
+          <a:chExt cx="0" cy="0"/>
+        </a:xfrm>
+      </p:grpSpPr>
+      <p:sp useBgFill="1">
+        <p:nvSpPr>
+          <p:cNvPr id="57" name="Rectangle 50">
+            <a:extLst>
+              <a:ext uri="{FF2B5EF4-FFF2-40B4-BE49-F238E27FC236}">
+                <a16:creationId xmlns:a16="http://schemas.microsoft.com/office/drawing/2014/main" xmlns="" id="{EE1530B0-6F96-46C0-8B3E-3215CB756BE4}"/>
+              </a:ext>
+              <a:ext uri="{C183D7F6-B498-43B3-948B-1728B52AA6E4}">
+                <adec:decorative xmlns:adec="http://schemas.microsoft.com/office/drawing/2017/decorative" xmlns="" val="1"/>
+              </a:ext>
+            </a:extLst>
+          </p:cNvPr>
+          <p:cNvSpPr>
+            <a:spLocks noGrp="1" noRot="1" noChangeAspect="1" noMove="1" noResize="1" noEditPoints="1" noAdjustHandles="1" noChangeArrowheads="1" noChangeShapeType="1" noTextEdit="1"/>
+          </p:cNvSpPr>
+          <p:nvPr>
+            <p:extLst>
+              <p:ext uri="{386F3935-93C4-4BCD-93E2-E3B085C9AB24}">
+                <p16:designElem xmlns:p16="http://schemas.microsoft.com/office/powerpoint/2015/main" xmlns="" val="1"/>
+              </p:ext>
+            </p:extLst>
+          </p:nvPr>
+        </p:nvSpPr>
+        <p:spPr>
+          <a:xfrm>
+            <a:off x="5685" y="0"/>
+            <a:ext cx="12186315" cy="6858000"/>
+          </a:xfrm>
+          <a:prstGeom prst="rect">
+            <a:avLst/>
+          </a:prstGeom>
+          <a:ln>
+            <a:noFill/>
+          </a:ln>
+        </p:spPr>
+        <p:style>
+          <a:lnRef idx="2">
+            <a:schemeClr val="accent6">
+              <a:shade val="50000"/>
+            </a:schemeClr>
+          </a:lnRef>
+          <a:fillRef idx="1001">
+            <a:schemeClr val="lt1"/>
+          </a:fillRef>
+          <a:effectRef idx="0">
+            <a:schemeClr val="accent6"/>
+          </a:effectRef>
+          <a:fontRef idx="minor">
+            <a:schemeClr val="lt1"/>
+          </a:fontRef>
+        </p:style>
+        <p:txBody>
+          <a:bodyPr rtlCol="0" anchor="ctr"/>
+          <a:lstStyle/>
+          <a:p>
+            <a:pPr algn="ctr"/>
+            <a:endParaRPr lang="en-US"/>
+          </a:p>
+        </p:txBody>
+      </p:sp>
+      <p:sp>
+        <p:nvSpPr>
+          <p:cNvPr id="58" name="Rectangle 52">
+            <a:extLst>
+              <a:ext uri="{FF2B5EF4-FFF2-40B4-BE49-F238E27FC236}">
+                <a16:creationId xmlns:a16="http://schemas.microsoft.com/office/drawing/2014/main" xmlns="" id="{754910CF-1B56-45D3-960A-E89F7B3B9131}"/>
+              </a:ext>
+              <a:ext uri="{C183D7F6-B498-43B3-948B-1728B52AA6E4}">
+                <adec:decorative xmlns:adec="http://schemas.microsoft.com/office/drawing/2017/decorative" xmlns="" val="1"/>
+              </a:ext>
+            </a:extLst>
+          </p:cNvPr>
+          <p:cNvSpPr>
+            <a:spLocks noGrp="1" noRot="1" noChangeAspect="1" noMove="1" noResize="1" noEditPoints="1" noAdjustHandles="1" noChangeArrowheads="1" noChangeShapeType="1" noTextEdit="1"/>
+          </p:cNvSpPr>
+          <p:nvPr>
+            <p:extLst>
+              <p:ext uri="{386F3935-93C4-4BCD-93E2-E3B085C9AB24}">
+                <p16:designElem xmlns:p16="http://schemas.microsoft.com/office/powerpoint/2015/main" xmlns="" val="1"/>
+              </p:ext>
+            </p:extLst>
+          </p:nvPr>
+        </p:nvSpPr>
+        <p:spPr>
+          <a:xfrm>
+            <a:off x="16" y="0"/>
+            <a:ext cx="4050791" cy="6858000"/>
+          </a:xfrm>
+          <a:prstGeom prst="rect">
+            <a:avLst/>
+          </a:prstGeom>
+          <a:solidFill>
+            <a:schemeClr val="tx1">
+              <a:lumMod val="85000"/>
+              <a:lumOff val="15000"/>
+            </a:schemeClr>
+          </a:solidFill>
+          <a:ln>
+            <a:noFill/>
+          </a:ln>
+        </p:spPr>
+        <p:style>
+          <a:lnRef idx="2">
+            <a:schemeClr val="accent1">
+              <a:shade val="50000"/>
+            </a:schemeClr>
+          </a:lnRef>
+          <a:fillRef idx="1">
+            <a:schemeClr val="accent1"/>
+          </a:fillRef>
+          <a:effectRef idx="0">
+            <a:schemeClr val="accent1"/>
+          </a:effectRef>
+          <a:fontRef idx="minor">
+            <a:schemeClr val="lt1"/>
+          </a:fontRef>
+        </p:style>
+      </p:sp>
+      <p:sp>
+        <p:nvSpPr>
+          <p:cNvPr id="2" name="Заголовок 1">
+            <a:extLst>
+              <a:ext uri="{FF2B5EF4-FFF2-40B4-BE49-F238E27FC236}">
+                <a16:creationId xmlns:a16="http://schemas.microsoft.com/office/drawing/2014/main" xmlns="" id="{AE9AD24B-7FDA-A4D2-D8D5-5F5DBB611EEB}"/>
+              </a:ext>
+            </a:extLst>
+          </p:cNvPr>
+          <p:cNvSpPr>
+            <a:spLocks noGrp="1"/>
+          </p:cNvSpPr>
+          <p:nvPr>
+            <p:ph type="title"/>
+          </p:nvPr>
+        </p:nvSpPr>
+        <p:spPr>
+          <a:xfrm>
+            <a:off x="492370" y="516835"/>
+            <a:ext cx="3084844" cy="5772840"/>
+          </a:xfrm>
+        </p:spPr>
+        <p:txBody>
+          <a:bodyPr anchor="ctr">
+            <a:normAutofit/>
+          </a:bodyPr>
+          <a:lstStyle/>
+          <a:p>
+            <a:r>
+              <a:rPr lang="ru-RU" sz="3600" dirty="0">
+                <a:solidFill>
+                  <a:schemeClr val="bg1"/>
+                </a:solidFill>
+              </a:rPr>
+              <a:t>Список основных задач</a:t>
+            </a:r>
+          </a:p>
+        </p:txBody>
+      </p:sp>
+      <p:graphicFrame>
+        <p:nvGraphicFramePr>
+          <p:cNvPr id="46" name="Объект 2">
+            <a:extLst>
+              <a:ext uri="{FF2B5EF4-FFF2-40B4-BE49-F238E27FC236}">
+                <a16:creationId xmlns:a16="http://schemas.microsoft.com/office/drawing/2014/main" xmlns="" id="{8861671E-52F6-5F56-A975-9583E8C8EE43}"/>
+              </a:ext>
+            </a:extLst>
+          </p:cNvPr>
+          <p:cNvGraphicFramePr>
+            <a:graphicFrameLocks noGrp="1"/>
+          </p:cNvGraphicFramePr>
+          <p:nvPr>
+            <p:ph idx="1"/>
+            <p:extLst>
+              <p:ext uri="{D42A27DB-BD31-4B8C-83A1-F6EECF244321}">
+                <p14:modId xmlns:p14="http://schemas.microsoft.com/office/powerpoint/2010/main" val="1765300196"/>
+              </p:ext>
+            </p:extLst>
+          </p:nvPr>
+        </p:nvGraphicFramePr>
+        <p:xfrm>
+          <a:off x="4741863" y="639763"/>
+          <a:ext cx="6797675" cy="5649912"/>
+        </p:xfrm>
+        <a:graphic>
+          <a:graphicData uri="http://schemas.openxmlformats.org/drawingml/2006/diagram">
+            <dgm:relIds xmlns:dgm="http://schemas.openxmlformats.org/drawingml/2006/diagram" xmlns:r="http://schemas.openxmlformats.org/officeDocument/2006/relationships" r:dm="rId2" r:lo="rId3" r:qs="rId4" r:cs="rId5"/>
+          </a:graphicData>
+        </a:graphic>
+      </p:graphicFrame>
+    </p:spTree>
+    <p:extLst>
+      <p:ext uri="{BB962C8B-B14F-4D97-AF65-F5344CB8AC3E}">
+        <p14:creationId xmlns:p14="http://schemas.microsoft.com/office/powerpoint/2010/main" val="2121030553"/>
+      </p:ext>
+    </p:extLst>
+  </p:cSld>
+  <p:clrMapOvr>
+    <a:masterClrMapping/>
+  </p:clrMapOvr>
+  <p:timing>
+    <p:tnLst>
+      <p:par>
+        <p:cTn id="1" dur="indefinite" restart="never" nodeType="tmRoot"/>
+      </p:par>
+    </p:tnLst>
+  </p:timing>
+</p:sld>
+</file>
+
+<file path=ppt/slides/slide7.xml><?xml version="1.0" encoding="utf-8"?>
+<p:sld xmlns:a="http://schemas.openxmlformats.org/drawingml/2006/main" xmlns:r="http://schemas.openxmlformats.org/officeDocument/2006/relationships" xmlns:p="http://schemas.openxmlformats.org/presentationml/2006/main">
+  <p:cSld>
+    <p:spTree>
+      <p:nvGrpSpPr>
+        <p:cNvPr id="1" name=""/>
+        <p:cNvGrpSpPr/>
+        <p:nvPr/>
+      </p:nvGrpSpPr>
+      <p:grpSpPr>
+        <a:xfrm>
+          <a:off x="0" y="0"/>
+          <a:ext cx="0" cy="0"/>
+          <a:chOff x="0" y="0"/>
+          <a:chExt cx="0" cy="0"/>
+        </a:xfrm>
+      </p:grpSpPr>
+      <p:sp>
+        <p:nvSpPr>
+          <p:cNvPr id="2" name="Заголовок 1">
+            <a:extLst>
+              <a:ext uri="{FF2B5EF4-FFF2-40B4-BE49-F238E27FC236}">
+                <a16:creationId xmlns:a16="http://schemas.microsoft.com/office/drawing/2014/main" xmlns="" id="{1A8D7B7A-09F4-4EE0-18A9-ECCA9F81ADD8}"/>
+              </a:ext>
+            </a:extLst>
+          </p:cNvPr>
+          <p:cNvSpPr>
+            <a:spLocks noGrp="1"/>
+          </p:cNvSpPr>
+          <p:nvPr>
+            <p:ph type="title"/>
+          </p:nvPr>
+        </p:nvSpPr>
+        <p:spPr/>
+        <p:txBody>
+          <a:bodyPr/>
+          <a:lstStyle/>
+          <a:p>
+            <a:r>
+              <a:rPr lang="ru-RU" dirty="0"/>
+              <a:t>Диаграмма </a:t>
+            </a:r>
+            <a:r>
+              <a:rPr lang="ru-RU" dirty="0" err="1"/>
+              <a:t>Ганта</a:t>
+            </a:r>
+            <a:endParaRPr lang="ru-RU" dirty="0"/>
+          </a:p>
+        </p:txBody>
+      </p:sp>
+      <p:pic>
+        <p:nvPicPr>
+          <p:cNvPr id="5" name="Объект 4">
+            <a:extLst>
+              <a:ext uri="{FF2B5EF4-FFF2-40B4-BE49-F238E27FC236}">
+                <a16:creationId xmlns:a16="http://schemas.microsoft.com/office/drawing/2014/main" xmlns="" id="{9F864332-1A44-C666-87F6-828FA104ED81}"/>
+              </a:ext>
+            </a:extLst>
+          </p:cNvPr>
+          <p:cNvPicPr>
+            <a:picLocks noGrp="1" noChangeAspect="1"/>
+          </p:cNvPicPr>
+          <p:nvPr>
+            <p:ph idx="1"/>
+          </p:nvPr>
+        </p:nvPicPr>
+        <p:blipFill>
+          <a:blip r:embed="rId2">
+            <a:extLst>
+              <a:ext uri="{28A0092B-C50C-407E-A947-70E740481C1C}">
+                <a14:useLocalDpi xmlns:a14="http://schemas.microsoft.com/office/drawing/2010/main" val="0"/>
+              </a:ext>
+            </a:extLst>
+          </a:blip>
+          <a:stretch>
+            <a:fillRect/>
+          </a:stretch>
+        </p:blipFill>
+        <p:spPr>
+          <a:xfrm>
+            <a:off x="326808" y="1931812"/>
+            <a:ext cx="11538383" cy="3926294"/>
+          </a:xfrm>
+        </p:spPr>
+      </p:pic>
+    </p:spTree>
+    <p:extLst>
+      <p:ext uri="{BB962C8B-B14F-4D97-AF65-F5344CB8AC3E}">
+        <p14:creationId xmlns:p14="http://schemas.microsoft.com/office/powerpoint/2010/main" val="3966478321"/>
+      </p:ext>
+    </p:extLst>
+  </p:cSld>
+  <p:clrMapOvr>
+    <a:masterClrMapping/>
+  </p:clrMapOvr>
+  <p:timing>
+    <p:tnLst>
+      <p:par>
+        <p:cTn id="1" dur="indefinite" restart="never" nodeType="tmRoot"/>
+      </p:par>
+    </p:tnLst>
+  </p:timing>
+</p:sld>
+</file>
+
+<file path=ppt/slides/slide8.xml><?xml version="1.0" encoding="utf-8"?>
 <p:sld xmlns:a="http://schemas.openxmlformats.org/drawingml/2006/main" xmlns:r="http://schemas.openxmlformats.org/officeDocument/2006/relationships" xmlns:p="http://schemas.openxmlformats.org/presentationml/2006/main">
   <p:cSld>
     <p:bg>
@@ -11111,10 +11080,10 @@
           <p:cNvPr id="1063" name="Rectangle 1062">
             <a:extLst>
               <a:ext uri="{FF2B5EF4-FFF2-40B4-BE49-F238E27FC236}">
-                <a16:creationId xmlns:a16="http://schemas.microsoft.com/office/drawing/2014/main" id="{E844E128-FF69-4E9F-8327-6B504B3C5AE1}"/>
+                <a16:creationId xmlns:a16="http://schemas.microsoft.com/office/drawing/2014/main" xmlns="" id="{E844E128-FF69-4E9F-8327-6B504B3C5AE1}"/>
               </a:ext>
               <a:ext uri="{C183D7F6-B498-43B3-948B-1728B52AA6E4}">
-                <adec:decorative xmlns:adec="http://schemas.microsoft.com/office/drawing/2017/decorative" val="1"/>
+                <adec:decorative xmlns:adec="http://schemas.microsoft.com/office/drawing/2017/decorative" xmlns="" val="1"/>
               </a:ext>
             </a:extLst>
           </p:cNvPr>
@@ -11124,7 +11093,7 @@
           <p:nvPr>
             <p:extLst>
               <p:ext uri="{386F3935-93C4-4BCD-93E2-E3B085C9AB24}">
-                <p16:designElem xmlns:p16="http://schemas.microsoft.com/office/powerpoint/2015/main" val="1"/>
+                <p16:designElem xmlns:p16="http://schemas.microsoft.com/office/powerpoint/2015/main" xmlns="" val="1"/>
               </p:ext>
             </p:extLst>
           </p:nvPr>
@@ -11166,7 +11135,7 @@
           <p:cNvPr id="2" name="Заголовок 1">
             <a:extLst>
               <a:ext uri="{FF2B5EF4-FFF2-40B4-BE49-F238E27FC236}">
-                <a16:creationId xmlns:a16="http://schemas.microsoft.com/office/drawing/2014/main" id="{3CC49085-5A11-9130-A8B1-95C717E0BF64}"/>
+                <a16:creationId xmlns:a16="http://schemas.microsoft.com/office/drawing/2014/main" xmlns="" id="{3CC49085-5A11-9130-A8B1-95C717E0BF64}"/>
               </a:ext>
             </a:extLst>
           </p:cNvPr>
@@ -11210,10 +11179,10 @@
           <p:cNvPr id="1065" name="Straight Connector 1064">
             <a:extLst>
               <a:ext uri="{FF2B5EF4-FFF2-40B4-BE49-F238E27FC236}">
-                <a16:creationId xmlns:a16="http://schemas.microsoft.com/office/drawing/2014/main" id="{055CEADF-09EA-423C-8C45-F94AF44D5AF0}"/>
+                <a16:creationId xmlns:a16="http://schemas.microsoft.com/office/drawing/2014/main" xmlns="" id="{055CEADF-09EA-423C-8C45-F94AF44D5AF0}"/>
               </a:ext>
               <a:ext uri="{C183D7F6-B498-43B3-948B-1728B52AA6E4}">
-                <adec:decorative xmlns:adec="http://schemas.microsoft.com/office/drawing/2017/decorative" val="1"/>
+                <adec:decorative xmlns:adec="http://schemas.microsoft.com/office/drawing/2017/decorative" xmlns="" val="1"/>
               </a:ext>
             </a:extLst>
           </p:cNvPr>
@@ -11223,7 +11192,7 @@
           <p:nvPr>
             <p:extLst>
               <p:ext uri="{386F3935-93C4-4BCD-93E2-E3B085C9AB24}">
-                <p16:designElem xmlns:p16="http://schemas.microsoft.com/office/powerpoint/2015/main" val="1"/>
+                <p16:designElem xmlns:p16="http://schemas.microsoft.com/office/powerpoint/2015/main" xmlns="" val="1"/>
               </p:ext>
             </p:extLst>
           </p:nvPr>
@@ -11449,10 +11418,18 @@
                   <a:srgbClr val="FFFFFF"/>
                 </a:solidFill>
               </a:rPr>
-              <a:t>Назначение анализ</a:t>
-            </a:r>
-            <a:r>
-              <a:rPr lang="en-US" sz="2400" dirty="0">
+              <a:t>Назначение </a:t>
+            </a:r>
+            <a:r>
+              <a:rPr lang="ru-RU" sz="2400" dirty="0" smtClean="0">
+                <a:solidFill>
+                  <a:srgbClr val="FFFFFF"/>
+                </a:solidFill>
+              </a:rPr>
+              <a:t>анализов</a:t>
+            </a:r>
+            <a:r>
+              <a:rPr lang="en-US" sz="2400" dirty="0" smtClean="0">
                 <a:solidFill>
                   <a:srgbClr val="FFFFFF"/>
                 </a:solidFill>
@@ -11494,7 +11471,7 @@
           <p:cNvPr id="1052" name="Picture 1051">
             <a:extLst>
               <a:ext uri="{FF2B5EF4-FFF2-40B4-BE49-F238E27FC236}">
-                <a16:creationId xmlns:a16="http://schemas.microsoft.com/office/drawing/2014/main" id="{89A25222-8807-04CE-C5A8-179D757C711F}"/>
+                <a16:creationId xmlns:a16="http://schemas.microsoft.com/office/drawing/2014/main" xmlns="" id="{89A25222-8807-04CE-C5A8-179D757C711F}"/>
               </a:ext>
             </a:extLst>
           </p:cNvPr>
@@ -11528,10 +11505,17 @@
   <p:clrMapOvr>
     <a:overrideClrMapping bg1="dk1" tx1="lt1" bg2="dk2" tx2="lt2" accent1="accent1" accent2="accent2" accent3="accent3" accent4="accent4" accent5="accent5" accent6="accent6" hlink="hlink" folHlink="folHlink"/>
   </p:clrMapOvr>
+  <p:timing>
+    <p:tnLst>
+      <p:par>
+        <p:cTn id="1" dur="indefinite" restart="never" nodeType="tmRoot"/>
+      </p:par>
+    </p:tnLst>
+  </p:timing>
 </p:sld>
 </file>
 
-<file path=ppt/slides/slide6.xml><?xml version="1.0" encoding="utf-8"?>
+<file path=ppt/slides/slide9.xml><?xml version="1.0" encoding="utf-8"?>
 <p:sld xmlns:a="http://schemas.openxmlformats.org/drawingml/2006/main" xmlns:r="http://schemas.openxmlformats.org/officeDocument/2006/relationships" xmlns:p="http://schemas.openxmlformats.org/presentationml/2006/main">
   <p:cSld>
     <p:bg>
@@ -11558,13 +11542,13 @@
       </p:grpSpPr>
       <p:sp useBgFill="1">
         <p:nvSpPr>
-          <p:cNvPr id="57" name="Rectangle 50">
+          <p:cNvPr id="34" name="Rectangle 27">
             <a:extLst>
               <a:ext uri="{FF2B5EF4-FFF2-40B4-BE49-F238E27FC236}">
-                <a16:creationId xmlns:a16="http://schemas.microsoft.com/office/drawing/2014/main" id="{EE1530B0-6F96-46C0-8B3E-3215CB756BE4}"/>
+                <a16:creationId xmlns:a16="http://schemas.microsoft.com/office/drawing/2014/main" xmlns="" id="{3741B58E-3B65-4A01-A276-975AB2CF8A08}"/>
               </a:ext>
               <a:ext uri="{C183D7F6-B498-43B3-948B-1728B52AA6E4}">
-                <adec:decorative xmlns:adec="http://schemas.microsoft.com/office/drawing/2017/decorative" val="1"/>
+                <adec:decorative xmlns:adec="http://schemas.microsoft.com/office/drawing/2017/decorative" xmlns="" val="1"/>
               </a:ext>
             </a:extLst>
           </p:cNvPr>
@@ -11574,452 +11558,7 @@
           <p:nvPr>
             <p:extLst>
               <p:ext uri="{386F3935-93C4-4BCD-93E2-E3B085C9AB24}">
-                <p16:designElem xmlns:p16="http://schemas.microsoft.com/office/powerpoint/2015/main" val="1"/>
-              </p:ext>
-            </p:extLst>
-          </p:nvPr>
-        </p:nvSpPr>
-        <p:spPr>
-          <a:xfrm>
-            <a:off x="5685" y="0"/>
-            <a:ext cx="12186315" cy="6858000"/>
-          </a:xfrm>
-          <a:prstGeom prst="rect">
-            <a:avLst/>
-          </a:prstGeom>
-          <a:ln>
-            <a:noFill/>
-          </a:ln>
-        </p:spPr>
-        <p:style>
-          <a:lnRef idx="2">
-            <a:schemeClr val="accent6">
-              <a:shade val="50000"/>
-            </a:schemeClr>
-          </a:lnRef>
-          <a:fillRef idx="1001">
-            <a:schemeClr val="lt1"/>
-          </a:fillRef>
-          <a:effectRef idx="0">
-            <a:schemeClr val="accent6"/>
-          </a:effectRef>
-          <a:fontRef idx="minor">
-            <a:schemeClr val="lt1"/>
-          </a:fontRef>
-        </p:style>
-        <p:txBody>
-          <a:bodyPr rtlCol="0" anchor="ctr"/>
-          <a:lstStyle/>
-          <a:p>
-            <a:pPr algn="ctr"/>
-            <a:endParaRPr lang="en-US"/>
-          </a:p>
-        </p:txBody>
-      </p:sp>
-      <p:sp>
-        <p:nvSpPr>
-          <p:cNvPr id="58" name="Rectangle 52">
-            <a:extLst>
-              <a:ext uri="{FF2B5EF4-FFF2-40B4-BE49-F238E27FC236}">
-                <a16:creationId xmlns:a16="http://schemas.microsoft.com/office/drawing/2014/main" id="{754910CF-1B56-45D3-960A-E89F7B3B9131}"/>
-              </a:ext>
-              <a:ext uri="{C183D7F6-B498-43B3-948B-1728B52AA6E4}">
-                <adec:decorative xmlns:adec="http://schemas.microsoft.com/office/drawing/2017/decorative" val="1"/>
-              </a:ext>
-            </a:extLst>
-          </p:cNvPr>
-          <p:cNvSpPr>
-            <a:spLocks noGrp="1" noRot="1" noChangeAspect="1" noMove="1" noResize="1" noEditPoints="1" noAdjustHandles="1" noChangeArrowheads="1" noChangeShapeType="1" noTextEdit="1"/>
-          </p:cNvSpPr>
-          <p:nvPr>
-            <p:extLst>
-              <p:ext uri="{386F3935-93C4-4BCD-93E2-E3B085C9AB24}">
-                <p16:designElem xmlns:p16="http://schemas.microsoft.com/office/powerpoint/2015/main" val="1"/>
-              </p:ext>
-            </p:extLst>
-          </p:nvPr>
-        </p:nvSpPr>
-        <p:spPr>
-          <a:xfrm>
-            <a:off x="16" y="0"/>
-            <a:ext cx="4050791" cy="6858000"/>
-          </a:xfrm>
-          <a:prstGeom prst="rect">
-            <a:avLst/>
-          </a:prstGeom>
-          <a:solidFill>
-            <a:schemeClr val="tx1">
-              <a:lumMod val="85000"/>
-              <a:lumOff val="15000"/>
-            </a:schemeClr>
-          </a:solidFill>
-          <a:ln>
-            <a:noFill/>
-          </a:ln>
-        </p:spPr>
-        <p:style>
-          <a:lnRef idx="2">
-            <a:schemeClr val="accent1">
-              <a:shade val="50000"/>
-            </a:schemeClr>
-          </a:lnRef>
-          <a:fillRef idx="1">
-            <a:schemeClr val="accent1"/>
-          </a:fillRef>
-          <a:effectRef idx="0">
-            <a:schemeClr val="accent1"/>
-          </a:effectRef>
-          <a:fontRef idx="minor">
-            <a:schemeClr val="lt1"/>
-          </a:fontRef>
-        </p:style>
-      </p:sp>
-      <p:sp>
-        <p:nvSpPr>
-          <p:cNvPr id="2" name="Заголовок 1">
-            <a:extLst>
-              <a:ext uri="{FF2B5EF4-FFF2-40B4-BE49-F238E27FC236}">
-                <a16:creationId xmlns:a16="http://schemas.microsoft.com/office/drawing/2014/main" id="{AE9AD24B-7FDA-A4D2-D8D5-5F5DBB611EEB}"/>
-              </a:ext>
-            </a:extLst>
-          </p:cNvPr>
-          <p:cNvSpPr>
-            <a:spLocks noGrp="1"/>
-          </p:cNvSpPr>
-          <p:nvPr>
-            <p:ph type="title"/>
-          </p:nvPr>
-        </p:nvSpPr>
-        <p:spPr>
-          <a:xfrm>
-            <a:off x="492370" y="516835"/>
-            <a:ext cx="3084844" cy="5772840"/>
-          </a:xfrm>
-        </p:spPr>
-        <p:txBody>
-          <a:bodyPr anchor="ctr">
-            <a:normAutofit/>
-          </a:bodyPr>
-          <a:lstStyle/>
-          <a:p>
-            <a:r>
-              <a:rPr lang="ru-RU" sz="3600">
-                <a:solidFill>
-                  <a:schemeClr val="bg1"/>
-                </a:solidFill>
-              </a:rPr>
-              <a:t>Список основных задач</a:t>
-            </a:r>
-          </a:p>
-        </p:txBody>
-      </p:sp>
-      <p:graphicFrame>
-        <p:nvGraphicFramePr>
-          <p:cNvPr id="46" name="Объект 2">
-            <a:extLst>
-              <a:ext uri="{FF2B5EF4-FFF2-40B4-BE49-F238E27FC236}">
-                <a16:creationId xmlns:a16="http://schemas.microsoft.com/office/drawing/2014/main" id="{8861671E-52F6-5F56-A975-9583E8C8EE43}"/>
-              </a:ext>
-            </a:extLst>
-          </p:cNvPr>
-          <p:cNvGraphicFramePr>
-            <a:graphicFrameLocks noGrp="1"/>
-          </p:cNvGraphicFramePr>
-          <p:nvPr>
-            <p:ph idx="1"/>
-            <p:extLst>
-              <p:ext uri="{D42A27DB-BD31-4B8C-83A1-F6EECF244321}">
-                <p14:modId xmlns:p14="http://schemas.microsoft.com/office/powerpoint/2010/main" val="1765300196"/>
-              </p:ext>
-            </p:extLst>
-          </p:nvPr>
-        </p:nvGraphicFramePr>
-        <p:xfrm>
-          <a:off x="4741863" y="639763"/>
-          <a:ext cx="6797675" cy="5649912"/>
-        </p:xfrm>
-        <a:graphic>
-          <a:graphicData uri="http://schemas.openxmlformats.org/drawingml/2006/diagram">
-            <dgm:relIds xmlns:dgm="http://schemas.openxmlformats.org/drawingml/2006/diagram" xmlns:r="http://schemas.openxmlformats.org/officeDocument/2006/relationships" r:dm="rId2" r:lo="rId3" r:qs="rId4" r:cs="rId5"/>
-          </a:graphicData>
-        </a:graphic>
-      </p:graphicFrame>
-    </p:spTree>
-    <p:extLst>
-      <p:ext uri="{BB962C8B-B14F-4D97-AF65-F5344CB8AC3E}">
-        <p14:creationId xmlns:p14="http://schemas.microsoft.com/office/powerpoint/2010/main" val="2121030553"/>
-      </p:ext>
-    </p:extLst>
-  </p:cSld>
-  <p:clrMapOvr>
-    <a:masterClrMapping/>
-  </p:clrMapOvr>
-</p:sld>
-</file>
-
-<file path=ppt/slides/slide7.xml><?xml version="1.0" encoding="utf-8"?>
-<p:sld xmlns:a="http://schemas.openxmlformats.org/drawingml/2006/main" xmlns:r="http://schemas.openxmlformats.org/officeDocument/2006/relationships" xmlns:p="http://schemas.openxmlformats.org/presentationml/2006/main">
-  <p:cSld>
-    <p:spTree>
-      <p:nvGrpSpPr>
-        <p:cNvPr id="1" name=""/>
-        <p:cNvGrpSpPr/>
-        <p:nvPr/>
-      </p:nvGrpSpPr>
-      <p:grpSpPr>
-        <a:xfrm>
-          <a:off x="0" y="0"/>
-          <a:ext cx="0" cy="0"/>
-          <a:chOff x="0" y="0"/>
-          <a:chExt cx="0" cy="0"/>
-        </a:xfrm>
-      </p:grpSpPr>
-      <p:sp>
-        <p:nvSpPr>
-          <p:cNvPr id="2" name="Заголовок 1">
-            <a:extLst>
-              <a:ext uri="{FF2B5EF4-FFF2-40B4-BE49-F238E27FC236}">
-                <a16:creationId xmlns:a16="http://schemas.microsoft.com/office/drawing/2014/main" id="{847B2DB6-65EB-9833-2CD4-04E2C12C49F6}"/>
-              </a:ext>
-            </a:extLst>
-          </p:cNvPr>
-          <p:cNvSpPr>
-            <a:spLocks noGrp="1"/>
-          </p:cNvSpPr>
-          <p:nvPr>
-            <p:ph type="title"/>
-          </p:nvPr>
-        </p:nvSpPr>
-        <p:spPr/>
-        <p:txBody>
-          <a:bodyPr/>
-          <a:lstStyle/>
-          <a:p>
-            <a:pPr algn="ctr"/>
-            <a:r>
-              <a:rPr lang="ru-RU"/>
-              <a:t>Архитектура</a:t>
-            </a:r>
-            <a:endParaRPr lang="ru-RU" dirty="0"/>
-          </a:p>
-        </p:txBody>
-      </p:sp>
-      <p:pic>
-        <p:nvPicPr>
-          <p:cNvPr id="1026" name="Picture 2">
-            <a:extLst>
-              <a:ext uri="{FF2B5EF4-FFF2-40B4-BE49-F238E27FC236}">
-                <a16:creationId xmlns:a16="http://schemas.microsoft.com/office/drawing/2014/main" id="{CDC5E907-8B60-B01B-12E7-E1E00B060C26}"/>
-              </a:ext>
-            </a:extLst>
-          </p:cNvPr>
-          <p:cNvPicPr>
-            <a:picLocks noGrp="1" noChangeAspect="1" noChangeArrowheads="1"/>
-          </p:cNvPicPr>
-          <p:nvPr>
-            <p:ph idx="1"/>
-          </p:nvPr>
-        </p:nvPicPr>
-        <p:blipFill>
-          <a:blip r:embed="rId2">
-            <a:extLst>
-              <a:ext uri="{28A0092B-C50C-407E-A947-70E740481C1C}">
-                <a14:useLocalDpi xmlns:a14="http://schemas.microsoft.com/office/drawing/2010/main" val="0"/>
-              </a:ext>
-            </a:extLst>
-          </a:blip>
-          <a:srcRect/>
-          <a:stretch>
-            <a:fillRect/>
-          </a:stretch>
-        </p:blipFill>
-        <p:spPr bwMode="auto">
-          <a:xfrm>
-            <a:off x="1599289" y="2108200"/>
-            <a:ext cx="9053748" cy="3760788"/>
-          </a:xfrm>
-          <a:prstGeom prst="rect">
-            <a:avLst/>
-          </a:prstGeom>
-          <a:noFill/>
-          <a:extLst>
-            <a:ext uri="{909E8E84-426E-40DD-AFC4-6F175D3DCCD1}">
-              <a14:hiddenFill xmlns:a14="http://schemas.microsoft.com/office/drawing/2010/main">
-                <a:solidFill>
-                  <a:srgbClr val="FFFFFF"/>
-                </a:solidFill>
-              </a14:hiddenFill>
-            </a:ext>
-          </a:extLst>
-        </p:spPr>
-      </p:pic>
-    </p:spTree>
-    <p:extLst>
-      <p:ext uri="{BB962C8B-B14F-4D97-AF65-F5344CB8AC3E}">
-        <p14:creationId xmlns:p14="http://schemas.microsoft.com/office/powerpoint/2010/main" val="1226097143"/>
-      </p:ext>
-    </p:extLst>
-  </p:cSld>
-  <p:clrMapOvr>
-    <a:masterClrMapping/>
-  </p:clrMapOvr>
-</p:sld>
-</file>
-
-<file path=ppt/slides/slide8.xml><?xml version="1.0" encoding="utf-8"?>
-<p:sld xmlns:a="http://schemas.openxmlformats.org/drawingml/2006/main" xmlns:r="http://schemas.openxmlformats.org/officeDocument/2006/relationships" xmlns:p="http://schemas.openxmlformats.org/presentationml/2006/main">
-  <p:cSld>
-    <p:bg>
-      <p:bgPr>
-        <a:solidFill>
-          <a:schemeClr val="bg1"/>
-        </a:solidFill>
-        <a:effectLst/>
-      </p:bgPr>
-    </p:bg>
-    <p:spTree>
-      <p:nvGrpSpPr>
-        <p:cNvPr id="1" name=""/>
-        <p:cNvGrpSpPr/>
-        <p:nvPr/>
-      </p:nvGrpSpPr>
-      <p:grpSpPr>
-        <a:xfrm>
-          <a:off x="0" y="0"/>
-          <a:ext cx="0" cy="0"/>
-          <a:chOff x="0" y="0"/>
-          <a:chExt cx="0" cy="0"/>
-        </a:xfrm>
-      </p:grpSpPr>
-      <p:sp>
-        <p:nvSpPr>
-          <p:cNvPr id="90" name="Rectangle 78">
-            <a:extLst>
-              <a:ext uri="{FF2B5EF4-FFF2-40B4-BE49-F238E27FC236}">
-                <a16:creationId xmlns:a16="http://schemas.microsoft.com/office/drawing/2014/main" id="{416A0E3C-60E6-4F39-BC55-5F7C224E1F7C}"/>
-              </a:ext>
-              <a:ext uri="{C183D7F6-B498-43B3-948B-1728B52AA6E4}">
-                <adec:decorative xmlns:adec="http://schemas.microsoft.com/office/drawing/2017/decorative" val="1"/>
-              </a:ext>
-            </a:extLst>
-          </p:cNvPr>
-          <p:cNvSpPr>
-            <a:spLocks noGrp="1" noRot="1" noChangeAspect="1" noMove="1" noResize="1" noEditPoints="1" noAdjustHandles="1" noChangeArrowheads="1" noChangeShapeType="1" noTextEdit="1"/>
-          </p:cNvSpPr>
-          <p:nvPr>
-            <p:extLst>
-              <p:ext uri="{386F3935-93C4-4BCD-93E2-E3B085C9AB24}">
-                <p16:designElem xmlns:p16="http://schemas.microsoft.com/office/powerpoint/2015/main" val="1"/>
-              </p:ext>
-            </p:extLst>
-          </p:nvPr>
-        </p:nvSpPr>
-        <p:spPr>
-          <a:xfrm>
-            <a:off x="3175" y="6400800"/>
-            <a:ext cx="12188825" cy="457200"/>
-          </a:xfrm>
-          <a:prstGeom prst="rect">
-            <a:avLst/>
-          </a:prstGeom>
-          <a:solidFill>
-            <a:srgbClr val="262626"/>
-          </a:solidFill>
-          <a:ln>
-            <a:noFill/>
-          </a:ln>
-        </p:spPr>
-        <p:style>
-          <a:lnRef idx="2">
-            <a:schemeClr val="accent1">
-              <a:shade val="50000"/>
-            </a:schemeClr>
-          </a:lnRef>
-          <a:fillRef idx="1">
-            <a:schemeClr val="accent1"/>
-          </a:fillRef>
-          <a:effectRef idx="0">
-            <a:schemeClr val="accent1"/>
-          </a:effectRef>
-          <a:fontRef idx="minor">
-            <a:schemeClr val="lt1"/>
-          </a:fontRef>
-        </p:style>
-      </p:sp>
-      <p:cxnSp>
-        <p:nvCxnSpPr>
-          <p:cNvPr id="91" name="Straight Connector 80">
-            <a:extLst>
-              <a:ext uri="{FF2B5EF4-FFF2-40B4-BE49-F238E27FC236}">
-                <a16:creationId xmlns:a16="http://schemas.microsoft.com/office/drawing/2014/main" id="{C5025DAC-8B93-4160-B017-3A274A5828C0}"/>
-              </a:ext>
-              <a:ext uri="{C183D7F6-B498-43B3-948B-1728B52AA6E4}">
-                <adec:decorative xmlns:adec="http://schemas.microsoft.com/office/drawing/2017/decorative" val="1"/>
-              </a:ext>
-            </a:extLst>
-          </p:cNvPr>
-          <p:cNvCxnSpPr>
-            <a:cxnSpLocks noGrp="1" noRot="1" noChangeAspect="1" noMove="1" noResize="1" noEditPoints="1" noAdjustHandles="1" noChangeArrowheads="1" noChangeShapeType="1"/>
-          </p:cNvCxnSpPr>
-          <p:nvPr>
-            <p:extLst>
-              <p:ext uri="{386F3935-93C4-4BCD-93E2-E3B085C9AB24}">
-                <p16:designElem xmlns:p16="http://schemas.microsoft.com/office/powerpoint/2015/main" val="1"/>
-              </p:ext>
-            </p:extLst>
-          </p:nvPr>
-        </p:nvCxnSpPr>
-        <p:spPr>
-          <a:xfrm>
-            <a:off x="1193532" y="1897380"/>
-            <a:ext cx="9966960" cy="0"/>
-          </a:xfrm>
-          <a:prstGeom prst="line">
-            <a:avLst/>
-          </a:prstGeom>
-          <a:ln w="12700">
-            <a:solidFill>
-              <a:schemeClr val="tx1">
-                <a:lumMod val="75000"/>
-                <a:lumOff val="25000"/>
-              </a:schemeClr>
-            </a:solidFill>
-          </a:ln>
-        </p:spPr>
-        <p:style>
-          <a:lnRef idx="1">
-            <a:schemeClr val="accent1"/>
-          </a:lnRef>
-          <a:fillRef idx="0">
-            <a:schemeClr val="accent1"/>
-          </a:fillRef>
-          <a:effectRef idx="0">
-            <a:schemeClr val="accent1"/>
-          </a:effectRef>
-          <a:fontRef idx="minor">
-            <a:schemeClr val="tx1"/>
-          </a:fontRef>
-        </p:style>
-      </p:cxnSp>
-      <p:sp useBgFill="1">
-        <p:nvSpPr>
-          <p:cNvPr id="92" name="Rectangle 82">
-            <a:extLst>
-              <a:ext uri="{FF2B5EF4-FFF2-40B4-BE49-F238E27FC236}">
-                <a16:creationId xmlns:a16="http://schemas.microsoft.com/office/drawing/2014/main" id="{990D0034-F768-41E7-85D4-F38C4DE85770}"/>
-              </a:ext>
-              <a:ext uri="{C183D7F6-B498-43B3-948B-1728B52AA6E4}">
-                <adec:decorative xmlns:adec="http://schemas.microsoft.com/office/drawing/2017/decorative" val="1"/>
-              </a:ext>
-            </a:extLst>
-          </p:cNvPr>
-          <p:cNvSpPr>
-            <a:spLocks noGrp="1" noRot="1" noChangeAspect="1" noMove="1" noResize="1" noEditPoints="1" noAdjustHandles="1" noChangeArrowheads="1" noChangeShapeType="1" noTextEdit="1"/>
-          </p:cNvSpPr>
-          <p:nvPr>
-            <p:extLst>
-              <p:ext uri="{386F3935-93C4-4BCD-93E2-E3B085C9AB24}">
-                <p16:designElem xmlns:p16="http://schemas.microsoft.com/office/powerpoint/2015/main" val="1"/>
+                <p16:designElem xmlns:p16="http://schemas.microsoft.com/office/powerpoint/2015/main" xmlns="" val="1"/>
               </p:ext>
             </p:extLst>
           </p:nvPr>
@@ -12056,49 +11595,49 @@
           <a:bodyPr rtlCol="0" anchor="ctr"/>
           <a:lstStyle/>
           <a:p>
-            <a:pPr algn="ctr"/>
-            <a:endParaRPr lang="en-US" dirty="0"/>
+            <a:pPr marL="0" marR="0" lvl="0" indent="0" algn="ctr" defTabSz="457200" rtl="0" eaLnBrk="1" fontAlgn="auto" latinLnBrk="0" hangingPunct="1">
+              <a:lnSpc>
+                <a:spcPct val="100000"/>
+              </a:lnSpc>
+              <a:spcBef>
+                <a:spcPts val="0"/>
+              </a:spcBef>
+              <a:spcAft>
+                <a:spcPts val="0"/>
+              </a:spcAft>
+              <a:buClrTx/>
+              <a:buSzTx/>
+              <a:buFontTx/>
+              <a:buNone/>
+              <a:tabLst/>
+              <a:defRPr/>
+            </a:pPr>
+            <a:endParaRPr kumimoji="0" lang="en-US" sz="1800" b="0" i="0" u="none" strike="noStrike" kern="1200" cap="none" spc="0" normalizeH="0" baseline="0" noProof="0">
+              <a:ln>
+                <a:noFill/>
+              </a:ln>
+              <a:solidFill>
+                <a:prstClr val="white"/>
+              </a:solidFill>
+              <a:effectLst/>
+              <a:uLnTx/>
+              <a:uFillTx/>
+              <a:latin typeface="Franklin Gothic Book" panose="020F0502020204030204"/>
+              <a:ea typeface="+mn-ea"/>
+              <a:cs typeface="+mn-cs"/>
+            </a:endParaRPr>
           </a:p>
         </p:txBody>
       </p:sp>
-      <p:pic>
-        <p:nvPicPr>
-          <p:cNvPr id="9" name="Объект 3" descr="Изображение выглядит как текст&#10;&#10;Автоматически созданное описание">
+      <p:sp>
+        <p:nvSpPr>
+          <p:cNvPr id="35" name="Rectangle 29">
             <a:extLst>
               <a:ext uri="{FF2B5EF4-FFF2-40B4-BE49-F238E27FC236}">
-                <a16:creationId xmlns:a16="http://schemas.microsoft.com/office/drawing/2014/main" id="{513B1771-8EEF-2F7B-80B9-D438DB1B9FFB}"/>
-              </a:ext>
-            </a:extLst>
-          </p:cNvPr>
-          <p:cNvPicPr>
-            <a:picLocks noChangeAspect="1"/>
-          </p:cNvPicPr>
-          <p:nvPr/>
-        </p:nvPicPr>
-        <p:blipFill rotWithShape="1">
-          <a:blip r:embed="rId3"/>
-          <a:srcRect l="12485"/>
-          <a:stretch/>
-        </p:blipFill>
-        <p:spPr>
-          <a:xfrm>
-            <a:off x="20" y="10"/>
-            <a:ext cx="12186295" cy="6857990"/>
-          </a:xfrm>
-          <a:prstGeom prst="rect">
-            <a:avLst/>
-          </a:prstGeom>
-        </p:spPr>
-      </p:pic>
-      <p:sp>
-        <p:nvSpPr>
-          <p:cNvPr id="93" name="Rectangle 84">
-            <a:extLst>
-              <a:ext uri="{FF2B5EF4-FFF2-40B4-BE49-F238E27FC236}">
-                <a16:creationId xmlns:a16="http://schemas.microsoft.com/office/drawing/2014/main" id="{95B38FD6-641F-41BF-B466-C1C6366420F0}"/>
+                <a16:creationId xmlns:a16="http://schemas.microsoft.com/office/drawing/2014/main" xmlns="" id="{7AAC67C3-831B-4AB1-A259-DFB839CAFAFC}"/>
               </a:ext>
               <a:ext uri="{C183D7F6-B498-43B3-948B-1728B52AA6E4}">
-                <adec:decorative xmlns:adec="http://schemas.microsoft.com/office/drawing/2017/decorative" val="1"/>
+                <adec:decorative xmlns:adec="http://schemas.microsoft.com/office/drawing/2017/decorative" xmlns="" val="1"/>
               </a:ext>
             </a:extLst>
           </p:cNvPr>
@@ -12108,1199 +11647,15 @@
           <p:nvPr>
             <p:extLst>
               <p:ext uri="{386F3935-93C4-4BCD-93E2-E3B085C9AB24}">
-                <p16:designElem xmlns:p16="http://schemas.microsoft.com/office/powerpoint/2015/main" val="1"/>
+                <p16:designElem xmlns:p16="http://schemas.microsoft.com/office/powerpoint/2015/main" xmlns="" val="1"/>
               </p:ext>
             </p:extLst>
           </p:nvPr>
         </p:nvSpPr>
         <p:spPr>
           <a:xfrm>
-            <a:off x="7848599" y="1238442"/>
-            <a:ext cx="3635926" cy="4355751"/>
-          </a:xfrm>
-          <a:prstGeom prst="rect">
-            <a:avLst/>
-          </a:prstGeom>
-          <a:solidFill>
-            <a:srgbClr val="000000">
-              <a:alpha val="79000"/>
-            </a:srgbClr>
-          </a:solidFill>
-          <a:ln>
-            <a:noFill/>
-          </a:ln>
-        </p:spPr>
-        <p:style>
-          <a:lnRef idx="2">
-            <a:schemeClr val="accent1">
-              <a:shade val="50000"/>
-            </a:schemeClr>
-          </a:lnRef>
-          <a:fillRef idx="1">
-            <a:schemeClr val="accent1"/>
-          </a:fillRef>
-          <a:effectRef idx="0">
-            <a:schemeClr val="accent1"/>
-          </a:effectRef>
-          <a:fontRef idx="minor">
-            <a:schemeClr val="lt1"/>
-          </a:fontRef>
-        </p:style>
-        <p:txBody>
-          <a:bodyPr rtlCol="0" anchor="ctr"/>
-          <a:lstStyle/>
-          <a:p>
-            <a:pPr algn="ctr"/>
-            <a:endParaRPr lang="en-US"/>
-          </a:p>
-        </p:txBody>
-      </p:sp>
-      <p:sp>
-        <p:nvSpPr>
-          <p:cNvPr id="10" name="Заголовок 1">
-            <a:extLst>
-              <a:ext uri="{FF2B5EF4-FFF2-40B4-BE49-F238E27FC236}">
-                <a16:creationId xmlns:a16="http://schemas.microsoft.com/office/drawing/2014/main" id="{C5B2D3DE-5151-DE61-5FAA-FF28A95D7A0E}"/>
-              </a:ext>
-            </a:extLst>
-          </p:cNvPr>
-          <p:cNvSpPr txBox="1">
-            <a:spLocks/>
-          </p:cNvSpPr>
-          <p:nvPr/>
-        </p:nvSpPr>
-        <p:spPr>
-          <a:xfrm>
-            <a:off x="8089772" y="1419273"/>
-            <a:ext cx="3153580" cy="1358188"/>
-          </a:xfrm>
-          <a:prstGeom prst="rect">
-            <a:avLst/>
-          </a:prstGeom>
-        </p:spPr>
-        <p:txBody>
-          <a:bodyPr vert="horz" lIns="91440" tIns="45720" rIns="91440" bIns="45720" rtlCol="0" anchor="b">
-            <a:normAutofit/>
-          </a:bodyPr>
-          <a:lstStyle>
-            <a:lvl1pPr algn="l" defTabSz="914400" rtl="0" eaLnBrk="1" latinLnBrk="0" hangingPunct="1">
-              <a:lnSpc>
-                <a:spcPct val="90000"/>
-              </a:lnSpc>
-              <a:spcBef>
-                <a:spcPct val="0"/>
-              </a:spcBef>
-              <a:buNone/>
-              <a:defRPr sz="4700" i="0" kern="1200" spc="-50" baseline="0">
-                <a:solidFill>
-                  <a:schemeClr val="tx1">
-                    <a:lumMod val="75000"/>
-                    <a:lumOff val="25000"/>
-                  </a:schemeClr>
-                </a:solidFill>
-                <a:latin typeface="+mj-lt"/>
-                <a:ea typeface="+mj-ea"/>
-                <a:cs typeface="+mj-cs"/>
-              </a:defRPr>
-            </a:lvl1pPr>
-          </a:lstStyle>
-          <a:p>
-            <a:pPr>
-              <a:spcAft>
-                <a:spcPts val="600"/>
-              </a:spcAft>
-            </a:pPr>
-            <a:r>
-              <a:rPr lang="en-US" sz="3600">
-                <a:solidFill>
-                  <a:srgbClr val="FFFFFF"/>
-                </a:solidFill>
-              </a:rPr>
-              <a:t>Аналог</a:t>
-            </a:r>
-          </a:p>
-        </p:txBody>
-      </p:sp>
-      <p:cxnSp>
-        <p:nvCxnSpPr>
-          <p:cNvPr id="94" name="Straight Connector 86">
-            <a:extLst>
-              <a:ext uri="{FF2B5EF4-FFF2-40B4-BE49-F238E27FC236}">
-                <a16:creationId xmlns:a16="http://schemas.microsoft.com/office/drawing/2014/main" id="{6BF9119E-766E-4526-AAE5-639F577C0493}"/>
-              </a:ext>
-              <a:ext uri="{C183D7F6-B498-43B3-948B-1728B52AA6E4}">
-                <adec:decorative xmlns:adec="http://schemas.microsoft.com/office/drawing/2017/decorative" val="1"/>
-              </a:ext>
-            </a:extLst>
-          </p:cNvPr>
-          <p:cNvCxnSpPr>
-            <a:cxnSpLocks noGrp="1" noRot="1" noChangeAspect="1" noMove="1" noResize="1" noEditPoints="1" noAdjustHandles="1" noChangeArrowheads="1" noChangeShapeType="1"/>
-          </p:cNvCxnSpPr>
-          <p:nvPr>
-            <p:extLst>
-              <p:ext uri="{386F3935-93C4-4BCD-93E2-E3B085C9AB24}">
-                <p16:designElem xmlns:p16="http://schemas.microsoft.com/office/powerpoint/2015/main" val="1"/>
-              </p:ext>
-            </p:extLst>
-          </p:nvPr>
-        </p:nvCxnSpPr>
-        <p:spPr>
-          <a:xfrm>
-            <a:off x="8173792" y="2865016"/>
-            <a:ext cx="2926080" cy="0"/>
-          </a:xfrm>
-          <a:prstGeom prst="line">
-            <a:avLst/>
-          </a:prstGeom>
-          <a:ln w="19050">
-            <a:solidFill>
-              <a:schemeClr val="accent1"/>
-            </a:solidFill>
-          </a:ln>
-        </p:spPr>
-        <p:style>
-          <a:lnRef idx="1">
-            <a:schemeClr val="accent1"/>
-          </a:lnRef>
-          <a:fillRef idx="0">
-            <a:schemeClr val="accent1"/>
-          </a:fillRef>
-          <a:effectRef idx="0">
-            <a:schemeClr val="accent1"/>
-          </a:effectRef>
-          <a:fontRef idx="minor">
-            <a:schemeClr val="tx1"/>
-          </a:fontRef>
-        </p:style>
-      </p:cxnSp>
-      <p:sp>
-        <p:nvSpPr>
-          <p:cNvPr id="2" name="Объект 2">
-            <a:extLst>
-              <a:ext uri="{FF2B5EF4-FFF2-40B4-BE49-F238E27FC236}">
-                <a16:creationId xmlns:a16="http://schemas.microsoft.com/office/drawing/2014/main" id="{8B9F5BA3-522A-010A-C2A8-3ADC4C3B86F6}"/>
-              </a:ext>
-            </a:extLst>
-          </p:cNvPr>
-          <p:cNvSpPr txBox="1">
-            <a:spLocks/>
-          </p:cNvSpPr>
-          <p:nvPr/>
-        </p:nvSpPr>
-        <p:spPr>
-          <a:xfrm>
-            <a:off x="8089772" y="2978254"/>
-            <a:ext cx="3153580" cy="2444238"/>
-          </a:xfrm>
-          <a:prstGeom prst="rect">
-            <a:avLst/>
-          </a:prstGeom>
-        </p:spPr>
-        <p:txBody>
-          <a:bodyPr vert="horz" lIns="0" tIns="45720" rIns="0" bIns="45720" rtlCol="0">
-            <a:normAutofit/>
-          </a:bodyPr>
-          <a:lstStyle>
-            <a:lvl1pPr marL="91440" indent="-91440" algn="l" defTabSz="914400" rtl="0" eaLnBrk="1" latinLnBrk="0" hangingPunct="1">
-              <a:lnSpc>
-                <a:spcPct val="110000"/>
-              </a:lnSpc>
-              <a:spcBef>
-                <a:spcPts val="1200"/>
-              </a:spcBef>
-              <a:spcAft>
-                <a:spcPts val="200"/>
-              </a:spcAft>
-              <a:buClr>
-                <a:schemeClr val="accent1"/>
-              </a:buClr>
-              <a:buSzPct val="100000"/>
-              <a:buFont typeface="Calibri" panose="020F0502020204030204" pitchFamily="34" charset="0"/>
-              <a:buChar char=" "/>
-              <a:defRPr sz="1900" kern="1200">
-                <a:solidFill>
-                  <a:schemeClr val="tx1">
-                    <a:lumMod val="75000"/>
-                    <a:lumOff val="25000"/>
-                  </a:schemeClr>
-                </a:solidFill>
-                <a:latin typeface="+mn-lt"/>
-                <a:ea typeface="+mn-ea"/>
-                <a:cs typeface="+mn-cs"/>
-              </a:defRPr>
-            </a:lvl1pPr>
-            <a:lvl2pPr marL="384048" indent="-182880" algn="l" defTabSz="914400" rtl="0" eaLnBrk="1" latinLnBrk="0" hangingPunct="1">
-              <a:lnSpc>
-                <a:spcPct val="110000"/>
-              </a:lnSpc>
-              <a:spcBef>
-                <a:spcPts val="200"/>
-              </a:spcBef>
-              <a:spcAft>
-                <a:spcPts val="400"/>
-              </a:spcAft>
-              <a:buClrTx/>
-              <a:buFont typeface="Calibri" pitchFamily="34" charset="0"/>
-              <a:buChar char="◦"/>
-              <a:defRPr sz="1700" kern="1200">
-                <a:solidFill>
-                  <a:schemeClr val="tx1">
-                    <a:lumMod val="75000"/>
-                    <a:lumOff val="25000"/>
-                  </a:schemeClr>
-                </a:solidFill>
-                <a:latin typeface="+mn-lt"/>
-                <a:ea typeface="+mn-ea"/>
-                <a:cs typeface="+mn-cs"/>
-              </a:defRPr>
-            </a:lvl2pPr>
-            <a:lvl3pPr marL="566928" indent="-182880" algn="l" defTabSz="914400" rtl="0" eaLnBrk="1" latinLnBrk="0" hangingPunct="1">
-              <a:lnSpc>
-                <a:spcPct val="110000"/>
-              </a:lnSpc>
-              <a:spcBef>
-                <a:spcPts val="200"/>
-              </a:spcBef>
-              <a:spcAft>
-                <a:spcPts val="400"/>
-              </a:spcAft>
-              <a:buClrTx/>
-              <a:buFont typeface="Calibri" pitchFamily="34" charset="0"/>
-              <a:buChar char="◦"/>
-              <a:defRPr sz="1300" kern="1200">
-                <a:solidFill>
-                  <a:schemeClr val="tx1">
-                    <a:lumMod val="75000"/>
-                    <a:lumOff val="25000"/>
-                  </a:schemeClr>
-                </a:solidFill>
-                <a:latin typeface="+mn-lt"/>
-                <a:ea typeface="+mn-ea"/>
-                <a:cs typeface="+mn-cs"/>
-              </a:defRPr>
-            </a:lvl3pPr>
-            <a:lvl4pPr marL="749808" indent="-182880" algn="l" defTabSz="914400" rtl="0" eaLnBrk="1" latinLnBrk="0" hangingPunct="1">
-              <a:lnSpc>
-                <a:spcPct val="110000"/>
-              </a:lnSpc>
-              <a:spcBef>
-                <a:spcPts val="200"/>
-              </a:spcBef>
-              <a:spcAft>
-                <a:spcPts val="400"/>
-              </a:spcAft>
-              <a:buClrTx/>
-              <a:buFont typeface="Calibri" pitchFamily="34" charset="0"/>
-              <a:buChar char="◦"/>
-              <a:defRPr sz="1300" kern="1200">
-                <a:solidFill>
-                  <a:schemeClr val="tx1">
-                    <a:lumMod val="75000"/>
-                    <a:lumOff val="25000"/>
-                  </a:schemeClr>
-                </a:solidFill>
-                <a:latin typeface="+mn-lt"/>
-                <a:ea typeface="+mn-ea"/>
-                <a:cs typeface="+mn-cs"/>
-              </a:defRPr>
-            </a:lvl4pPr>
-            <a:lvl5pPr marL="932688" indent="-182880" algn="l" defTabSz="914400" rtl="0" eaLnBrk="1" latinLnBrk="0" hangingPunct="1">
-              <a:lnSpc>
-                <a:spcPct val="110000"/>
-              </a:lnSpc>
-              <a:spcBef>
-                <a:spcPts val="200"/>
-              </a:spcBef>
-              <a:spcAft>
-                <a:spcPts val="400"/>
-              </a:spcAft>
-              <a:buClrTx/>
-              <a:buFont typeface="Calibri" pitchFamily="34" charset="0"/>
-              <a:buChar char="◦"/>
-              <a:defRPr sz="1300" kern="1200">
-                <a:solidFill>
-                  <a:schemeClr val="tx1">
-                    <a:lumMod val="75000"/>
-                    <a:lumOff val="25000"/>
-                  </a:schemeClr>
-                </a:solidFill>
-                <a:latin typeface="+mn-lt"/>
-                <a:ea typeface="+mn-ea"/>
-                <a:cs typeface="+mn-cs"/>
-              </a:defRPr>
-            </a:lvl5pPr>
-            <a:lvl6pPr marL="1100000" indent="-228600" algn="l" defTabSz="914400" rtl="0" eaLnBrk="1" latinLnBrk="0" hangingPunct="1">
-              <a:lnSpc>
-                <a:spcPct val="90000"/>
-              </a:lnSpc>
-              <a:spcBef>
-                <a:spcPts val="200"/>
-              </a:spcBef>
-              <a:spcAft>
-                <a:spcPts val="400"/>
-              </a:spcAft>
-              <a:buClr>
-                <a:schemeClr val="accent1"/>
-              </a:buClr>
-              <a:buFont typeface="Calibri" pitchFamily="34" charset="0"/>
-              <a:buChar char="◦"/>
-              <a:defRPr sz="1400" kern="1200">
-                <a:solidFill>
-                  <a:schemeClr val="tx1">
-                    <a:lumMod val="75000"/>
-                    <a:lumOff val="25000"/>
-                  </a:schemeClr>
-                </a:solidFill>
-                <a:latin typeface="+mn-lt"/>
-                <a:ea typeface="+mn-ea"/>
-                <a:cs typeface="+mn-cs"/>
-              </a:defRPr>
-            </a:lvl6pPr>
-            <a:lvl7pPr marL="1300000" indent="-228600" algn="l" defTabSz="914400" rtl="0" eaLnBrk="1" latinLnBrk="0" hangingPunct="1">
-              <a:lnSpc>
-                <a:spcPct val="90000"/>
-              </a:lnSpc>
-              <a:spcBef>
-                <a:spcPts val="200"/>
-              </a:spcBef>
-              <a:spcAft>
-                <a:spcPts val="400"/>
-              </a:spcAft>
-              <a:buClr>
-                <a:schemeClr val="accent1"/>
-              </a:buClr>
-              <a:buFont typeface="Calibri" pitchFamily="34" charset="0"/>
-              <a:buChar char="◦"/>
-              <a:defRPr sz="1400" kern="1200">
-                <a:solidFill>
-                  <a:schemeClr val="tx1">
-                    <a:lumMod val="75000"/>
-                    <a:lumOff val="25000"/>
-                  </a:schemeClr>
-                </a:solidFill>
-                <a:latin typeface="+mn-lt"/>
-                <a:ea typeface="+mn-ea"/>
-                <a:cs typeface="+mn-cs"/>
-              </a:defRPr>
-            </a:lvl7pPr>
-            <a:lvl8pPr marL="1500000" indent="-228600" algn="l" defTabSz="914400" rtl="0" eaLnBrk="1" latinLnBrk="0" hangingPunct="1">
-              <a:lnSpc>
-                <a:spcPct val="90000"/>
-              </a:lnSpc>
-              <a:spcBef>
-                <a:spcPts val="200"/>
-              </a:spcBef>
-              <a:spcAft>
-                <a:spcPts val="400"/>
-              </a:spcAft>
-              <a:buClr>
-                <a:schemeClr val="accent1"/>
-              </a:buClr>
-              <a:buFont typeface="Calibri" pitchFamily="34" charset="0"/>
-              <a:buChar char="◦"/>
-              <a:defRPr sz="1400" kern="1200">
-                <a:solidFill>
-                  <a:schemeClr val="tx1">
-                    <a:lumMod val="75000"/>
-                    <a:lumOff val="25000"/>
-                  </a:schemeClr>
-                </a:solidFill>
-                <a:latin typeface="+mn-lt"/>
-                <a:ea typeface="+mn-ea"/>
-                <a:cs typeface="+mn-cs"/>
-              </a:defRPr>
-            </a:lvl8pPr>
-            <a:lvl9pPr marL="1700000" indent="-228600" algn="l" defTabSz="914400" rtl="0" eaLnBrk="1" latinLnBrk="0" hangingPunct="1">
-              <a:lnSpc>
-                <a:spcPct val="90000"/>
-              </a:lnSpc>
-              <a:spcBef>
-                <a:spcPts val="200"/>
-              </a:spcBef>
-              <a:spcAft>
-                <a:spcPts val="400"/>
-              </a:spcAft>
-              <a:buClr>
-                <a:schemeClr val="accent1"/>
-              </a:buClr>
-              <a:buFont typeface="Calibri" pitchFamily="34" charset="0"/>
-              <a:buChar char="◦"/>
-              <a:defRPr sz="1400" kern="1200">
-                <a:solidFill>
-                  <a:schemeClr val="tx1">
-                    <a:lumMod val="75000"/>
-                    <a:lumOff val="25000"/>
-                  </a:schemeClr>
-                </a:solidFill>
-                <a:latin typeface="+mn-lt"/>
-                <a:ea typeface="+mn-ea"/>
-                <a:cs typeface="+mn-cs"/>
-              </a:defRPr>
-            </a:lvl9pPr>
-          </a:lstStyle>
-          <a:p>
-            <a:pPr fontAlgn="base">
-              <a:lnSpc>
-                <a:spcPct val="100000"/>
-              </a:lnSpc>
-            </a:pPr>
-            <a:r>
-              <a:rPr lang="en-US" sz="1500" dirty="0">
-                <a:solidFill>
-                  <a:srgbClr val="FFFFFF"/>
-                </a:solidFill>
-              </a:rPr>
-              <a:t>ArchiMed+ — </a:t>
-            </a:r>
-            <a:r>
-              <a:rPr lang="en-US" sz="1500" dirty="0" err="1">
-                <a:solidFill>
-                  <a:srgbClr val="FFFFFF"/>
-                </a:solidFill>
-              </a:rPr>
-              <a:t>один</a:t>
-            </a:r>
-            <a:r>
-              <a:rPr lang="en-US" sz="1500" dirty="0">
-                <a:solidFill>
-                  <a:srgbClr val="FFFFFF"/>
-                </a:solidFill>
-              </a:rPr>
-              <a:t> </a:t>
-            </a:r>
-            <a:r>
-              <a:rPr lang="en-US" sz="1500" dirty="0" err="1">
-                <a:solidFill>
-                  <a:srgbClr val="FFFFFF"/>
-                </a:solidFill>
-              </a:rPr>
-              <a:t>из</a:t>
-            </a:r>
-            <a:r>
-              <a:rPr lang="en-US" sz="1500" dirty="0">
-                <a:solidFill>
-                  <a:srgbClr val="FFFFFF"/>
-                </a:solidFill>
-              </a:rPr>
-              <a:t> </a:t>
-            </a:r>
-            <a:r>
-              <a:rPr lang="en-US" sz="1500" dirty="0" err="1">
-                <a:solidFill>
-                  <a:srgbClr val="FFFFFF"/>
-                </a:solidFill>
-              </a:rPr>
-              <a:t>немногих</a:t>
-            </a:r>
-            <a:r>
-              <a:rPr lang="en-US" sz="1500" dirty="0">
-                <a:solidFill>
-                  <a:srgbClr val="FFFFFF"/>
-                </a:solidFill>
-              </a:rPr>
-              <a:t> </a:t>
-            </a:r>
-            <a:r>
-              <a:rPr lang="en-US" sz="1500" dirty="0" err="1">
-                <a:solidFill>
-                  <a:srgbClr val="FFFFFF"/>
-                </a:solidFill>
-              </a:rPr>
-              <a:t>продуктов</a:t>
-            </a:r>
-            <a:r>
-              <a:rPr lang="en-US" sz="1500" dirty="0">
-                <a:solidFill>
-                  <a:srgbClr val="FFFFFF"/>
-                </a:solidFill>
-              </a:rPr>
-              <a:t>, </a:t>
-            </a:r>
-            <a:r>
-              <a:rPr lang="en-US" sz="1500" dirty="0" err="1">
-                <a:solidFill>
-                  <a:srgbClr val="FFFFFF"/>
-                </a:solidFill>
-              </a:rPr>
-              <a:t>который</a:t>
-            </a:r>
-            <a:r>
-              <a:rPr lang="en-US" sz="1500" dirty="0">
-                <a:solidFill>
-                  <a:srgbClr val="FFFFFF"/>
-                </a:solidFill>
-              </a:rPr>
-              <a:t> </a:t>
-            </a:r>
-            <a:r>
-              <a:rPr lang="en-US" sz="1500" dirty="0" err="1">
-                <a:solidFill>
-                  <a:srgbClr val="FFFFFF"/>
-                </a:solidFill>
-              </a:rPr>
-              <a:t>легко</a:t>
-            </a:r>
-            <a:r>
-              <a:rPr lang="en-US" sz="1500" dirty="0">
-                <a:solidFill>
-                  <a:srgbClr val="FFFFFF"/>
-                </a:solidFill>
-              </a:rPr>
-              <a:t> </a:t>
-            </a:r>
-            <a:r>
-              <a:rPr lang="en-US" sz="1500" dirty="0" err="1">
-                <a:solidFill>
-                  <a:srgbClr val="FFFFFF"/>
-                </a:solidFill>
-              </a:rPr>
-              <a:t>масштабируется</a:t>
-            </a:r>
-            <a:r>
-              <a:rPr lang="en-US" sz="1500" dirty="0">
-                <a:solidFill>
-                  <a:srgbClr val="FFFFFF"/>
-                </a:solidFill>
-              </a:rPr>
-              <a:t>. </a:t>
-            </a:r>
-            <a:r>
-              <a:rPr lang="en-US" sz="1500" dirty="0" err="1">
-                <a:solidFill>
-                  <a:srgbClr val="FFFFFF"/>
-                </a:solidFill>
-              </a:rPr>
-              <a:t>Он</a:t>
-            </a:r>
-            <a:r>
-              <a:rPr lang="en-US" sz="1500" dirty="0">
-                <a:solidFill>
-                  <a:srgbClr val="FFFFFF"/>
-                </a:solidFill>
-              </a:rPr>
-              <a:t> </a:t>
-            </a:r>
-            <a:r>
-              <a:rPr lang="en-US" sz="1500" dirty="0" err="1">
-                <a:solidFill>
-                  <a:srgbClr val="FFFFFF"/>
-                </a:solidFill>
-              </a:rPr>
-              <a:t>подойдет</a:t>
-            </a:r>
-            <a:r>
-              <a:rPr lang="en-US" sz="1500" dirty="0">
-                <a:solidFill>
-                  <a:srgbClr val="FFFFFF"/>
-                </a:solidFill>
-              </a:rPr>
-              <a:t> </a:t>
-            </a:r>
-            <a:r>
-              <a:rPr lang="en-US" sz="1500" dirty="0" err="1">
-                <a:solidFill>
-                  <a:srgbClr val="FFFFFF"/>
-                </a:solidFill>
-              </a:rPr>
-              <a:t>медицинскому</a:t>
-            </a:r>
-            <a:r>
-              <a:rPr lang="en-US" sz="1500" dirty="0">
-                <a:solidFill>
-                  <a:srgbClr val="FFFFFF"/>
-                </a:solidFill>
-              </a:rPr>
-              <a:t> </a:t>
-            </a:r>
-            <a:r>
-              <a:rPr lang="en-US" sz="1500" dirty="0" err="1">
-                <a:solidFill>
-                  <a:srgbClr val="FFFFFF"/>
-                </a:solidFill>
-              </a:rPr>
-              <a:t>учреждению</a:t>
-            </a:r>
-            <a:r>
-              <a:rPr lang="en-US" sz="1500" dirty="0">
-                <a:solidFill>
-                  <a:srgbClr val="FFFFFF"/>
-                </a:solidFill>
-              </a:rPr>
-              <a:t> </a:t>
-            </a:r>
-            <a:r>
-              <a:rPr lang="en-US" sz="1500" dirty="0" err="1">
-                <a:solidFill>
-                  <a:srgbClr val="FFFFFF"/>
-                </a:solidFill>
-              </a:rPr>
-              <a:t>любого</a:t>
-            </a:r>
-            <a:r>
-              <a:rPr lang="en-US" sz="1500" dirty="0">
-                <a:solidFill>
-                  <a:srgbClr val="FFFFFF"/>
-                </a:solidFill>
-              </a:rPr>
-              <a:t> </a:t>
-            </a:r>
-            <a:r>
-              <a:rPr lang="en-US" sz="1500" dirty="0" err="1">
-                <a:solidFill>
-                  <a:srgbClr val="FFFFFF"/>
-                </a:solidFill>
-              </a:rPr>
-              <a:t>масштаба</a:t>
-            </a:r>
-            <a:r>
-              <a:rPr lang="en-US" sz="1500" dirty="0">
-                <a:solidFill>
-                  <a:srgbClr val="FFFFFF"/>
-                </a:solidFill>
-              </a:rPr>
-              <a:t>, </a:t>
-            </a:r>
-            <a:r>
-              <a:rPr lang="en-US" sz="1500" dirty="0" err="1">
-                <a:solidFill>
-                  <a:srgbClr val="FFFFFF"/>
-                </a:solidFill>
-              </a:rPr>
-              <a:t>от</a:t>
-            </a:r>
-            <a:r>
-              <a:rPr lang="en-US" sz="1500" dirty="0">
-                <a:solidFill>
-                  <a:srgbClr val="FFFFFF"/>
-                </a:solidFill>
-              </a:rPr>
-              <a:t> </a:t>
-            </a:r>
-            <a:r>
-              <a:rPr lang="en-US" sz="1500" dirty="0" err="1">
-                <a:solidFill>
-                  <a:srgbClr val="FFFFFF"/>
-                </a:solidFill>
-              </a:rPr>
-              <a:t>частного</a:t>
-            </a:r>
-            <a:r>
-              <a:rPr lang="en-US" sz="1500" dirty="0">
-                <a:solidFill>
-                  <a:srgbClr val="FFFFFF"/>
-                </a:solidFill>
-              </a:rPr>
-              <a:t> </a:t>
-            </a:r>
-            <a:r>
-              <a:rPr lang="en-US" sz="1500" dirty="0" err="1">
-                <a:solidFill>
-                  <a:srgbClr val="FFFFFF"/>
-                </a:solidFill>
-              </a:rPr>
-              <a:t>кабинета</a:t>
-            </a:r>
-            <a:r>
-              <a:rPr lang="en-US" sz="1500" dirty="0">
-                <a:solidFill>
-                  <a:srgbClr val="FFFFFF"/>
-                </a:solidFill>
-              </a:rPr>
-              <a:t> </a:t>
-            </a:r>
-            <a:r>
-              <a:rPr lang="en-US" sz="1500" dirty="0" err="1">
-                <a:solidFill>
-                  <a:srgbClr val="FFFFFF"/>
-                </a:solidFill>
-              </a:rPr>
-              <a:t>до</a:t>
-            </a:r>
-            <a:r>
-              <a:rPr lang="en-US" sz="1500" dirty="0">
-                <a:solidFill>
-                  <a:srgbClr val="FFFFFF"/>
-                </a:solidFill>
-              </a:rPr>
-              <a:t> </a:t>
-            </a:r>
-            <a:r>
-              <a:rPr lang="en-US" sz="1500" dirty="0" err="1">
-                <a:solidFill>
-                  <a:srgbClr val="FFFFFF"/>
-                </a:solidFill>
-              </a:rPr>
-              <a:t>сети</a:t>
-            </a:r>
-            <a:r>
-              <a:rPr lang="en-US" sz="1500" dirty="0">
-                <a:solidFill>
-                  <a:srgbClr val="FFFFFF"/>
-                </a:solidFill>
-              </a:rPr>
-              <a:t> </a:t>
-            </a:r>
-            <a:r>
-              <a:rPr lang="en-US" sz="1500" dirty="0" err="1">
-                <a:solidFill>
-                  <a:srgbClr val="FFFFFF"/>
-                </a:solidFill>
-              </a:rPr>
-              <a:t>клиник</a:t>
-            </a:r>
-            <a:r>
-              <a:rPr lang="en-US" sz="1500" dirty="0">
-                <a:solidFill>
-                  <a:srgbClr val="FFFFFF"/>
-                </a:solidFill>
-              </a:rPr>
-              <a:t>. </a:t>
-            </a:r>
-            <a:r>
-              <a:rPr lang="en-US" sz="1500" dirty="0" err="1">
-                <a:solidFill>
-                  <a:srgbClr val="FFFFFF"/>
-                </a:solidFill>
-              </a:rPr>
-              <a:t>Плюс</a:t>
-            </a:r>
-            <a:r>
-              <a:rPr lang="en-US" sz="1500" dirty="0">
-                <a:solidFill>
-                  <a:srgbClr val="FFFFFF"/>
-                </a:solidFill>
-              </a:rPr>
-              <a:t> в </a:t>
-            </a:r>
-            <a:r>
-              <a:rPr lang="en-US" sz="1500" dirty="0" err="1">
-                <a:solidFill>
-                  <a:srgbClr val="FFFFFF"/>
-                </a:solidFill>
-              </a:rPr>
-              <a:t>том</a:t>
-            </a:r>
-            <a:r>
-              <a:rPr lang="en-US" sz="1500" dirty="0">
-                <a:solidFill>
-                  <a:srgbClr val="FFFFFF"/>
-                </a:solidFill>
-              </a:rPr>
-              <a:t>, </a:t>
-            </a:r>
-            <a:r>
-              <a:rPr lang="en-US" sz="1500" dirty="0" err="1">
-                <a:solidFill>
-                  <a:srgbClr val="FFFFFF"/>
-                </a:solidFill>
-              </a:rPr>
-              <a:t>что</a:t>
-            </a:r>
-            <a:r>
-              <a:rPr lang="en-US" sz="1500" dirty="0">
-                <a:solidFill>
-                  <a:srgbClr val="FFFFFF"/>
-                </a:solidFill>
-              </a:rPr>
-              <a:t> </a:t>
-            </a:r>
-            <a:r>
-              <a:rPr lang="en-US" sz="1500" dirty="0" err="1">
-                <a:solidFill>
-                  <a:srgbClr val="FFFFFF"/>
-                </a:solidFill>
-              </a:rPr>
-              <a:t>программа</a:t>
-            </a:r>
-            <a:r>
-              <a:rPr lang="en-US" sz="1500" dirty="0">
-                <a:solidFill>
-                  <a:srgbClr val="FFFFFF"/>
-                </a:solidFill>
-              </a:rPr>
-              <a:t> </a:t>
-            </a:r>
-            <a:r>
-              <a:rPr lang="en-US" sz="1500" dirty="0" err="1">
-                <a:solidFill>
-                  <a:srgbClr val="FFFFFF"/>
-                </a:solidFill>
-              </a:rPr>
-              <a:t>может</a:t>
-            </a:r>
-            <a:r>
-              <a:rPr lang="en-US" sz="1500" dirty="0">
-                <a:solidFill>
-                  <a:srgbClr val="FFFFFF"/>
-                </a:solidFill>
-              </a:rPr>
-              <a:t> </a:t>
-            </a:r>
-            <a:r>
-              <a:rPr lang="en-US" sz="1500" dirty="0" err="1">
-                <a:solidFill>
-                  <a:srgbClr val="FFFFFF"/>
-                </a:solidFill>
-              </a:rPr>
-              <a:t>расти</a:t>
-            </a:r>
-            <a:r>
-              <a:rPr lang="en-US" sz="1500" dirty="0">
-                <a:solidFill>
-                  <a:srgbClr val="FFFFFF"/>
-                </a:solidFill>
-              </a:rPr>
-              <a:t> </a:t>
-            </a:r>
-            <a:r>
-              <a:rPr lang="en-US" sz="1500" dirty="0" err="1">
-                <a:solidFill>
-                  <a:srgbClr val="FFFFFF"/>
-                </a:solidFill>
-              </a:rPr>
-              <a:t>вместе</a:t>
-            </a:r>
-            <a:r>
-              <a:rPr lang="en-US" sz="1500" dirty="0">
-                <a:solidFill>
-                  <a:srgbClr val="FFFFFF"/>
-                </a:solidFill>
-              </a:rPr>
-              <a:t> с </a:t>
-            </a:r>
-            <a:r>
-              <a:rPr lang="en-US" sz="1500" dirty="0" err="1">
-                <a:solidFill>
-                  <a:srgbClr val="FFFFFF"/>
-                </a:solidFill>
-              </a:rPr>
-              <a:t>бизнесом</a:t>
-            </a:r>
-            <a:r>
-              <a:rPr lang="en-US" sz="1500" dirty="0">
-                <a:solidFill>
-                  <a:srgbClr val="FFFFFF"/>
-                </a:solidFill>
-              </a:rPr>
-              <a:t>. </a:t>
-            </a:r>
-            <a:r>
-              <a:rPr lang="en-US" sz="1500" dirty="0" err="1">
-                <a:solidFill>
-                  <a:srgbClr val="FFFFFF"/>
-                </a:solidFill>
-              </a:rPr>
-              <a:t>По</a:t>
-            </a:r>
-            <a:r>
-              <a:rPr lang="en-US" sz="1500" dirty="0">
-                <a:solidFill>
-                  <a:srgbClr val="FFFFFF"/>
-                </a:solidFill>
-              </a:rPr>
-              <a:t> </a:t>
-            </a:r>
-            <a:r>
-              <a:rPr lang="en-US" sz="1500" dirty="0" err="1">
-                <a:solidFill>
-                  <a:srgbClr val="FFFFFF"/>
-                </a:solidFill>
-              </a:rPr>
-              <a:t>мере</a:t>
-            </a:r>
-            <a:r>
-              <a:rPr lang="en-US" sz="1500" dirty="0">
-                <a:solidFill>
-                  <a:srgbClr val="FFFFFF"/>
-                </a:solidFill>
-              </a:rPr>
-              <a:t> </a:t>
-            </a:r>
-            <a:r>
-              <a:rPr lang="en-US" sz="1500" dirty="0" err="1">
-                <a:solidFill>
-                  <a:srgbClr val="FFFFFF"/>
-                </a:solidFill>
-              </a:rPr>
-              <a:t>роста</a:t>
-            </a:r>
-            <a:r>
-              <a:rPr lang="en-US" sz="1500" dirty="0">
-                <a:solidFill>
-                  <a:srgbClr val="FFFFFF"/>
-                </a:solidFill>
-              </a:rPr>
-              <a:t> </a:t>
-            </a:r>
-            <a:r>
-              <a:rPr lang="en-US" sz="1500" dirty="0" err="1">
-                <a:solidFill>
-                  <a:srgbClr val="FFFFFF"/>
-                </a:solidFill>
-              </a:rPr>
-              <a:t>можно</a:t>
-            </a:r>
-            <a:r>
-              <a:rPr lang="en-US" sz="1500" dirty="0">
-                <a:solidFill>
-                  <a:srgbClr val="FFFFFF"/>
-                </a:solidFill>
-              </a:rPr>
-              <a:t> </a:t>
-            </a:r>
-            <a:r>
-              <a:rPr lang="en-US" sz="1500" dirty="0" err="1">
-                <a:solidFill>
-                  <a:srgbClr val="FFFFFF"/>
-                </a:solidFill>
-              </a:rPr>
-              <a:t>просто</a:t>
-            </a:r>
-            <a:r>
-              <a:rPr lang="en-US" sz="1500" dirty="0">
-                <a:solidFill>
-                  <a:srgbClr val="FFFFFF"/>
-                </a:solidFill>
-              </a:rPr>
-              <a:t> </a:t>
-            </a:r>
-            <a:r>
-              <a:rPr lang="en-US" sz="1500" dirty="0" err="1">
-                <a:solidFill>
-                  <a:srgbClr val="FFFFFF"/>
-                </a:solidFill>
-              </a:rPr>
-              <a:t>добавлять</a:t>
-            </a:r>
-            <a:r>
-              <a:rPr lang="en-US" sz="1500" dirty="0">
-                <a:solidFill>
-                  <a:srgbClr val="FFFFFF"/>
-                </a:solidFill>
-              </a:rPr>
-              <a:t> </a:t>
-            </a:r>
-            <a:r>
-              <a:rPr lang="en-US" sz="1500" dirty="0" err="1">
-                <a:solidFill>
-                  <a:srgbClr val="FFFFFF"/>
-                </a:solidFill>
-              </a:rPr>
-              <a:t>дополнительные</a:t>
-            </a:r>
-            <a:r>
-              <a:rPr lang="en-US" sz="1500" dirty="0">
-                <a:solidFill>
-                  <a:srgbClr val="FFFFFF"/>
-                </a:solidFill>
-              </a:rPr>
-              <a:t> </a:t>
-            </a:r>
-            <a:r>
-              <a:rPr lang="en-US" sz="1500" dirty="0" err="1">
-                <a:solidFill>
-                  <a:srgbClr val="FFFFFF"/>
-                </a:solidFill>
-              </a:rPr>
-              <a:t>модули</a:t>
-            </a:r>
-            <a:r>
-              <a:rPr lang="en-US" sz="1500" dirty="0">
-                <a:solidFill>
-                  <a:srgbClr val="FFFFFF"/>
-                </a:solidFill>
-              </a:rPr>
-              <a:t>, </a:t>
-            </a:r>
-            <a:r>
-              <a:rPr lang="en-US" sz="1500" dirty="0" err="1">
-                <a:solidFill>
-                  <a:srgbClr val="FFFFFF"/>
-                </a:solidFill>
-              </a:rPr>
-              <a:t>не</a:t>
-            </a:r>
-            <a:r>
-              <a:rPr lang="en-US" sz="1500" dirty="0">
-                <a:solidFill>
-                  <a:srgbClr val="FFFFFF"/>
-                </a:solidFill>
-              </a:rPr>
-              <a:t> </a:t>
-            </a:r>
-            <a:r>
-              <a:rPr lang="en-US" sz="1500" dirty="0" err="1">
-                <a:solidFill>
-                  <a:srgbClr val="FFFFFF"/>
-                </a:solidFill>
-              </a:rPr>
-              <a:t>меняя</a:t>
-            </a:r>
-            <a:r>
-              <a:rPr lang="en-US" sz="1500" dirty="0">
-                <a:solidFill>
-                  <a:srgbClr val="FFFFFF"/>
-                </a:solidFill>
-              </a:rPr>
-              <a:t> </a:t>
-            </a:r>
-            <a:r>
-              <a:rPr lang="en-US" sz="1500" dirty="0" err="1">
-                <a:solidFill>
-                  <a:srgbClr val="FFFFFF"/>
-                </a:solidFill>
-              </a:rPr>
-              <a:t>систему</a:t>
-            </a:r>
-            <a:r>
-              <a:rPr lang="en-US" sz="1500" dirty="0">
-                <a:solidFill>
-                  <a:srgbClr val="FFFFFF"/>
-                </a:solidFill>
-              </a:rPr>
-              <a:t> </a:t>
-            </a:r>
-            <a:r>
-              <a:rPr lang="en-US" sz="1500" dirty="0" err="1">
-                <a:solidFill>
-                  <a:srgbClr val="FFFFFF"/>
-                </a:solidFill>
-              </a:rPr>
-              <a:t>целиком</a:t>
-            </a:r>
-            <a:r>
-              <a:rPr lang="en-US" sz="1500" dirty="0">
-                <a:solidFill>
-                  <a:srgbClr val="FFFFFF"/>
-                </a:solidFill>
-              </a:rPr>
-              <a:t>.</a:t>
-            </a:r>
-          </a:p>
-        </p:txBody>
-      </p:sp>
-      <p:sp>
-        <p:nvSpPr>
-          <p:cNvPr id="89" name="!!footer rectangle">
-            <a:extLst>
-              <a:ext uri="{FF2B5EF4-FFF2-40B4-BE49-F238E27FC236}">
-                <a16:creationId xmlns:a16="http://schemas.microsoft.com/office/drawing/2014/main" id="{7363FFA6-C551-4935-A474-8B2482E55BAC}"/>
-              </a:ext>
-              <a:ext uri="{C183D7F6-B498-43B3-948B-1728B52AA6E4}">
-                <adec:decorative xmlns:adec="http://schemas.microsoft.com/office/drawing/2017/decorative" val="1"/>
-              </a:ext>
-            </a:extLst>
-          </p:cNvPr>
-          <p:cNvSpPr>
-            <a:spLocks noGrp="1" noRot="1" noChangeAspect="1" noMove="1" noResize="1" noEditPoints="1" noAdjustHandles="1" noChangeArrowheads="1" noChangeShapeType="1" noTextEdit="1"/>
-          </p:cNvSpPr>
-          <p:nvPr>
-            <p:extLst>
-              <p:ext uri="{386F3935-93C4-4BCD-93E2-E3B085C9AB24}">
-                <p16:designElem xmlns:p16="http://schemas.microsoft.com/office/powerpoint/2015/main" val="1"/>
-              </p:ext>
-            </p:extLst>
-          </p:nvPr>
-        </p:nvSpPr>
-        <p:spPr>
-          <a:xfrm>
-            <a:off x="1" y="6400800"/>
-            <a:ext cx="12192000" cy="457200"/>
-          </a:xfrm>
-          <a:prstGeom prst="rect">
-            <a:avLst/>
-          </a:prstGeom>
-          <a:solidFill>
-            <a:srgbClr val="262626">
-              <a:alpha val="95000"/>
-            </a:srgbClr>
-          </a:solidFill>
-          <a:ln>
-            <a:noFill/>
-          </a:ln>
-        </p:spPr>
-        <p:style>
-          <a:lnRef idx="2">
-            <a:schemeClr val="accent1">
-              <a:shade val="50000"/>
-            </a:schemeClr>
-          </a:lnRef>
-          <a:fillRef idx="1">
-            <a:schemeClr val="accent1"/>
-          </a:fillRef>
-          <a:effectRef idx="0">
-            <a:schemeClr val="accent1"/>
-          </a:effectRef>
-          <a:fontRef idx="minor">
-            <a:schemeClr val="lt1"/>
-          </a:fontRef>
-        </p:style>
-      </p:sp>
-    </p:spTree>
-    <p:extLst>
-      <p:ext uri="{BB962C8B-B14F-4D97-AF65-F5344CB8AC3E}">
-        <p14:creationId xmlns:p14="http://schemas.microsoft.com/office/powerpoint/2010/main" val="3145610977"/>
-      </p:ext>
-    </p:extLst>
-  </p:cSld>
-  <p:clrMapOvr>
-    <a:overrideClrMapping bg1="dk1" tx1="lt1" bg2="dk2" tx2="lt2" accent1="accent1" accent2="accent2" accent3="accent3" accent4="accent4" accent5="accent5" accent6="accent6" hlink="hlink" folHlink="folHlink"/>
-  </p:clrMapOvr>
-</p:sld>
-</file>
-
-<file path=ppt/slides/slide9.xml><?xml version="1.0" encoding="utf-8"?>
-<p:sld xmlns:a="http://schemas.openxmlformats.org/drawingml/2006/main" xmlns:r="http://schemas.openxmlformats.org/officeDocument/2006/relationships" xmlns:p="http://schemas.openxmlformats.org/presentationml/2006/main">
-  <p:cSld>
-    <p:bg>
-      <p:bgPr>
-        <a:solidFill>
-          <a:schemeClr val="bg1"/>
-        </a:solidFill>
-        <a:effectLst/>
-      </p:bgPr>
-    </p:bg>
-    <p:spTree>
-      <p:nvGrpSpPr>
-        <p:cNvPr id="1" name=""/>
-        <p:cNvGrpSpPr/>
-        <p:nvPr/>
-      </p:nvGrpSpPr>
-      <p:grpSpPr>
-        <a:xfrm>
-          <a:off x="0" y="0"/>
-          <a:ext cx="0" cy="0"/>
-          <a:chOff x="0" y="0"/>
-          <a:chExt cx="0" cy="0"/>
-        </a:xfrm>
-      </p:grpSpPr>
-      <p:sp>
-        <p:nvSpPr>
-          <p:cNvPr id="9" name="Rectangle 8">
-            <a:extLst>
-              <a:ext uri="{FF2B5EF4-FFF2-40B4-BE49-F238E27FC236}">
-                <a16:creationId xmlns:a16="http://schemas.microsoft.com/office/drawing/2014/main" id="{39E3965E-AC41-4711-9D10-E25ABB132D86}"/>
-              </a:ext>
-              <a:ext uri="{C183D7F6-B498-43B3-948B-1728B52AA6E4}">
-                <adec:decorative xmlns:adec="http://schemas.microsoft.com/office/drawing/2017/decorative" val="1"/>
-              </a:ext>
-            </a:extLst>
-          </p:cNvPr>
-          <p:cNvSpPr>
-            <a:spLocks noGrp="1" noRot="1" noChangeAspect="1" noMove="1" noResize="1" noEditPoints="1" noAdjustHandles="1" noChangeArrowheads="1" noChangeShapeType="1" noTextEdit="1"/>
-          </p:cNvSpPr>
-          <p:nvPr>
-            <p:extLst>
-              <p:ext uri="{386F3935-93C4-4BCD-93E2-E3B085C9AB24}">
-                <p16:designElem xmlns:p16="http://schemas.microsoft.com/office/powerpoint/2015/main" val="1"/>
-              </p:ext>
-            </p:extLst>
-          </p:nvPr>
-        </p:nvSpPr>
-        <p:spPr>
-          <a:xfrm>
-            <a:off x="3175" y="6400800"/>
-            <a:ext cx="12188825" cy="457200"/>
+            <a:off x="16" y="0"/>
+            <a:ext cx="4648593" cy="6858000"/>
           </a:xfrm>
           <a:prstGeom prst="rect">
             <a:avLst/>
@@ -13329,127 +11684,12 @@
           </a:fontRef>
         </p:style>
       </p:sp>
-      <p:cxnSp>
-        <p:nvCxnSpPr>
-          <p:cNvPr id="11" name="Straight Connector 10">
-            <a:extLst>
-              <a:ext uri="{FF2B5EF4-FFF2-40B4-BE49-F238E27FC236}">
-                <a16:creationId xmlns:a16="http://schemas.microsoft.com/office/drawing/2014/main" id="{1F5DC8C3-BA5F-4EED-BB9A-A14272BD82A1}"/>
-              </a:ext>
-              <a:ext uri="{C183D7F6-B498-43B3-948B-1728B52AA6E4}">
-                <adec:decorative xmlns:adec="http://schemas.microsoft.com/office/drawing/2017/decorative" val="1"/>
-              </a:ext>
-            </a:extLst>
-          </p:cNvPr>
-          <p:cNvCxnSpPr>
-            <a:cxnSpLocks noGrp="1" noRot="1" noChangeAspect="1" noMove="1" noResize="1" noEditPoints="1" noAdjustHandles="1" noChangeArrowheads="1" noChangeShapeType="1"/>
-          </p:cNvCxnSpPr>
-          <p:nvPr>
-            <p:extLst>
-              <p:ext uri="{386F3935-93C4-4BCD-93E2-E3B085C9AB24}">
-                <p16:designElem xmlns:p16="http://schemas.microsoft.com/office/powerpoint/2015/main" val="1"/>
-              </p:ext>
-            </p:extLst>
-          </p:nvPr>
-        </p:nvCxnSpPr>
-        <p:spPr>
-          <a:xfrm>
-            <a:off x="1207658" y="4474741"/>
-            <a:ext cx="9875520" cy="0"/>
-          </a:xfrm>
-          <a:prstGeom prst="line">
-            <a:avLst/>
-          </a:prstGeom>
-          <a:ln w="12700">
-            <a:solidFill>
-              <a:schemeClr val="tx1">
-                <a:lumMod val="75000"/>
-                <a:lumOff val="25000"/>
-              </a:schemeClr>
-            </a:solidFill>
-          </a:ln>
-        </p:spPr>
-        <p:style>
-          <a:lnRef idx="1">
-            <a:schemeClr val="accent1"/>
-          </a:lnRef>
-          <a:fillRef idx="0">
-            <a:schemeClr val="accent1"/>
-          </a:fillRef>
-          <a:effectRef idx="0">
-            <a:schemeClr val="accent1"/>
-          </a:effectRef>
-          <a:fontRef idx="minor">
-            <a:schemeClr val="tx1"/>
-          </a:fontRef>
-        </p:style>
-      </p:cxnSp>
-      <p:sp useBgFill="1">
-        <p:nvSpPr>
-          <p:cNvPr id="13" name="Rectangle 12">
-            <a:extLst>
-              <a:ext uri="{FF2B5EF4-FFF2-40B4-BE49-F238E27FC236}">
-                <a16:creationId xmlns:a16="http://schemas.microsoft.com/office/drawing/2014/main" id="{EE362070-691D-44DB-98D4-BC61774B0E61}"/>
-              </a:ext>
-              <a:ext uri="{C183D7F6-B498-43B3-948B-1728B52AA6E4}">
-                <adec:decorative xmlns:adec="http://schemas.microsoft.com/office/drawing/2017/decorative" val="1"/>
-              </a:ext>
-            </a:extLst>
-          </p:cNvPr>
-          <p:cNvSpPr>
-            <a:spLocks noGrp="1" noRot="1" noChangeAspect="1" noMove="1" noResize="1" noEditPoints="1" noAdjustHandles="1" noChangeArrowheads="1" noChangeShapeType="1" noTextEdit="1"/>
-          </p:cNvSpPr>
-          <p:nvPr>
-            <p:extLst>
-              <p:ext uri="{386F3935-93C4-4BCD-93E2-E3B085C9AB24}">
-                <p16:designElem xmlns:p16="http://schemas.microsoft.com/office/powerpoint/2015/main" val="1"/>
-              </p:ext>
-            </p:extLst>
-          </p:nvPr>
-        </p:nvSpPr>
-        <p:spPr>
-          <a:xfrm>
-            <a:off x="0" y="0"/>
-            <a:ext cx="12192001" cy="6858000"/>
-          </a:xfrm>
-          <a:prstGeom prst="rect">
-            <a:avLst/>
-          </a:prstGeom>
-          <a:ln>
-            <a:noFill/>
-          </a:ln>
-        </p:spPr>
-        <p:style>
-          <a:lnRef idx="2">
-            <a:schemeClr val="accent1">
-              <a:shade val="50000"/>
-            </a:schemeClr>
-          </a:lnRef>
-          <a:fillRef idx="1">
-            <a:schemeClr val="accent1"/>
-          </a:fillRef>
-          <a:effectRef idx="0">
-            <a:schemeClr val="accent1"/>
-          </a:effectRef>
-          <a:fontRef idx="minor">
-            <a:schemeClr val="lt1"/>
-          </a:fontRef>
-        </p:style>
-        <p:txBody>
-          <a:bodyPr rtlCol="0" anchor="ctr"/>
-          <a:lstStyle/>
-          <a:p>
-            <a:pPr algn="ctr"/>
-            <a:endParaRPr lang="en-US"/>
-          </a:p>
-        </p:txBody>
-      </p:sp>
       <p:sp>
         <p:nvSpPr>
           <p:cNvPr id="2" name="Заголовок 1">
             <a:extLst>
               <a:ext uri="{FF2B5EF4-FFF2-40B4-BE49-F238E27FC236}">
-                <a16:creationId xmlns:a16="http://schemas.microsoft.com/office/drawing/2014/main" id="{85A6FE6A-F28E-B2AA-3F30-74356F563E76}"/>
+                <a16:creationId xmlns:a16="http://schemas.microsoft.com/office/drawing/2014/main" xmlns="" id="{44F2112D-ADFF-00CB-17DC-95FD43B6B091}"/>
               </a:ext>
             </a:extLst>
           </p:cNvPr>
@@ -13462,189 +11702,153 @@
         </p:nvSpPr>
         <p:spPr>
           <a:xfrm>
-            <a:off x="3836504" y="758951"/>
-            <a:ext cx="7319175" cy="3374931"/>
+            <a:off x="492369" y="605896"/>
+            <a:ext cx="3642309" cy="5646208"/>
           </a:xfrm>
         </p:spPr>
         <p:txBody>
-          <a:bodyPr vert="horz" lIns="91440" tIns="45720" rIns="91440" bIns="45720" rtlCol="0" anchor="b">
+          <a:bodyPr anchor="ctr">
             <a:normAutofit/>
           </a:bodyPr>
           <a:lstStyle/>
           <a:p>
             <a:r>
-              <a:rPr lang="en-US" sz="7400" dirty="0">
+              <a:rPr lang="ru-RU" sz="4400" dirty="0">
                 <a:solidFill>
-                  <a:schemeClr val="tx1">
-                    <a:lumMod val="85000"/>
-                    <a:lumOff val="15000"/>
-                  </a:schemeClr>
+                  <a:srgbClr val="FFFFFF"/>
                 </a:solidFill>
               </a:rPr>
-              <a:t>Возможности archiMed+</a:t>
+              <a:t>Обзор актуальных технологий</a:t>
             </a:r>
           </a:p>
         </p:txBody>
       </p:sp>
-      <p:pic>
-        <p:nvPicPr>
-          <p:cNvPr id="6" name="Graphic 5" descr="Лампочка">
+      <p:sp>
+        <p:nvSpPr>
+          <p:cNvPr id="3" name="Объект 2">
             <a:extLst>
               <a:ext uri="{FF2B5EF4-FFF2-40B4-BE49-F238E27FC236}">
-                <a16:creationId xmlns:a16="http://schemas.microsoft.com/office/drawing/2014/main" id="{A59CD33C-041A-2435-52BC-16327F5C243F}"/>
-              </a:ext>
-            </a:extLst>
-          </p:cNvPr>
-          <p:cNvPicPr>
-            <a:picLocks noChangeAspect="1"/>
-          </p:cNvPicPr>
-          <p:nvPr/>
-        </p:nvPicPr>
-        <p:blipFill>
-          <a:blip r:embed="rId2">
-            <a:extLst>
-              <a:ext uri="{28A0092B-C50C-407E-A947-70E740481C1C}">
-                <a14:useLocalDpi xmlns:a14="http://schemas.microsoft.com/office/drawing/2010/main" val="0"/>
-              </a:ext>
-              <a:ext uri="{96DAC541-7B7A-43D3-8B79-37D633B846F1}">
-                <asvg:svgBlip xmlns:asvg="http://schemas.microsoft.com/office/drawing/2016/SVG/main" r:embed="rId3"/>
-              </a:ext>
-            </a:extLst>
-          </a:blip>
-          <a:stretch>
-            <a:fillRect/>
-          </a:stretch>
-        </p:blipFill>
-        <p:spPr>
-          <a:xfrm>
-            <a:off x="620973" y="1790485"/>
-            <a:ext cx="2758331" cy="2758331"/>
-          </a:xfrm>
-          <a:prstGeom prst="rect">
-            <a:avLst/>
-          </a:prstGeom>
-        </p:spPr>
-      </p:pic>
-      <p:cxnSp>
-        <p:nvCxnSpPr>
-          <p:cNvPr id="15" name="Straight Connector 14">
-            <a:extLst>
-              <a:ext uri="{FF2B5EF4-FFF2-40B4-BE49-F238E27FC236}">
-                <a16:creationId xmlns:a16="http://schemas.microsoft.com/office/drawing/2014/main" id="{5A7EFE9C-DAE7-4ECA-BDB2-34E2534B8AB7}"/>
-              </a:ext>
-              <a:ext uri="{C183D7F6-B498-43B3-948B-1728B52AA6E4}">
-                <adec:decorative xmlns:adec="http://schemas.microsoft.com/office/drawing/2017/decorative" val="1"/>
-              </a:ext>
-            </a:extLst>
-          </p:cNvPr>
-          <p:cNvCxnSpPr>
-            <a:cxnSpLocks noGrp="1" noRot="1" noChangeAspect="1" noMove="1" noResize="1" noEditPoints="1" noAdjustHandles="1" noChangeArrowheads="1" noChangeShapeType="1"/>
-          </p:cNvCxnSpPr>
-          <p:nvPr>
-            <p:extLst>
-              <p:ext uri="{386F3935-93C4-4BCD-93E2-E3B085C9AB24}">
-                <p16:designElem xmlns:p16="http://schemas.microsoft.com/office/powerpoint/2015/main" val="1"/>
-              </p:ext>
-            </p:extLst>
-          </p:nvPr>
-        </p:nvCxnSpPr>
-        <p:spPr>
-          <a:xfrm>
-            <a:off x="3958251" y="4294753"/>
-            <a:ext cx="7132320" cy="0"/>
-          </a:xfrm>
-          <a:prstGeom prst="line">
-            <a:avLst/>
-          </a:prstGeom>
-          <a:ln w="12700">
-            <a:solidFill>
-              <a:schemeClr val="tx1">
-                <a:lumMod val="75000"/>
-                <a:lumOff val="25000"/>
-              </a:schemeClr>
-            </a:solidFill>
-          </a:ln>
-        </p:spPr>
-        <p:style>
-          <a:lnRef idx="1">
-            <a:schemeClr val="accent1"/>
-          </a:lnRef>
-          <a:fillRef idx="0">
-            <a:schemeClr val="accent1"/>
-          </a:fillRef>
-          <a:effectRef idx="0">
-            <a:schemeClr val="accent1"/>
-          </a:effectRef>
-          <a:fontRef idx="minor">
-            <a:schemeClr val="tx1"/>
-          </a:fontRef>
-        </p:style>
-      </p:cxnSp>
-      <p:sp>
-        <p:nvSpPr>
-          <p:cNvPr id="17" name="Rectangle 16">
-            <a:extLst>
-              <a:ext uri="{FF2B5EF4-FFF2-40B4-BE49-F238E27FC236}">
-                <a16:creationId xmlns:a16="http://schemas.microsoft.com/office/drawing/2014/main" id="{32DB1480-5B24-4B37-B70E-C74945DD914E}"/>
-              </a:ext>
-              <a:ext uri="{C183D7F6-B498-43B3-948B-1728B52AA6E4}">
-                <adec:decorative xmlns:adec="http://schemas.microsoft.com/office/drawing/2017/decorative" val="1"/>
+                <a16:creationId xmlns:a16="http://schemas.microsoft.com/office/drawing/2014/main" xmlns="" id="{21188CA3-6F14-BC1D-3AD5-59742F963F40}"/>
               </a:ext>
             </a:extLst>
           </p:cNvPr>
           <p:cNvSpPr>
-            <a:spLocks noGrp="1" noRot="1" noChangeAspect="1" noMove="1" noResize="1" noEditPoints="1" noAdjustHandles="1" noChangeArrowheads="1" noChangeShapeType="1" noTextEdit="1"/>
+            <a:spLocks noGrp="1"/>
           </p:cNvSpPr>
           <p:nvPr>
-            <p:extLst>
-              <p:ext uri="{386F3935-93C4-4BCD-93E2-E3B085C9AB24}">
-                <p16:designElem xmlns:p16="http://schemas.microsoft.com/office/powerpoint/2015/main" val="1"/>
-              </p:ext>
-            </p:extLst>
+            <p:ph idx="1"/>
           </p:nvPr>
         </p:nvSpPr>
         <p:spPr>
           <a:xfrm>
-            <a:off x="0" y="6400800"/>
-            <a:ext cx="12192000" cy="457200"/>
+            <a:off x="5231958" y="605896"/>
+            <a:ext cx="5923721" cy="5646208"/>
           </a:xfrm>
-          <a:prstGeom prst="rect">
-            <a:avLst/>
-          </a:prstGeom>
-          <a:solidFill>
-            <a:srgbClr val="262626"/>
-          </a:solidFill>
-          <a:ln>
-            <a:noFill/>
-          </a:ln>
         </p:spPr>
-        <p:style>
-          <a:lnRef idx="2">
-            <a:schemeClr val="accent1">
-              <a:shade val="50000"/>
-            </a:schemeClr>
-          </a:lnRef>
-          <a:fillRef idx="1">
-            <a:schemeClr val="accent1"/>
-          </a:fillRef>
-          <a:effectRef idx="0">
-            <a:schemeClr val="accent1"/>
-          </a:effectRef>
-          <a:fontRef idx="minor">
-            <a:schemeClr val="lt1"/>
-          </a:fontRef>
-        </p:style>
+        <p:txBody>
+          <a:bodyPr anchor="ctr">
+            <a:normAutofit/>
+          </a:bodyPr>
+          <a:lstStyle/>
+          <a:p>
+            <a:pPr marL="201168" lvl="1" indent="0" algn="just">
+              <a:buNone/>
+            </a:pPr>
+            <a:r>
+              <a:rPr lang="en-US" sz="2400" dirty="0">
+                <a:latin typeface="Arial" panose="020B0604020202020204" pitchFamily="34" charset="0"/>
+              </a:rPr>
+              <a:t>        </a:t>
+            </a:r>
+            <a:r>
+              <a:rPr lang="ru-RU" sz="2400" dirty="0">
+                <a:latin typeface="Arial" panose="020B0604020202020204" pitchFamily="34" charset="0"/>
+              </a:rPr>
+              <a:t>Для реализации проекта будут использоваться следующие технологии:</a:t>
+            </a:r>
+          </a:p>
+          <a:p>
+            <a:pPr marL="457200" indent="-457200" algn="just">
+              <a:buFont typeface="+mj-lt"/>
+              <a:buAutoNum type="arabicPeriod"/>
+            </a:pPr>
+            <a:r>
+              <a:rPr lang="en-US" sz="2400" b="1" dirty="0">
+                <a:latin typeface="Arial" panose="020B0604020202020204" pitchFamily="34" charset="0"/>
+              </a:rPr>
+              <a:t>Spring Framework.</a:t>
+            </a:r>
+          </a:p>
+          <a:p>
+            <a:pPr marL="457200" indent="-457200">
+              <a:buFont typeface="+mj-lt"/>
+              <a:buAutoNum type="arabicPeriod"/>
+            </a:pPr>
+            <a:r>
+              <a:rPr lang="en-US" sz="2400" b="1" dirty="0" err="1">
+                <a:latin typeface="Arial" panose="020B0604020202020204" pitchFamily="34" charset="0"/>
+              </a:rPr>
+              <a:t>PostgreSQL</a:t>
+            </a:r>
+            <a:r>
+              <a:rPr lang="en-US" sz="2400" b="1" dirty="0">
+                <a:latin typeface="Arial" panose="020B0604020202020204" pitchFamily="34" charset="0"/>
+              </a:rPr>
+              <a:t>.</a:t>
+            </a:r>
+          </a:p>
+          <a:p>
+            <a:pPr marL="457200" indent="-457200">
+              <a:buFont typeface="+mj-lt"/>
+              <a:buAutoNum type="arabicPeriod"/>
+            </a:pPr>
+            <a:r>
+              <a:rPr lang="en-US" sz="2400" b="1" dirty="0">
+                <a:latin typeface="Arial" panose="020B0604020202020204" pitchFamily="34" charset="0"/>
+              </a:rPr>
+              <a:t>Hibernate.</a:t>
+            </a:r>
+          </a:p>
+          <a:p>
+            <a:pPr marL="457200" indent="-457200">
+              <a:buFont typeface="+mj-lt"/>
+              <a:buAutoNum type="arabicPeriod"/>
+            </a:pPr>
+            <a:r>
+              <a:rPr lang="en-US" sz="2400" b="1" dirty="0" err="1">
+                <a:latin typeface="Arial" panose="020B0604020202020204" pitchFamily="34" charset="0"/>
+              </a:rPr>
+              <a:t>Thymeleaf</a:t>
+            </a:r>
+            <a:r>
+              <a:rPr lang="en-US" sz="2400" b="1" dirty="0">
+                <a:latin typeface="Arial" panose="020B0604020202020204" pitchFamily="34" charset="0"/>
+              </a:rPr>
+              <a:t>.</a:t>
+            </a:r>
+            <a:endParaRPr lang="ru-RU" sz="2400" b="1" dirty="0">
+              <a:latin typeface="Arial" panose="020B0604020202020204" pitchFamily="34" charset="0"/>
+            </a:endParaRPr>
+          </a:p>
+        </p:txBody>
       </p:sp>
     </p:spTree>
     <p:extLst>
       <p:ext uri="{BB962C8B-B14F-4D97-AF65-F5344CB8AC3E}">
-        <p14:creationId xmlns:p14="http://schemas.microsoft.com/office/powerpoint/2010/main" val="3716415745"/>
+        <p14:creationId xmlns:p14="http://schemas.microsoft.com/office/powerpoint/2010/main" val="576004236"/>
       </p:ext>
     </p:extLst>
   </p:cSld>
   <p:clrMapOvr>
     <a:masterClrMapping/>
   </p:clrMapOvr>
+  <p:timing>
+    <p:tnLst>
+      <p:par>
+        <p:cTn id="1" dur="indefinite" restart="never" nodeType="tmRoot"/>
+      </p:par>
+    </p:tnLst>
+  </p:timing>
 </p:sld>
 </file>
 
@@ -13925,7 +12129,7 @@
   <a:extraClrSchemeLst/>
   <a:extLst>
     <a:ext uri="{05A4C25C-085E-4340-85A3-A5531E510DB2}">
-      <thm15:themeFamily xmlns:thm15="http://schemas.microsoft.com/office/thememl/2012/main" name="RetrospectVTI" id="{ABE3C30C-0FC0-4450-828E-52DE70F1BCCB}" vid="{A6E2497D-935A-4CFD-B9FD-6DCB15FA68BF}"/>
+      <thm15:themeFamily xmlns:thm15="http://schemas.microsoft.com/office/thememl/2012/main" xmlns="" name="RetrospectVTI" id="{ABE3C30C-0FC0-4450-828E-52DE70F1BCCB}" vid="{A6E2497D-935A-4CFD-B9FD-6DCB15FA68BF}"/>
     </a:ext>
   </a:extLst>
 </a:theme>
@@ -14220,7 +12424,7 @@
   <a:extraClrSchemeLst/>
   <a:extLst>
     <a:ext uri="{05A4C25C-085E-4340-85A3-A5531E510DB2}">
-      <thm15:themeFamily xmlns:thm15="http://schemas.microsoft.com/office/thememl/2012/main" name="Office Theme" id="{62F939B6-93AF-4DB8-9C6B-D6C7DFDC589F}" vid="{4A3C46E8-61CC-4603-A589-7422A47A8E4A}"/>
+      <thm15:themeFamily xmlns:thm15="http://schemas.microsoft.com/office/thememl/2012/main" xmlns="" name="Office Theme" id="{62F939B6-93AF-4DB8-9C6B-D6C7DFDC589F}" vid="{4A3C46E8-61CC-4603-A589-7422A47A8E4A}"/>
     </a:ext>
   </a:extLst>
 </a:theme>
